--- a/Powerpoint.pptx
+++ b/Powerpoint.pptx
@@ -2,11 +2,13 @@
 <file path=ppt/presentation.xml><?xml version="1.0" encoding="utf-8"?>
 <p:presentation xmlns:a="http://schemas.openxmlformats.org/drawingml/2006/main" xmlns:r="http://schemas.openxmlformats.org/officeDocument/2006/relationships" xmlns:p="http://schemas.openxmlformats.org/presentationml/2006/main" saveSubsetFonts="1">
   <p:sldMasterIdLst>
-    <p:sldMasterId id="2147483648" r:id="rId1"/>
+    <p:sldMasterId id="2147483675" r:id="rId1"/>
   </p:sldMasterIdLst>
   <p:sldIdLst>
     <p:sldId id="256" r:id="rId2"/>
     <p:sldId id="257" r:id="rId3"/>
+    <p:sldId id="258" r:id="rId4"/>
+    <p:sldId id="259" r:id="rId5"/>
   </p:sldIdLst>
   <p:sldSz cx="12192000" cy="6858000"/>
   <p:notesSz cx="6858000" cy="9144000"/>
@@ -135,7 +137,7 @@
           <p:cNvPr id="2" name="Titel 1">
             <a:extLst>
               <a:ext uri="{FF2B5EF4-FFF2-40B4-BE49-F238E27FC236}">
-                <a16:creationId xmlns:a16="http://schemas.microsoft.com/office/drawing/2014/main" id="{02C00AC4-828E-4621-8BAF-6D97FA04F0FB}"/>
+                <a16:creationId xmlns:a16="http://schemas.microsoft.com/office/drawing/2014/main" id="{2D99FB4D-73A5-4B63-89D4-359821D52D79}"/>
               </a:ext>
             </a:extLst>
           </p:cNvPr>
@@ -172,7 +174,7 @@
           <p:cNvPr id="3" name="Untertitel 2">
             <a:extLst>
               <a:ext uri="{FF2B5EF4-FFF2-40B4-BE49-F238E27FC236}">
-                <a16:creationId xmlns:a16="http://schemas.microsoft.com/office/drawing/2014/main" id="{C308130C-25DE-429D-A33B-765C62109131}"/>
+                <a16:creationId xmlns:a16="http://schemas.microsoft.com/office/drawing/2014/main" id="{B1583B13-C318-4E17-B8A2-0FBDAA37B8B8}"/>
               </a:ext>
             </a:extLst>
           </p:cNvPr>
@@ -242,7 +244,7 @@
           <p:cNvPr id="4" name="Datumsplatzhalter 3">
             <a:extLst>
               <a:ext uri="{FF2B5EF4-FFF2-40B4-BE49-F238E27FC236}">
-                <a16:creationId xmlns:a16="http://schemas.microsoft.com/office/drawing/2014/main" id="{0AC2CDC8-D6CC-4BB4-92C7-A0AF5C0BF46C}"/>
+                <a16:creationId xmlns:a16="http://schemas.microsoft.com/office/drawing/2014/main" id="{AE5A30E1-EE15-4320-8FFB-50872DF3FBCB}"/>
               </a:ext>
             </a:extLst>
           </p:cNvPr>
@@ -271,7 +273,7 @@
           <p:cNvPr id="5" name="Fußzeilenplatzhalter 4">
             <a:extLst>
               <a:ext uri="{FF2B5EF4-FFF2-40B4-BE49-F238E27FC236}">
-                <a16:creationId xmlns:a16="http://schemas.microsoft.com/office/drawing/2014/main" id="{F1341B4C-F893-41E8-BD3B-C470A93338F9}"/>
+                <a16:creationId xmlns:a16="http://schemas.microsoft.com/office/drawing/2014/main" id="{8A19DA4F-18C3-47ED-81BF-F79D0A76ACC1}"/>
               </a:ext>
             </a:extLst>
           </p:cNvPr>
@@ -296,7 +298,7 @@
           <p:cNvPr id="6" name="Foliennummernplatzhalter 5">
             <a:extLst>
               <a:ext uri="{FF2B5EF4-FFF2-40B4-BE49-F238E27FC236}">
-                <a16:creationId xmlns:a16="http://schemas.microsoft.com/office/drawing/2014/main" id="{65DAA59D-454C-450C-BA0C-AF29B063E4A8}"/>
+                <a16:creationId xmlns:a16="http://schemas.microsoft.com/office/drawing/2014/main" id="{D77174A7-738D-41E9-AC16-1D3EC9BAA22D}"/>
               </a:ext>
             </a:extLst>
           </p:cNvPr>
@@ -323,7 +325,7 @@
     </p:spTree>
     <p:extLst>
       <p:ext uri="{BB962C8B-B14F-4D97-AF65-F5344CB8AC3E}">
-        <p14:creationId xmlns:p14="http://schemas.microsoft.com/office/powerpoint/2010/main" val="2265895707"/>
+        <p14:creationId xmlns:p14="http://schemas.microsoft.com/office/powerpoint/2010/main" val="2861441334"/>
       </p:ext>
     </p:extLst>
   </p:cSld>
@@ -355,7 +357,7 @@
           <p:cNvPr id="2" name="Titel 1">
             <a:extLst>
               <a:ext uri="{FF2B5EF4-FFF2-40B4-BE49-F238E27FC236}">
-                <a16:creationId xmlns:a16="http://schemas.microsoft.com/office/drawing/2014/main" id="{98EA99FA-4A96-4D78-869D-AB89EC83428A}"/>
+                <a16:creationId xmlns:a16="http://schemas.microsoft.com/office/drawing/2014/main" id="{05F16755-CA5A-4967-AA95-4F98F3B37D09}"/>
               </a:ext>
             </a:extLst>
           </p:cNvPr>
@@ -383,7 +385,7 @@
           <p:cNvPr id="3" name="Vertikaler Textplatzhalter 2">
             <a:extLst>
               <a:ext uri="{FF2B5EF4-FFF2-40B4-BE49-F238E27FC236}">
-                <a16:creationId xmlns:a16="http://schemas.microsoft.com/office/drawing/2014/main" id="{5CAB385B-7899-40E2-BA53-20252EAD8071}"/>
+                <a16:creationId xmlns:a16="http://schemas.microsoft.com/office/drawing/2014/main" id="{0722230E-F6AB-471C-9746-6BF2E3D99FED}"/>
               </a:ext>
             </a:extLst>
           </p:cNvPr>
@@ -440,7 +442,7 @@
           <p:cNvPr id="4" name="Datumsplatzhalter 3">
             <a:extLst>
               <a:ext uri="{FF2B5EF4-FFF2-40B4-BE49-F238E27FC236}">
-                <a16:creationId xmlns:a16="http://schemas.microsoft.com/office/drawing/2014/main" id="{EC00D917-84EB-461B-8238-641AE2EBB8D4}"/>
+                <a16:creationId xmlns:a16="http://schemas.microsoft.com/office/drawing/2014/main" id="{C8033B40-24EA-4AD8-B492-41004EA573E3}"/>
               </a:ext>
             </a:extLst>
           </p:cNvPr>
@@ -469,7 +471,7 @@
           <p:cNvPr id="5" name="Fußzeilenplatzhalter 4">
             <a:extLst>
               <a:ext uri="{FF2B5EF4-FFF2-40B4-BE49-F238E27FC236}">
-                <a16:creationId xmlns:a16="http://schemas.microsoft.com/office/drawing/2014/main" id="{38D703B2-C6C9-4E3D-BBB8-CCBE5B603F9F}"/>
+                <a16:creationId xmlns:a16="http://schemas.microsoft.com/office/drawing/2014/main" id="{3D6EA412-3E83-402F-89D2-998194593673}"/>
               </a:ext>
             </a:extLst>
           </p:cNvPr>
@@ -494,7 +496,7 @@
           <p:cNvPr id="6" name="Foliennummernplatzhalter 5">
             <a:extLst>
               <a:ext uri="{FF2B5EF4-FFF2-40B4-BE49-F238E27FC236}">
-                <a16:creationId xmlns:a16="http://schemas.microsoft.com/office/drawing/2014/main" id="{E5600772-738D-4805-B34C-9167BC663FEB}"/>
+                <a16:creationId xmlns:a16="http://schemas.microsoft.com/office/drawing/2014/main" id="{981919F5-ABEE-4391-9BAF-020F69B47C54}"/>
               </a:ext>
             </a:extLst>
           </p:cNvPr>
@@ -521,7 +523,7 @@
     </p:spTree>
     <p:extLst>
       <p:ext uri="{BB962C8B-B14F-4D97-AF65-F5344CB8AC3E}">
-        <p14:creationId xmlns:p14="http://schemas.microsoft.com/office/powerpoint/2010/main" val="2116363020"/>
+        <p14:creationId xmlns:p14="http://schemas.microsoft.com/office/powerpoint/2010/main" val="1054090917"/>
       </p:ext>
     </p:extLst>
   </p:cSld>
@@ -553,7 +555,7 @@
           <p:cNvPr id="2" name="Vertikaler Titel 1">
             <a:extLst>
               <a:ext uri="{FF2B5EF4-FFF2-40B4-BE49-F238E27FC236}">
-                <a16:creationId xmlns:a16="http://schemas.microsoft.com/office/drawing/2014/main" id="{6262E28E-EE50-4C97-9296-B20CDC9CCCB1}"/>
+                <a16:creationId xmlns:a16="http://schemas.microsoft.com/office/drawing/2014/main" id="{EE6F5B4C-D804-4EEF-BA9D-3AE56E6A44EA}"/>
               </a:ext>
             </a:extLst>
           </p:cNvPr>
@@ -586,7 +588,7 @@
           <p:cNvPr id="3" name="Vertikaler Textplatzhalter 2">
             <a:extLst>
               <a:ext uri="{FF2B5EF4-FFF2-40B4-BE49-F238E27FC236}">
-                <a16:creationId xmlns:a16="http://schemas.microsoft.com/office/drawing/2014/main" id="{E3D943FB-BE4A-47B0-8818-7DD90C37CEDE}"/>
+                <a16:creationId xmlns:a16="http://schemas.microsoft.com/office/drawing/2014/main" id="{0DC6E000-4A80-4646-A603-62FEC43578E5}"/>
               </a:ext>
             </a:extLst>
           </p:cNvPr>
@@ -648,7 +650,7 @@
           <p:cNvPr id="4" name="Datumsplatzhalter 3">
             <a:extLst>
               <a:ext uri="{FF2B5EF4-FFF2-40B4-BE49-F238E27FC236}">
-                <a16:creationId xmlns:a16="http://schemas.microsoft.com/office/drawing/2014/main" id="{5957EB6D-F9DF-4E68-A1AD-8D8699BED29A}"/>
+                <a16:creationId xmlns:a16="http://schemas.microsoft.com/office/drawing/2014/main" id="{5FF9DE78-1D0C-4FEE-A535-6756A1ABA760}"/>
               </a:ext>
             </a:extLst>
           </p:cNvPr>
@@ -677,7 +679,7 @@
           <p:cNvPr id="5" name="Fußzeilenplatzhalter 4">
             <a:extLst>
               <a:ext uri="{FF2B5EF4-FFF2-40B4-BE49-F238E27FC236}">
-                <a16:creationId xmlns:a16="http://schemas.microsoft.com/office/drawing/2014/main" id="{99C0159D-F754-4129-A2F5-2B06EC08CA63}"/>
+                <a16:creationId xmlns:a16="http://schemas.microsoft.com/office/drawing/2014/main" id="{7567CBC3-5D58-4299-BFEE-16B37ABD2E39}"/>
               </a:ext>
             </a:extLst>
           </p:cNvPr>
@@ -702,7 +704,7 @@
           <p:cNvPr id="6" name="Foliennummernplatzhalter 5">
             <a:extLst>
               <a:ext uri="{FF2B5EF4-FFF2-40B4-BE49-F238E27FC236}">
-                <a16:creationId xmlns:a16="http://schemas.microsoft.com/office/drawing/2014/main" id="{AB7CCC3C-2312-4946-A975-D3EA450612AC}"/>
+                <a16:creationId xmlns:a16="http://schemas.microsoft.com/office/drawing/2014/main" id="{1CCBAF69-470D-4CC0-B3B9-356A1FF088CB}"/>
               </a:ext>
             </a:extLst>
           </p:cNvPr>
@@ -729,7 +731,7 @@
     </p:spTree>
     <p:extLst>
       <p:ext uri="{BB962C8B-B14F-4D97-AF65-F5344CB8AC3E}">
-        <p14:creationId xmlns:p14="http://schemas.microsoft.com/office/powerpoint/2010/main" val="727576696"/>
+        <p14:creationId xmlns:p14="http://schemas.microsoft.com/office/powerpoint/2010/main" val="661688731"/>
       </p:ext>
     </p:extLst>
   </p:cSld>
@@ -761,7 +763,7 @@
           <p:cNvPr id="2" name="Titel 1">
             <a:extLst>
               <a:ext uri="{FF2B5EF4-FFF2-40B4-BE49-F238E27FC236}">
-                <a16:creationId xmlns:a16="http://schemas.microsoft.com/office/drawing/2014/main" id="{0E20E41A-3FF5-44B2-9685-2B9F913DD5FA}"/>
+                <a16:creationId xmlns:a16="http://schemas.microsoft.com/office/drawing/2014/main" id="{B5F5546E-2379-49CF-B2FE-10863C3FC848}"/>
               </a:ext>
             </a:extLst>
           </p:cNvPr>
@@ -789,7 +791,7 @@
           <p:cNvPr id="3" name="Inhaltsplatzhalter 2">
             <a:extLst>
               <a:ext uri="{FF2B5EF4-FFF2-40B4-BE49-F238E27FC236}">
-                <a16:creationId xmlns:a16="http://schemas.microsoft.com/office/drawing/2014/main" id="{6719674B-9BD3-42DB-9AFF-39A0B35D19F9}"/>
+                <a16:creationId xmlns:a16="http://schemas.microsoft.com/office/drawing/2014/main" id="{FC500CAB-CEB7-4C44-9C3C-D8F4F157F9D4}"/>
               </a:ext>
             </a:extLst>
           </p:cNvPr>
@@ -846,7 +848,7 @@
           <p:cNvPr id="4" name="Datumsplatzhalter 3">
             <a:extLst>
               <a:ext uri="{FF2B5EF4-FFF2-40B4-BE49-F238E27FC236}">
-                <a16:creationId xmlns:a16="http://schemas.microsoft.com/office/drawing/2014/main" id="{DA73FD16-58AE-4294-8C2E-B73F1D007011}"/>
+                <a16:creationId xmlns:a16="http://schemas.microsoft.com/office/drawing/2014/main" id="{3B2D0E30-E3AB-4773-AAC7-D74DB611FF9C}"/>
               </a:ext>
             </a:extLst>
           </p:cNvPr>
@@ -875,7 +877,7 @@
           <p:cNvPr id="5" name="Fußzeilenplatzhalter 4">
             <a:extLst>
               <a:ext uri="{FF2B5EF4-FFF2-40B4-BE49-F238E27FC236}">
-                <a16:creationId xmlns:a16="http://schemas.microsoft.com/office/drawing/2014/main" id="{83ACDB53-CBF9-4E7C-AE1A-1563B71C5C41}"/>
+                <a16:creationId xmlns:a16="http://schemas.microsoft.com/office/drawing/2014/main" id="{8B16398F-7569-4F79-B417-231EBFCDF633}"/>
               </a:ext>
             </a:extLst>
           </p:cNvPr>
@@ -900,7 +902,7 @@
           <p:cNvPr id="6" name="Foliennummernplatzhalter 5">
             <a:extLst>
               <a:ext uri="{FF2B5EF4-FFF2-40B4-BE49-F238E27FC236}">
-                <a16:creationId xmlns:a16="http://schemas.microsoft.com/office/drawing/2014/main" id="{425D21AA-B0F4-4E14-9AF6-F1011B92C15A}"/>
+                <a16:creationId xmlns:a16="http://schemas.microsoft.com/office/drawing/2014/main" id="{00833AB8-2C1A-442B-A97F-0809079822E2}"/>
               </a:ext>
             </a:extLst>
           </p:cNvPr>
@@ -927,7 +929,7 @@
     </p:spTree>
     <p:extLst>
       <p:ext uri="{BB962C8B-B14F-4D97-AF65-F5344CB8AC3E}">
-        <p14:creationId xmlns:p14="http://schemas.microsoft.com/office/powerpoint/2010/main" val="2411131969"/>
+        <p14:creationId xmlns:p14="http://schemas.microsoft.com/office/powerpoint/2010/main" val="3572540731"/>
       </p:ext>
     </p:extLst>
   </p:cSld>
@@ -959,7 +961,7 @@
           <p:cNvPr id="2" name="Titel 1">
             <a:extLst>
               <a:ext uri="{FF2B5EF4-FFF2-40B4-BE49-F238E27FC236}">
-                <a16:creationId xmlns:a16="http://schemas.microsoft.com/office/drawing/2014/main" id="{11947844-6EF7-41E8-9C9D-FD099334461D}"/>
+                <a16:creationId xmlns:a16="http://schemas.microsoft.com/office/drawing/2014/main" id="{956F9D96-927A-4A89-ADFD-8CC626C17397}"/>
               </a:ext>
             </a:extLst>
           </p:cNvPr>
@@ -996,7 +998,7 @@
           <p:cNvPr id="3" name="Textplatzhalter 2">
             <a:extLst>
               <a:ext uri="{FF2B5EF4-FFF2-40B4-BE49-F238E27FC236}">
-                <a16:creationId xmlns:a16="http://schemas.microsoft.com/office/drawing/2014/main" id="{4514C6F2-2176-4161-BE54-4FFC646FC661}"/>
+                <a16:creationId xmlns:a16="http://schemas.microsoft.com/office/drawing/2014/main" id="{F42133FA-6604-4F55-B27F-C9A2A1B4D3FA}"/>
               </a:ext>
             </a:extLst>
           </p:cNvPr>
@@ -1121,7 +1123,7 @@
           <p:cNvPr id="4" name="Datumsplatzhalter 3">
             <a:extLst>
               <a:ext uri="{FF2B5EF4-FFF2-40B4-BE49-F238E27FC236}">
-                <a16:creationId xmlns:a16="http://schemas.microsoft.com/office/drawing/2014/main" id="{3EA6EBA7-CE02-4479-BD6F-206BB9CF3D83}"/>
+                <a16:creationId xmlns:a16="http://schemas.microsoft.com/office/drawing/2014/main" id="{05CADFBC-CB0F-4869-B981-534B2D2CCD59}"/>
               </a:ext>
             </a:extLst>
           </p:cNvPr>
@@ -1150,7 +1152,7 @@
           <p:cNvPr id="5" name="Fußzeilenplatzhalter 4">
             <a:extLst>
               <a:ext uri="{FF2B5EF4-FFF2-40B4-BE49-F238E27FC236}">
-                <a16:creationId xmlns:a16="http://schemas.microsoft.com/office/drawing/2014/main" id="{7A810D66-8CBD-436D-9F3A-5F5129C4455C}"/>
+                <a16:creationId xmlns:a16="http://schemas.microsoft.com/office/drawing/2014/main" id="{8A1D6A0D-86DF-4060-8AFE-D1896AD82B52}"/>
               </a:ext>
             </a:extLst>
           </p:cNvPr>
@@ -1175,7 +1177,7 @@
           <p:cNvPr id="6" name="Foliennummernplatzhalter 5">
             <a:extLst>
               <a:ext uri="{FF2B5EF4-FFF2-40B4-BE49-F238E27FC236}">
-                <a16:creationId xmlns:a16="http://schemas.microsoft.com/office/drawing/2014/main" id="{1ABC3ADE-D9AE-4B0B-B54B-921DA5691738}"/>
+                <a16:creationId xmlns:a16="http://schemas.microsoft.com/office/drawing/2014/main" id="{10AFF1E1-5FF4-4E86-B1A7-EF1E39D8192A}"/>
               </a:ext>
             </a:extLst>
           </p:cNvPr>
@@ -1202,7 +1204,7 @@
     </p:spTree>
     <p:extLst>
       <p:ext uri="{BB962C8B-B14F-4D97-AF65-F5344CB8AC3E}">
-        <p14:creationId xmlns:p14="http://schemas.microsoft.com/office/powerpoint/2010/main" val="3912288939"/>
+        <p14:creationId xmlns:p14="http://schemas.microsoft.com/office/powerpoint/2010/main" val="427102321"/>
       </p:ext>
     </p:extLst>
   </p:cSld>
@@ -1234,7 +1236,7 @@
           <p:cNvPr id="2" name="Titel 1">
             <a:extLst>
               <a:ext uri="{FF2B5EF4-FFF2-40B4-BE49-F238E27FC236}">
-                <a16:creationId xmlns:a16="http://schemas.microsoft.com/office/drawing/2014/main" id="{F31DFA76-D9D4-465E-B05F-9A1177BCC45E}"/>
+                <a16:creationId xmlns:a16="http://schemas.microsoft.com/office/drawing/2014/main" id="{C6C4E42D-3308-4DE0-BA24-B7AD5D1D8039}"/>
               </a:ext>
             </a:extLst>
           </p:cNvPr>
@@ -1262,7 +1264,7 @@
           <p:cNvPr id="3" name="Inhaltsplatzhalter 2">
             <a:extLst>
               <a:ext uri="{FF2B5EF4-FFF2-40B4-BE49-F238E27FC236}">
-                <a16:creationId xmlns:a16="http://schemas.microsoft.com/office/drawing/2014/main" id="{40B7DE49-5577-4922-8D2E-3ABE868A818B}"/>
+                <a16:creationId xmlns:a16="http://schemas.microsoft.com/office/drawing/2014/main" id="{11FDE636-09CD-4DCF-A9FF-3E71909DC226}"/>
               </a:ext>
             </a:extLst>
           </p:cNvPr>
@@ -1324,7 +1326,7 @@
           <p:cNvPr id="4" name="Inhaltsplatzhalter 3">
             <a:extLst>
               <a:ext uri="{FF2B5EF4-FFF2-40B4-BE49-F238E27FC236}">
-                <a16:creationId xmlns:a16="http://schemas.microsoft.com/office/drawing/2014/main" id="{FE8FA3AC-ADC7-49B2-B8F1-3692E7ED8E7D}"/>
+                <a16:creationId xmlns:a16="http://schemas.microsoft.com/office/drawing/2014/main" id="{B005AEE1-8A1C-4B28-941A-0AB6F6D08161}"/>
               </a:ext>
             </a:extLst>
           </p:cNvPr>
@@ -1386,7 +1388,7 @@
           <p:cNvPr id="5" name="Datumsplatzhalter 4">
             <a:extLst>
               <a:ext uri="{FF2B5EF4-FFF2-40B4-BE49-F238E27FC236}">
-                <a16:creationId xmlns:a16="http://schemas.microsoft.com/office/drawing/2014/main" id="{2C8E7942-A4CB-4EB6-8FDF-95025111F854}"/>
+                <a16:creationId xmlns:a16="http://schemas.microsoft.com/office/drawing/2014/main" id="{7AD9A30A-4767-4F13-82BB-0A8B31B31605}"/>
               </a:ext>
             </a:extLst>
           </p:cNvPr>
@@ -1415,7 +1417,7 @@
           <p:cNvPr id="6" name="Fußzeilenplatzhalter 5">
             <a:extLst>
               <a:ext uri="{FF2B5EF4-FFF2-40B4-BE49-F238E27FC236}">
-                <a16:creationId xmlns:a16="http://schemas.microsoft.com/office/drawing/2014/main" id="{7E5215D2-CDBA-4A05-89A9-BDD5BA06D99C}"/>
+                <a16:creationId xmlns:a16="http://schemas.microsoft.com/office/drawing/2014/main" id="{BD10C44B-9F92-408F-B664-78F1913DB5DB}"/>
               </a:ext>
             </a:extLst>
           </p:cNvPr>
@@ -1440,7 +1442,7 @@
           <p:cNvPr id="7" name="Foliennummernplatzhalter 6">
             <a:extLst>
               <a:ext uri="{FF2B5EF4-FFF2-40B4-BE49-F238E27FC236}">
-                <a16:creationId xmlns:a16="http://schemas.microsoft.com/office/drawing/2014/main" id="{7AD933CB-E87A-42CF-8145-F974ABC58949}"/>
+                <a16:creationId xmlns:a16="http://schemas.microsoft.com/office/drawing/2014/main" id="{B4231662-FA54-45C8-AFE2-2D1FC8B2C2CC}"/>
               </a:ext>
             </a:extLst>
           </p:cNvPr>
@@ -1467,7 +1469,7 @@
     </p:spTree>
     <p:extLst>
       <p:ext uri="{BB962C8B-B14F-4D97-AF65-F5344CB8AC3E}">
-        <p14:creationId xmlns:p14="http://schemas.microsoft.com/office/powerpoint/2010/main" val="1893276849"/>
+        <p14:creationId xmlns:p14="http://schemas.microsoft.com/office/powerpoint/2010/main" val="1952533141"/>
       </p:ext>
     </p:extLst>
   </p:cSld>
@@ -1499,7 +1501,7 @@
           <p:cNvPr id="2" name="Titel 1">
             <a:extLst>
               <a:ext uri="{FF2B5EF4-FFF2-40B4-BE49-F238E27FC236}">
-                <a16:creationId xmlns:a16="http://schemas.microsoft.com/office/drawing/2014/main" id="{29D4B79E-358A-47D4-9770-535E825CD942}"/>
+                <a16:creationId xmlns:a16="http://schemas.microsoft.com/office/drawing/2014/main" id="{3A5DAE73-B303-45CB-AF46-6105E4887793}"/>
               </a:ext>
             </a:extLst>
           </p:cNvPr>
@@ -1532,7 +1534,7 @@
           <p:cNvPr id="3" name="Textplatzhalter 2">
             <a:extLst>
               <a:ext uri="{FF2B5EF4-FFF2-40B4-BE49-F238E27FC236}">
-                <a16:creationId xmlns:a16="http://schemas.microsoft.com/office/drawing/2014/main" id="{5D9F134B-F2EB-4B2E-8AA5-EB4BE0636648}"/>
+                <a16:creationId xmlns:a16="http://schemas.microsoft.com/office/drawing/2014/main" id="{BED2D75D-BCA7-4C5E-B219-DB7BA43E8560}"/>
               </a:ext>
             </a:extLst>
           </p:cNvPr>
@@ -1603,7 +1605,7 @@
           <p:cNvPr id="4" name="Inhaltsplatzhalter 3">
             <a:extLst>
               <a:ext uri="{FF2B5EF4-FFF2-40B4-BE49-F238E27FC236}">
-                <a16:creationId xmlns:a16="http://schemas.microsoft.com/office/drawing/2014/main" id="{16408F44-E258-49E3-9D07-3BCBEA8B7B45}"/>
+                <a16:creationId xmlns:a16="http://schemas.microsoft.com/office/drawing/2014/main" id="{A96CE067-37F7-45E7-BD13-5129B6A25FD9}"/>
               </a:ext>
             </a:extLst>
           </p:cNvPr>
@@ -1665,7 +1667,7 @@
           <p:cNvPr id="5" name="Textplatzhalter 4">
             <a:extLst>
               <a:ext uri="{FF2B5EF4-FFF2-40B4-BE49-F238E27FC236}">
-                <a16:creationId xmlns:a16="http://schemas.microsoft.com/office/drawing/2014/main" id="{A3970F65-48A9-4364-A1F4-B165DAF81029}"/>
+                <a16:creationId xmlns:a16="http://schemas.microsoft.com/office/drawing/2014/main" id="{1EBDC7A2-3A5D-41C5-ACA8-7B89D4AA7A20}"/>
               </a:ext>
             </a:extLst>
           </p:cNvPr>
@@ -1736,7 +1738,7 @@
           <p:cNvPr id="6" name="Inhaltsplatzhalter 5">
             <a:extLst>
               <a:ext uri="{FF2B5EF4-FFF2-40B4-BE49-F238E27FC236}">
-                <a16:creationId xmlns:a16="http://schemas.microsoft.com/office/drawing/2014/main" id="{8E02C29F-D6ED-456E-B6B9-F00E5BEE5C77}"/>
+                <a16:creationId xmlns:a16="http://schemas.microsoft.com/office/drawing/2014/main" id="{37D149FD-9359-46DA-9F97-1AC6BD5509AD}"/>
               </a:ext>
             </a:extLst>
           </p:cNvPr>
@@ -1798,7 +1800,7 @@
           <p:cNvPr id="7" name="Datumsplatzhalter 6">
             <a:extLst>
               <a:ext uri="{FF2B5EF4-FFF2-40B4-BE49-F238E27FC236}">
-                <a16:creationId xmlns:a16="http://schemas.microsoft.com/office/drawing/2014/main" id="{4DEDC933-A520-4413-80A7-BEEDE7A771CE}"/>
+                <a16:creationId xmlns:a16="http://schemas.microsoft.com/office/drawing/2014/main" id="{B6DC3EEF-9027-4704-A90B-E81C38095352}"/>
               </a:ext>
             </a:extLst>
           </p:cNvPr>
@@ -1827,7 +1829,7 @@
           <p:cNvPr id="8" name="Fußzeilenplatzhalter 7">
             <a:extLst>
               <a:ext uri="{FF2B5EF4-FFF2-40B4-BE49-F238E27FC236}">
-                <a16:creationId xmlns:a16="http://schemas.microsoft.com/office/drawing/2014/main" id="{419FDEE2-D0C2-4ED0-9B6B-8616EE17CBD7}"/>
+                <a16:creationId xmlns:a16="http://schemas.microsoft.com/office/drawing/2014/main" id="{40770A74-A517-4EBC-8CEC-B9B63E94E866}"/>
               </a:ext>
             </a:extLst>
           </p:cNvPr>
@@ -1852,7 +1854,7 @@
           <p:cNvPr id="9" name="Foliennummernplatzhalter 8">
             <a:extLst>
               <a:ext uri="{FF2B5EF4-FFF2-40B4-BE49-F238E27FC236}">
-                <a16:creationId xmlns:a16="http://schemas.microsoft.com/office/drawing/2014/main" id="{B47F5461-407F-4BC9-8467-F60B0EFF9525}"/>
+                <a16:creationId xmlns:a16="http://schemas.microsoft.com/office/drawing/2014/main" id="{D0706805-2FFD-4D3E-9E53-88A86A6F32B2}"/>
               </a:ext>
             </a:extLst>
           </p:cNvPr>
@@ -1879,7 +1881,7 @@
     </p:spTree>
     <p:extLst>
       <p:ext uri="{BB962C8B-B14F-4D97-AF65-F5344CB8AC3E}">
-        <p14:creationId xmlns:p14="http://schemas.microsoft.com/office/powerpoint/2010/main" val="3312301201"/>
+        <p14:creationId xmlns:p14="http://schemas.microsoft.com/office/powerpoint/2010/main" val="3123477560"/>
       </p:ext>
     </p:extLst>
   </p:cSld>
@@ -1911,7 +1913,7 @@
           <p:cNvPr id="2" name="Titel 1">
             <a:extLst>
               <a:ext uri="{FF2B5EF4-FFF2-40B4-BE49-F238E27FC236}">
-                <a16:creationId xmlns:a16="http://schemas.microsoft.com/office/drawing/2014/main" id="{F35BB708-5870-4F3E-8095-EC6AB02237DA}"/>
+                <a16:creationId xmlns:a16="http://schemas.microsoft.com/office/drawing/2014/main" id="{BA4E3487-5561-41BA-8D08-9E7B5CCE644E}"/>
               </a:ext>
             </a:extLst>
           </p:cNvPr>
@@ -1939,7 +1941,7 @@
           <p:cNvPr id="3" name="Datumsplatzhalter 2">
             <a:extLst>
               <a:ext uri="{FF2B5EF4-FFF2-40B4-BE49-F238E27FC236}">
-                <a16:creationId xmlns:a16="http://schemas.microsoft.com/office/drawing/2014/main" id="{6B01C82E-F984-48CE-9D6A-1C9E2FBA32B4}"/>
+                <a16:creationId xmlns:a16="http://schemas.microsoft.com/office/drawing/2014/main" id="{8968DF60-3E50-49F7-99AB-552AFD65532A}"/>
               </a:ext>
             </a:extLst>
           </p:cNvPr>
@@ -1968,7 +1970,7 @@
           <p:cNvPr id="4" name="Fußzeilenplatzhalter 3">
             <a:extLst>
               <a:ext uri="{FF2B5EF4-FFF2-40B4-BE49-F238E27FC236}">
-                <a16:creationId xmlns:a16="http://schemas.microsoft.com/office/drawing/2014/main" id="{47A1012C-CD3A-4941-AB16-D9E70C42D7BE}"/>
+                <a16:creationId xmlns:a16="http://schemas.microsoft.com/office/drawing/2014/main" id="{24ACA696-D5B3-4E90-964B-0838328B8FC2}"/>
               </a:ext>
             </a:extLst>
           </p:cNvPr>
@@ -1993,7 +1995,7 @@
           <p:cNvPr id="5" name="Foliennummernplatzhalter 4">
             <a:extLst>
               <a:ext uri="{FF2B5EF4-FFF2-40B4-BE49-F238E27FC236}">
-                <a16:creationId xmlns:a16="http://schemas.microsoft.com/office/drawing/2014/main" id="{E7ADC917-29C8-43CE-A29B-42C33ECEE2F9}"/>
+                <a16:creationId xmlns:a16="http://schemas.microsoft.com/office/drawing/2014/main" id="{19C4BCF6-4038-4D00-A4B9-9ECDD5A374EE}"/>
               </a:ext>
             </a:extLst>
           </p:cNvPr>
@@ -2020,7 +2022,7 @@
     </p:spTree>
     <p:extLst>
       <p:ext uri="{BB962C8B-B14F-4D97-AF65-F5344CB8AC3E}">
-        <p14:creationId xmlns:p14="http://schemas.microsoft.com/office/powerpoint/2010/main" val="3847983726"/>
+        <p14:creationId xmlns:p14="http://schemas.microsoft.com/office/powerpoint/2010/main" val="998914607"/>
       </p:ext>
     </p:extLst>
   </p:cSld>
@@ -2052,7 +2054,7 @@
           <p:cNvPr id="2" name="Datumsplatzhalter 1">
             <a:extLst>
               <a:ext uri="{FF2B5EF4-FFF2-40B4-BE49-F238E27FC236}">
-                <a16:creationId xmlns:a16="http://schemas.microsoft.com/office/drawing/2014/main" id="{1F510AD1-C550-4575-8522-4FD18E1C2043}"/>
+                <a16:creationId xmlns:a16="http://schemas.microsoft.com/office/drawing/2014/main" id="{AEC48B17-88EB-484C-A595-0BA4E1FD674A}"/>
               </a:ext>
             </a:extLst>
           </p:cNvPr>
@@ -2081,7 +2083,7 @@
           <p:cNvPr id="3" name="Fußzeilenplatzhalter 2">
             <a:extLst>
               <a:ext uri="{FF2B5EF4-FFF2-40B4-BE49-F238E27FC236}">
-                <a16:creationId xmlns:a16="http://schemas.microsoft.com/office/drawing/2014/main" id="{D9BDF567-0785-4CD5-B973-80256040EED6}"/>
+                <a16:creationId xmlns:a16="http://schemas.microsoft.com/office/drawing/2014/main" id="{DD7D355A-CB8D-4499-AE0A-4CC4DCEB44A4}"/>
               </a:ext>
             </a:extLst>
           </p:cNvPr>
@@ -2106,7 +2108,7 @@
           <p:cNvPr id="4" name="Foliennummernplatzhalter 3">
             <a:extLst>
               <a:ext uri="{FF2B5EF4-FFF2-40B4-BE49-F238E27FC236}">
-                <a16:creationId xmlns:a16="http://schemas.microsoft.com/office/drawing/2014/main" id="{55B2EE57-3855-4BDA-BA86-2076AE611ACA}"/>
+                <a16:creationId xmlns:a16="http://schemas.microsoft.com/office/drawing/2014/main" id="{7B1D3269-2BBD-4D21-9ED2-63A4A8EF25E2}"/>
               </a:ext>
             </a:extLst>
           </p:cNvPr>
@@ -2133,7 +2135,7 @@
     </p:spTree>
     <p:extLst>
       <p:ext uri="{BB962C8B-B14F-4D97-AF65-F5344CB8AC3E}">
-        <p14:creationId xmlns:p14="http://schemas.microsoft.com/office/powerpoint/2010/main" val="3538962907"/>
+        <p14:creationId xmlns:p14="http://schemas.microsoft.com/office/powerpoint/2010/main" val="3804808071"/>
       </p:ext>
     </p:extLst>
   </p:cSld>
@@ -2165,7 +2167,7 @@
           <p:cNvPr id="2" name="Titel 1">
             <a:extLst>
               <a:ext uri="{FF2B5EF4-FFF2-40B4-BE49-F238E27FC236}">
-                <a16:creationId xmlns:a16="http://schemas.microsoft.com/office/drawing/2014/main" id="{281A3B68-AAA3-4D5B-9EEE-6F06FF1E4C7A}"/>
+                <a16:creationId xmlns:a16="http://schemas.microsoft.com/office/drawing/2014/main" id="{FC581F52-3975-4FA9-BE96-EA8D3B624852}"/>
               </a:ext>
             </a:extLst>
           </p:cNvPr>
@@ -2202,7 +2204,7 @@
           <p:cNvPr id="3" name="Inhaltsplatzhalter 2">
             <a:extLst>
               <a:ext uri="{FF2B5EF4-FFF2-40B4-BE49-F238E27FC236}">
-                <a16:creationId xmlns:a16="http://schemas.microsoft.com/office/drawing/2014/main" id="{743B3C2E-68B7-4BB0-ADB3-582D37A0729E}"/>
+                <a16:creationId xmlns:a16="http://schemas.microsoft.com/office/drawing/2014/main" id="{B2B3924E-2414-4C48-B3B7-7E2E3E486192}"/>
               </a:ext>
             </a:extLst>
           </p:cNvPr>
@@ -2292,7 +2294,7 @@
           <p:cNvPr id="4" name="Textplatzhalter 3">
             <a:extLst>
               <a:ext uri="{FF2B5EF4-FFF2-40B4-BE49-F238E27FC236}">
-                <a16:creationId xmlns:a16="http://schemas.microsoft.com/office/drawing/2014/main" id="{2AC70A4C-5034-497D-87C1-AC14826B91C4}"/>
+                <a16:creationId xmlns:a16="http://schemas.microsoft.com/office/drawing/2014/main" id="{EACB3FB2-A4A6-4FB2-9E14-A3CCD61D7A6B}"/>
               </a:ext>
             </a:extLst>
           </p:cNvPr>
@@ -2363,7 +2365,7 @@
           <p:cNvPr id="5" name="Datumsplatzhalter 4">
             <a:extLst>
               <a:ext uri="{FF2B5EF4-FFF2-40B4-BE49-F238E27FC236}">
-                <a16:creationId xmlns:a16="http://schemas.microsoft.com/office/drawing/2014/main" id="{B262BFE3-F002-4513-BAF9-AA7C1E736827}"/>
+                <a16:creationId xmlns:a16="http://schemas.microsoft.com/office/drawing/2014/main" id="{68DACBD5-A2FF-427D-BEE8-CBCCD65F21C1}"/>
               </a:ext>
             </a:extLst>
           </p:cNvPr>
@@ -2392,7 +2394,7 @@
           <p:cNvPr id="6" name="Fußzeilenplatzhalter 5">
             <a:extLst>
               <a:ext uri="{FF2B5EF4-FFF2-40B4-BE49-F238E27FC236}">
-                <a16:creationId xmlns:a16="http://schemas.microsoft.com/office/drawing/2014/main" id="{0E4917BD-A4EA-4022-A010-086CE8EF8622}"/>
+                <a16:creationId xmlns:a16="http://schemas.microsoft.com/office/drawing/2014/main" id="{F324C1D6-78A1-4233-A09E-EED18A6B2CB5}"/>
               </a:ext>
             </a:extLst>
           </p:cNvPr>
@@ -2417,7 +2419,7 @@
           <p:cNvPr id="7" name="Foliennummernplatzhalter 6">
             <a:extLst>
               <a:ext uri="{FF2B5EF4-FFF2-40B4-BE49-F238E27FC236}">
-                <a16:creationId xmlns:a16="http://schemas.microsoft.com/office/drawing/2014/main" id="{FCE64934-6FF0-4309-9239-A08DA1D3F9D7}"/>
+                <a16:creationId xmlns:a16="http://schemas.microsoft.com/office/drawing/2014/main" id="{57FCC88B-313F-462C-8A6B-C2773BB05502}"/>
               </a:ext>
             </a:extLst>
           </p:cNvPr>
@@ -2444,7 +2446,7 @@
     </p:spTree>
     <p:extLst>
       <p:ext uri="{BB962C8B-B14F-4D97-AF65-F5344CB8AC3E}">
-        <p14:creationId xmlns:p14="http://schemas.microsoft.com/office/powerpoint/2010/main" val="3528785128"/>
+        <p14:creationId xmlns:p14="http://schemas.microsoft.com/office/powerpoint/2010/main" val="3599139869"/>
       </p:ext>
     </p:extLst>
   </p:cSld>
@@ -2476,7 +2478,7 @@
           <p:cNvPr id="2" name="Titel 1">
             <a:extLst>
               <a:ext uri="{FF2B5EF4-FFF2-40B4-BE49-F238E27FC236}">
-                <a16:creationId xmlns:a16="http://schemas.microsoft.com/office/drawing/2014/main" id="{950AE5E0-2BAA-4DAF-857E-CF2E7BF00E24}"/>
+                <a16:creationId xmlns:a16="http://schemas.microsoft.com/office/drawing/2014/main" id="{36D56AF7-C3AD-4830-976E-4C6B44708D36}"/>
               </a:ext>
             </a:extLst>
           </p:cNvPr>
@@ -2513,7 +2515,7 @@
           <p:cNvPr id="3" name="Bildplatzhalter 2">
             <a:extLst>
               <a:ext uri="{FF2B5EF4-FFF2-40B4-BE49-F238E27FC236}">
-                <a16:creationId xmlns:a16="http://schemas.microsoft.com/office/drawing/2014/main" id="{4C0EA8BB-BC5B-4FBB-BC98-3D73660A61CE}"/>
+                <a16:creationId xmlns:a16="http://schemas.microsoft.com/office/drawing/2014/main" id="{435E9458-5F05-4CCD-9FEA-EBC19D05FF0E}"/>
               </a:ext>
             </a:extLst>
           </p:cNvPr>
@@ -2580,7 +2582,7 @@
           <p:cNvPr id="4" name="Textplatzhalter 3">
             <a:extLst>
               <a:ext uri="{FF2B5EF4-FFF2-40B4-BE49-F238E27FC236}">
-                <a16:creationId xmlns:a16="http://schemas.microsoft.com/office/drawing/2014/main" id="{49532E6F-3A15-4E1F-8A87-0E18AB0746CD}"/>
+                <a16:creationId xmlns:a16="http://schemas.microsoft.com/office/drawing/2014/main" id="{EC51E862-2DF8-47BB-A6EE-139F7BF9622E}"/>
               </a:ext>
             </a:extLst>
           </p:cNvPr>
@@ -2651,7 +2653,7 @@
           <p:cNvPr id="5" name="Datumsplatzhalter 4">
             <a:extLst>
               <a:ext uri="{FF2B5EF4-FFF2-40B4-BE49-F238E27FC236}">
-                <a16:creationId xmlns:a16="http://schemas.microsoft.com/office/drawing/2014/main" id="{C00F3DE1-E887-40D0-9259-9E715AA7601E}"/>
+                <a16:creationId xmlns:a16="http://schemas.microsoft.com/office/drawing/2014/main" id="{FF3A1578-36AE-488E-9122-1279759930C1}"/>
               </a:ext>
             </a:extLst>
           </p:cNvPr>
@@ -2680,7 +2682,7 @@
           <p:cNvPr id="6" name="Fußzeilenplatzhalter 5">
             <a:extLst>
               <a:ext uri="{FF2B5EF4-FFF2-40B4-BE49-F238E27FC236}">
-                <a16:creationId xmlns:a16="http://schemas.microsoft.com/office/drawing/2014/main" id="{17FEB93E-15AF-4443-942B-4B521F625C50}"/>
+                <a16:creationId xmlns:a16="http://schemas.microsoft.com/office/drawing/2014/main" id="{38CC6F54-CEE8-43AF-904C-CF6ED15DDE85}"/>
               </a:ext>
             </a:extLst>
           </p:cNvPr>
@@ -2705,7 +2707,7 @@
           <p:cNvPr id="7" name="Foliennummernplatzhalter 6">
             <a:extLst>
               <a:ext uri="{FF2B5EF4-FFF2-40B4-BE49-F238E27FC236}">
-                <a16:creationId xmlns:a16="http://schemas.microsoft.com/office/drawing/2014/main" id="{462DB422-2FB7-420D-A634-8C37FBA7711D}"/>
+                <a16:creationId xmlns:a16="http://schemas.microsoft.com/office/drawing/2014/main" id="{04163E62-E78C-4DF5-829A-8C56EBD64B61}"/>
               </a:ext>
             </a:extLst>
           </p:cNvPr>
@@ -2732,7 +2734,7 @@
     </p:spTree>
     <p:extLst>
       <p:ext uri="{BB962C8B-B14F-4D97-AF65-F5344CB8AC3E}">
-        <p14:creationId xmlns:p14="http://schemas.microsoft.com/office/powerpoint/2010/main" val="401527337"/>
+        <p14:creationId xmlns:p14="http://schemas.microsoft.com/office/powerpoint/2010/main" val="1068432863"/>
       </p:ext>
     </p:extLst>
   </p:cSld>
@@ -2769,7 +2771,7 @@
           <p:cNvPr id="2" name="Titelplatzhalter 1">
             <a:extLst>
               <a:ext uri="{FF2B5EF4-FFF2-40B4-BE49-F238E27FC236}">
-                <a16:creationId xmlns:a16="http://schemas.microsoft.com/office/drawing/2014/main" id="{58C2C72F-828C-4859-A5ED-7ECF16D7646A}"/>
+                <a16:creationId xmlns:a16="http://schemas.microsoft.com/office/drawing/2014/main" id="{038250E5-2EEE-4B85-9DDD-569F4D393367}"/>
               </a:ext>
             </a:extLst>
           </p:cNvPr>
@@ -2807,7 +2809,7 @@
           <p:cNvPr id="3" name="Textplatzhalter 2">
             <a:extLst>
               <a:ext uri="{FF2B5EF4-FFF2-40B4-BE49-F238E27FC236}">
-                <a16:creationId xmlns:a16="http://schemas.microsoft.com/office/drawing/2014/main" id="{6B79F54B-081B-43C9-B68A-3BF72B204DC7}"/>
+                <a16:creationId xmlns:a16="http://schemas.microsoft.com/office/drawing/2014/main" id="{75D71823-059B-41EF-ADCD-F97848171804}"/>
               </a:ext>
             </a:extLst>
           </p:cNvPr>
@@ -2874,7 +2876,7 @@
           <p:cNvPr id="4" name="Datumsplatzhalter 3">
             <a:extLst>
               <a:ext uri="{FF2B5EF4-FFF2-40B4-BE49-F238E27FC236}">
-                <a16:creationId xmlns:a16="http://schemas.microsoft.com/office/drawing/2014/main" id="{BEE5A7E0-F33D-45F4-8D89-14DFD7171C58}"/>
+                <a16:creationId xmlns:a16="http://schemas.microsoft.com/office/drawing/2014/main" id="{8C5047C6-EFE3-4D48-9F8F-85BD94BD0CC1}"/>
               </a:ext>
             </a:extLst>
           </p:cNvPr>
@@ -2921,7 +2923,7 @@
           <p:cNvPr id="5" name="Fußzeilenplatzhalter 4">
             <a:extLst>
               <a:ext uri="{FF2B5EF4-FFF2-40B4-BE49-F238E27FC236}">
-                <a16:creationId xmlns:a16="http://schemas.microsoft.com/office/drawing/2014/main" id="{9BDF4C15-05FE-4F2C-B165-54E1FA0B5F86}"/>
+                <a16:creationId xmlns:a16="http://schemas.microsoft.com/office/drawing/2014/main" id="{C6D49610-A521-47A8-925A-834A5755960D}"/>
               </a:ext>
             </a:extLst>
           </p:cNvPr>
@@ -2964,7 +2966,7 @@
           <p:cNvPr id="6" name="Foliennummernplatzhalter 5">
             <a:extLst>
               <a:ext uri="{FF2B5EF4-FFF2-40B4-BE49-F238E27FC236}">
-                <a16:creationId xmlns:a16="http://schemas.microsoft.com/office/drawing/2014/main" id="{1A42CA4F-85D7-4FDF-B758-F46E490A909D}"/>
+                <a16:creationId xmlns:a16="http://schemas.microsoft.com/office/drawing/2014/main" id="{0CA0158B-9358-45E7-B1BC-2FF34922E41B}"/>
               </a:ext>
             </a:extLst>
           </p:cNvPr>
@@ -3009,23 +3011,23 @@
     </p:spTree>
     <p:extLst>
       <p:ext uri="{BB962C8B-B14F-4D97-AF65-F5344CB8AC3E}">
-        <p14:creationId xmlns:p14="http://schemas.microsoft.com/office/powerpoint/2010/main" val="469148509"/>
+        <p14:creationId xmlns:p14="http://schemas.microsoft.com/office/powerpoint/2010/main" val="4132598028"/>
       </p:ext>
     </p:extLst>
   </p:cSld>
   <p:clrMap bg1="lt1" tx1="dk1" bg2="lt2" tx2="dk2" accent1="accent1" accent2="accent2" accent3="accent3" accent4="accent4" accent5="accent5" accent6="accent6" hlink="hlink" folHlink="folHlink"/>
   <p:sldLayoutIdLst>
-    <p:sldLayoutId id="2147483649" r:id="rId1"/>
-    <p:sldLayoutId id="2147483650" r:id="rId2"/>
-    <p:sldLayoutId id="2147483651" r:id="rId3"/>
-    <p:sldLayoutId id="2147483652" r:id="rId4"/>
-    <p:sldLayoutId id="2147483653" r:id="rId5"/>
-    <p:sldLayoutId id="2147483654" r:id="rId6"/>
-    <p:sldLayoutId id="2147483655" r:id="rId7"/>
-    <p:sldLayoutId id="2147483656" r:id="rId8"/>
-    <p:sldLayoutId id="2147483657" r:id="rId9"/>
-    <p:sldLayoutId id="2147483658" r:id="rId10"/>
-    <p:sldLayoutId id="2147483659" r:id="rId11"/>
+    <p:sldLayoutId id="2147483676" r:id="rId1"/>
+    <p:sldLayoutId id="2147483677" r:id="rId2"/>
+    <p:sldLayoutId id="2147483678" r:id="rId3"/>
+    <p:sldLayoutId id="2147483679" r:id="rId4"/>
+    <p:sldLayoutId id="2147483680" r:id="rId5"/>
+    <p:sldLayoutId id="2147483681" r:id="rId6"/>
+    <p:sldLayoutId id="2147483682" r:id="rId7"/>
+    <p:sldLayoutId id="2147483683" r:id="rId8"/>
+    <p:sldLayoutId id="2147483684" r:id="rId9"/>
+    <p:sldLayoutId id="2147483685" r:id="rId10"/>
+    <p:sldLayoutId id="2147483686" r:id="rId11"/>
   </p:sldLayoutIdLst>
   <p:txStyles>
     <p:titleStyle>
@@ -3335,69 +3337,6 @@
           <a:chExt cx="0" cy="0"/>
         </a:xfrm>
       </p:grpSpPr>
-      <p:sp>
-        <p:nvSpPr>
-          <p:cNvPr id="71" name="Rectangle 70">
-            <a:extLst>
-              <a:ext uri="{FF2B5EF4-FFF2-40B4-BE49-F238E27FC236}">
-                <a16:creationId xmlns:a16="http://schemas.microsoft.com/office/drawing/2014/main" id="{71B2258F-86CA-4D4D-8270-BC05FCDEBFB3}"/>
-              </a:ext>
-              <a:ext uri="{C183D7F6-B498-43B3-948B-1728B52AA6E4}">
-                <adec:decorative xmlns:adec="http://schemas.microsoft.com/office/drawing/2017/decorative" val="1"/>
-              </a:ext>
-            </a:extLst>
-          </p:cNvPr>
-          <p:cNvSpPr>
-            <a:spLocks noGrp="1" noRot="1" noChangeAspect="1" noMove="1" noResize="1" noEditPoints="1" noAdjustHandles="1" noChangeArrowheads="1" noChangeShapeType="1" noTextEdit="1"/>
-          </p:cNvSpPr>
-          <p:nvPr>
-            <p:extLst>
-              <p:ext uri="{386F3935-93C4-4BCD-93E2-E3B085C9AB24}">
-                <p16:designElem xmlns:p16="http://schemas.microsoft.com/office/powerpoint/2015/main" val="1"/>
-              </p:ext>
-            </p:extLst>
-          </p:nvPr>
-        </p:nvSpPr>
-        <p:spPr>
-          <a:xfrm>
-            <a:off x="0" y="0"/>
-            <a:ext cx="12192000" cy="6857999"/>
-          </a:xfrm>
-          <a:prstGeom prst="rect">
-            <a:avLst/>
-          </a:prstGeom>
-          <a:solidFill>
-            <a:srgbClr val="000000"/>
-          </a:solidFill>
-          <a:ln>
-            <a:noFill/>
-          </a:ln>
-        </p:spPr>
-        <p:style>
-          <a:lnRef idx="2">
-            <a:schemeClr val="accent1">
-              <a:shade val="50000"/>
-            </a:schemeClr>
-          </a:lnRef>
-          <a:fillRef idx="1">
-            <a:schemeClr val="accent1"/>
-          </a:fillRef>
-          <a:effectRef idx="0">
-            <a:schemeClr val="accent1"/>
-          </a:effectRef>
-          <a:fontRef idx="minor">
-            <a:schemeClr val="lt1"/>
-          </a:fontRef>
-        </p:style>
-        <p:txBody>
-          <a:bodyPr rtlCol="0" anchor="ctr"/>
-          <a:lstStyle/>
-          <a:p>
-            <a:pPr algn="ctr"/>
-            <a:endParaRPr lang="en-US"/>
-          </a:p>
-        </p:txBody>
-      </p:sp>
       <p:pic>
         <p:nvPicPr>
           <p:cNvPr id="1026" name="Picture 2" descr="Bildergebnis für fahrradständer">
@@ -3525,7 +3464,7 @@
             <a:pPr algn="ctr"/>
             <a:r>
               <a:rPr lang="de-DE" sz="3200" dirty="0"/>
-              <a:t>Smart bike</a:t>
+              <a:t>Der smarte Fahrradständer</a:t>
             </a:r>
           </a:p>
         </p:txBody>
@@ -3546,6 +3485,14 @@
 <file path=ppt/slides/slide2.xml><?xml version="1.0" encoding="utf-8"?>
 <p:sld xmlns:a="http://schemas.openxmlformats.org/drawingml/2006/main" xmlns:r="http://schemas.openxmlformats.org/officeDocument/2006/relationships" xmlns:p="http://schemas.openxmlformats.org/presentationml/2006/main">
   <p:cSld>
+    <p:bg>
+      <p:bgPr>
+        <a:solidFill>
+          <a:schemeClr val="bg1"/>
+        </a:solidFill>
+        <a:effectLst/>
+      </p:bgPr>
+    </p:bg>
     <p:spTree>
       <p:nvGrpSpPr>
         <p:cNvPr id="1" name=""/>
@@ -3576,22 +3523,85 @@
             <p:ph type="title"/>
           </p:nvPr>
         </p:nvSpPr>
-        <p:spPr/>
-        <p:txBody>
-          <a:bodyPr/>
-          <a:lstStyle/>
-          <a:p>
-            <a:pPr algn="ctr"/>
+        <p:spPr>
+          <a:xfrm>
+            <a:off x="655320" y="365125"/>
+            <a:ext cx="5120114" cy="1692794"/>
+          </a:xfrm>
+        </p:spPr>
+        <p:txBody>
+          <a:bodyPr>
+            <a:normAutofit/>
+          </a:bodyPr>
+          <a:lstStyle/>
+          <a:p>
+            <a:r>
+              <a:rPr lang="de-DE" b="1"/>
+              <a:t>Problem</a:t>
+            </a:r>
             <a:endParaRPr lang="de-DE" b="1" dirty="0"/>
           </a:p>
         </p:txBody>
       </p:sp>
-      <p:sp>
-        <p:nvSpPr>
-          <p:cNvPr id="3" name="Inhaltsplatzhalter 2">
-            <a:extLst>
-              <a:ext uri="{FF2B5EF4-FFF2-40B4-BE49-F238E27FC236}">
-                <a16:creationId xmlns:a16="http://schemas.microsoft.com/office/drawing/2014/main" id="{41D91D93-0098-42A8-B89F-85F90DC36B8D}"/>
+      <p:cxnSp>
+        <p:nvCxnSpPr>
+          <p:cNvPr id="1032" name="Straight Arrow Connector 74">
+            <a:extLst>
+              <a:ext uri="{FF2B5EF4-FFF2-40B4-BE49-F238E27FC236}">
+                <a16:creationId xmlns:a16="http://schemas.microsoft.com/office/drawing/2014/main" id="{E4A809D5-3600-46D4-A466-67F2349A54FB}"/>
+              </a:ext>
+              <a:ext uri="{C183D7F6-B498-43B3-948B-1728B52AA6E4}">
+                <adec:decorative xmlns:adec="http://schemas.microsoft.com/office/drawing/2017/decorative" val="1"/>
+              </a:ext>
+            </a:extLst>
+          </p:cNvPr>
+          <p:cNvCxnSpPr>
+            <a:cxnSpLocks noGrp="1" noRot="1" noChangeAspect="1" noMove="1" noResize="1" noEditPoints="1" noAdjustHandles="1" noChangeArrowheads="1" noChangeShapeType="1"/>
+          </p:cNvCxnSpPr>
+          <p:nvPr>
+            <p:extLst>
+              <p:ext uri="{386F3935-93C4-4BCD-93E2-E3B085C9AB24}">
+                <p16:designElem xmlns:p16="http://schemas.microsoft.com/office/powerpoint/2015/main" val="1"/>
+              </p:ext>
+            </p:extLst>
+          </p:nvPr>
+        </p:nvCxnSpPr>
+        <p:spPr>
+          <a:xfrm>
+            <a:off x="655320" y="2316480"/>
+            <a:ext cx="4572000" cy="0"/>
+          </a:xfrm>
+          <a:prstGeom prst="straightConnector1">
+            <a:avLst/>
+          </a:prstGeom>
+          <a:ln w="19050" cap="sq">
+            <a:solidFill>
+              <a:schemeClr val="tx1"/>
+            </a:solidFill>
+            <a:tailEnd type="none"/>
+          </a:ln>
+        </p:spPr>
+        <p:style>
+          <a:lnRef idx="1">
+            <a:schemeClr val="accent1"/>
+          </a:lnRef>
+          <a:fillRef idx="0">
+            <a:schemeClr val="accent1"/>
+          </a:fillRef>
+          <a:effectRef idx="0">
+            <a:schemeClr val="accent1"/>
+          </a:effectRef>
+          <a:fontRef idx="minor">
+            <a:schemeClr val="tx1"/>
+          </a:fontRef>
+        </p:style>
+      </p:cxnSp>
+      <p:sp>
+        <p:nvSpPr>
+          <p:cNvPr id="1030" name="Content Placeholder 1029">
+            <a:extLst>
+              <a:ext uri="{FF2B5EF4-FFF2-40B4-BE49-F238E27FC236}">
+                <a16:creationId xmlns:a16="http://schemas.microsoft.com/office/drawing/2014/main" id="{75982306-A9B4-4C78-B207-89054A27426E}"/>
               </a:ext>
             </a:extLst>
           </p:cNvPr>
@@ -3602,19 +3612,1254 @@
             <p:ph idx="1"/>
           </p:nvPr>
         </p:nvSpPr>
-        <p:spPr/>
-        <p:txBody>
-          <a:bodyPr/>
-          <a:lstStyle/>
-          <a:p>
-            <a:endParaRPr lang="de-DE" dirty="0"/>
-          </a:p>
-        </p:txBody>
-      </p:sp>
+        <p:spPr>
+          <a:xfrm>
+            <a:off x="655321" y="2575034"/>
+            <a:ext cx="5120113" cy="3462228"/>
+          </a:xfrm>
+        </p:spPr>
+        <p:txBody>
+          <a:bodyPr>
+            <a:normAutofit/>
+          </a:bodyPr>
+          <a:lstStyle/>
+          <a:p>
+            <a:r>
+              <a:rPr lang="en-US" sz="2000" dirty="0" err="1"/>
+              <a:t>Platzmangel</a:t>
+            </a:r>
+            <a:endParaRPr lang="en-US" sz="2000" dirty="0"/>
+          </a:p>
+          <a:p>
+            <a:r>
+              <a:rPr lang="en-US" sz="2000" dirty="0" err="1"/>
+              <a:t>Strecke</a:t>
+            </a:r>
+            <a:r>
+              <a:rPr lang="en-US" sz="2000" dirty="0"/>
+              <a:t> </a:t>
+            </a:r>
+            <a:r>
+              <a:rPr lang="en-US" sz="2000" dirty="0" err="1"/>
+              <a:t>sparen</a:t>
+            </a:r>
+            <a:endParaRPr lang="en-US" sz="2000" dirty="0"/>
+          </a:p>
+          <a:p>
+            <a:r>
+              <a:rPr lang="en-US" sz="2000" dirty="0" err="1"/>
+              <a:t>Zeitproblem</a:t>
+            </a:r>
+            <a:endParaRPr lang="en-US" sz="2000" dirty="0"/>
+          </a:p>
+          <a:p>
+            <a:r>
+              <a:rPr lang="en-US" sz="2000" dirty="0" err="1"/>
+              <a:t>Ständer</a:t>
+            </a:r>
+            <a:r>
+              <a:rPr lang="en-US" sz="2000" dirty="0"/>
+              <a:t> an der </a:t>
+            </a:r>
+            <a:r>
+              <a:rPr lang="en-US" sz="2000" dirty="0" err="1"/>
+              <a:t>richtigen</a:t>
+            </a:r>
+            <a:r>
+              <a:rPr lang="en-US" sz="2000" dirty="0"/>
+              <a:t> Stelle</a:t>
+            </a:r>
+          </a:p>
+          <a:p>
+            <a:endParaRPr lang="en-US" sz="1800" dirty="0"/>
+          </a:p>
+          <a:p>
+            <a:endParaRPr lang="en-US" sz="1800" dirty="0"/>
+          </a:p>
+          <a:p>
+            <a:endParaRPr lang="en-US" sz="1800" dirty="0"/>
+          </a:p>
+          <a:p>
+            <a:endParaRPr lang="en-US" sz="1800" dirty="0"/>
+          </a:p>
+          <a:p>
+            <a:endParaRPr lang="en-US" sz="1800" dirty="0"/>
+          </a:p>
+          <a:p>
+            <a:pPr marL="0" indent="0">
+              <a:buNone/>
+            </a:pPr>
+            <a:endParaRPr lang="en-US" sz="1800" dirty="0"/>
+          </a:p>
+        </p:txBody>
+      </p:sp>
+      <p:pic>
+        <p:nvPicPr>
+          <p:cNvPr id="1026" name="Picture 2" descr="Bildergebnis für Volle  Fahrradständer">
+            <a:extLst>
+              <a:ext uri="{FF2B5EF4-FFF2-40B4-BE49-F238E27FC236}">
+                <a16:creationId xmlns:a16="http://schemas.microsoft.com/office/drawing/2014/main" id="{53AADD87-C5EF-4644-8F90-8E26A4B08BC6}"/>
+              </a:ext>
+            </a:extLst>
+          </p:cNvPr>
+          <p:cNvPicPr>
+            <a:picLocks noChangeAspect="1" noChangeArrowheads="1"/>
+          </p:cNvPicPr>
+          <p:nvPr/>
+        </p:nvPicPr>
+        <p:blipFill rotWithShape="1">
+          <a:blip r:embed="rId2">
+            <a:extLst>
+              <a:ext uri="{28A0092B-C50C-407E-A947-70E740481C1C}">
+                <a14:useLocalDpi xmlns:a14="http://schemas.microsoft.com/office/drawing/2010/main" val="0"/>
+              </a:ext>
+            </a:extLst>
+          </a:blip>
+          <a:srcRect l="22834" r="25385"/>
+          <a:stretch/>
+        </p:blipFill>
+        <p:spPr bwMode="auto">
+          <a:xfrm>
+            <a:off x="5878850" y="13"/>
+            <a:ext cx="6313150" cy="6857987"/>
+          </a:xfrm>
+          <a:custGeom>
+            <a:avLst/>
+            <a:gdLst>
+              <a:gd name="connsiteX0" fmla="*/ 65565 w 6313150"/>
+              <a:gd name="connsiteY0" fmla="*/ 0 h 6857997"/>
+              <a:gd name="connsiteX1" fmla="*/ 6313150 w 6313150"/>
+              <a:gd name="connsiteY1" fmla="*/ 0 h 6857997"/>
+              <a:gd name="connsiteX2" fmla="*/ 6313150 w 6313150"/>
+              <a:gd name="connsiteY2" fmla="*/ 6857997 h 6857997"/>
+              <a:gd name="connsiteX3" fmla="*/ 3293946 w 6313150"/>
+              <a:gd name="connsiteY3" fmla="*/ 6857997 h 6857997"/>
+              <a:gd name="connsiteX4" fmla="*/ 3235857 w 6313150"/>
+              <a:gd name="connsiteY4" fmla="*/ 6823061 h 6857997"/>
+              <a:gd name="connsiteX5" fmla="*/ 0 w 6313150"/>
+              <a:gd name="connsiteY5" fmla="*/ 951803 h 6857997"/>
+              <a:gd name="connsiteX6" fmla="*/ 31536 w 6313150"/>
+              <a:gd name="connsiteY6" fmla="*/ 285771 h 6857997"/>
+            </a:gdLst>
+            <a:ahLst/>
+            <a:cxnLst>
+              <a:cxn ang="0">
+                <a:pos x="connsiteX0" y="connsiteY0"/>
+              </a:cxn>
+              <a:cxn ang="0">
+                <a:pos x="connsiteX1" y="connsiteY1"/>
+              </a:cxn>
+              <a:cxn ang="0">
+                <a:pos x="connsiteX2" y="connsiteY2"/>
+              </a:cxn>
+              <a:cxn ang="0">
+                <a:pos x="connsiteX3" y="connsiteY3"/>
+              </a:cxn>
+              <a:cxn ang="0">
+                <a:pos x="connsiteX4" y="connsiteY4"/>
+              </a:cxn>
+              <a:cxn ang="0">
+                <a:pos x="connsiteX5" y="connsiteY5"/>
+              </a:cxn>
+              <a:cxn ang="0">
+                <a:pos x="connsiteX6" y="connsiteY6"/>
+              </a:cxn>
+            </a:cxnLst>
+            <a:rect l="l" t="t" r="r" b="b"/>
+            <a:pathLst>
+              <a:path w="6313150" h="6857997">
+                <a:moveTo>
+                  <a:pt x="65565" y="0"/>
+                </a:moveTo>
+                <a:lnTo>
+                  <a:pt x="6313150" y="0"/>
+                </a:lnTo>
+                <a:lnTo>
+                  <a:pt x="6313150" y="6857997"/>
+                </a:lnTo>
+                <a:lnTo>
+                  <a:pt x="3293946" y="6857997"/>
+                </a:lnTo>
+                <a:lnTo>
+                  <a:pt x="3235857" y="6823061"/>
+                </a:lnTo>
+                <a:cubicBezTo>
+                  <a:pt x="1291240" y="5592803"/>
+                  <a:pt x="0" y="3423096"/>
+                  <a:pt x="0" y="951803"/>
+                </a:cubicBezTo>
+                <a:cubicBezTo>
+                  <a:pt x="0" y="727140"/>
+                  <a:pt x="10673" y="504970"/>
+                  <a:pt x="31536" y="285771"/>
+                </a:cubicBezTo>
+                <a:close/>
+              </a:path>
+            </a:pathLst>
+          </a:custGeom>
+          <a:noFill/>
+          <a:extLst>
+            <a:ext uri="{909E8E84-426E-40DD-AFC4-6F175D3DCCD1}">
+              <a14:hiddenFill xmlns:a14="http://schemas.microsoft.com/office/drawing/2010/main">
+                <a:solidFill>
+                  <a:srgbClr val="FFFFFF"/>
+                </a:solidFill>
+              </a14:hiddenFill>
+            </a:ext>
+          </a:extLst>
+        </p:spPr>
+      </p:pic>
     </p:spTree>
     <p:extLst>
       <p:ext uri="{BB962C8B-B14F-4D97-AF65-F5344CB8AC3E}">
         <p14:creationId xmlns:p14="http://schemas.microsoft.com/office/powerpoint/2010/main" val="3227212639"/>
+      </p:ext>
+    </p:extLst>
+  </p:cSld>
+  <p:clrMapOvr>
+    <a:masterClrMapping/>
+  </p:clrMapOvr>
+</p:sld>
+</file>
+
+<file path=ppt/slides/slide3.xml><?xml version="1.0" encoding="utf-8"?>
+<p:sld xmlns:a="http://schemas.openxmlformats.org/drawingml/2006/main" xmlns:r="http://schemas.openxmlformats.org/officeDocument/2006/relationships" xmlns:p="http://schemas.openxmlformats.org/presentationml/2006/main">
+  <p:cSld>
+    <p:bg>
+      <p:bgPr>
+        <a:solidFill>
+          <a:schemeClr val="bg1"/>
+        </a:solidFill>
+        <a:effectLst/>
+      </p:bgPr>
+    </p:bg>
+    <p:spTree>
+      <p:nvGrpSpPr>
+        <p:cNvPr id="1" name=""/>
+        <p:cNvGrpSpPr/>
+        <p:nvPr/>
+      </p:nvGrpSpPr>
+      <p:grpSpPr>
+        <a:xfrm>
+          <a:off x="0" y="0"/>
+          <a:ext cx="0" cy="0"/>
+          <a:chOff x="0" y="0"/>
+          <a:chExt cx="0" cy="0"/>
+        </a:xfrm>
+      </p:grpSpPr>
+      <p:sp>
+        <p:nvSpPr>
+          <p:cNvPr id="73" name="Rectangle 72">
+            <a:extLst>
+              <a:ext uri="{FF2B5EF4-FFF2-40B4-BE49-F238E27FC236}">
+                <a16:creationId xmlns:a16="http://schemas.microsoft.com/office/drawing/2014/main" id="{4038CB10-1F5C-4D54-9DF7-12586DE5B007}"/>
+              </a:ext>
+              <a:ext uri="{C183D7F6-B498-43B3-948B-1728B52AA6E4}">
+                <adec:decorative xmlns:adec="http://schemas.microsoft.com/office/drawing/2017/decorative" val="1"/>
+              </a:ext>
+            </a:extLst>
+          </p:cNvPr>
+          <p:cNvSpPr>
+            <a:spLocks noGrp="1" noRot="1" noChangeAspect="1" noMove="1" noResize="1" noEditPoints="1" noAdjustHandles="1" noChangeArrowheads="1" noChangeShapeType="1" noTextEdit="1"/>
+          </p:cNvSpPr>
+          <p:nvPr>
+            <p:extLst>
+              <p:ext uri="{386F3935-93C4-4BCD-93E2-E3B085C9AB24}">
+                <p16:designElem xmlns:p16="http://schemas.microsoft.com/office/powerpoint/2015/main" val="1"/>
+              </p:ext>
+            </p:extLst>
+          </p:nvPr>
+        </p:nvSpPr>
+        <p:spPr>
+          <a:xfrm>
+            <a:off x="327546" y="4572000"/>
+            <a:ext cx="7058307" cy="1964266"/>
+          </a:xfrm>
+          <a:prstGeom prst="rect">
+            <a:avLst/>
+          </a:prstGeom>
+          <a:solidFill>
+            <a:srgbClr val="2B5482"/>
+          </a:solidFill>
+          <a:ln>
+            <a:noFill/>
+          </a:ln>
+        </p:spPr>
+        <p:style>
+          <a:lnRef idx="2">
+            <a:schemeClr val="accent1">
+              <a:shade val="50000"/>
+            </a:schemeClr>
+          </a:lnRef>
+          <a:fillRef idx="1">
+            <a:schemeClr val="accent1"/>
+          </a:fillRef>
+          <a:effectRef idx="0">
+            <a:schemeClr val="accent1"/>
+          </a:effectRef>
+          <a:fontRef idx="minor">
+            <a:schemeClr val="lt1"/>
+          </a:fontRef>
+        </p:style>
+        <p:txBody>
+          <a:bodyPr rtlCol="0" anchor="ctr"/>
+          <a:lstStyle/>
+          <a:p>
+            <a:pPr marL="0" marR="0" lvl="0" indent="0" algn="ctr" defTabSz="914400" rtl="0" eaLnBrk="1" fontAlgn="auto" latinLnBrk="0" hangingPunct="1">
+              <a:lnSpc>
+                <a:spcPct val="100000"/>
+              </a:lnSpc>
+              <a:spcBef>
+                <a:spcPts val="0"/>
+              </a:spcBef>
+              <a:spcAft>
+                <a:spcPts val="0"/>
+              </a:spcAft>
+              <a:buClrTx/>
+              <a:buSzTx/>
+              <a:buFontTx/>
+              <a:buNone/>
+              <a:tabLst/>
+              <a:defRPr/>
+            </a:pPr>
+            <a:endParaRPr kumimoji="0" lang="en-US" sz="1800" b="0" i="0" u="none" strike="noStrike" kern="1200" cap="none" spc="0" normalizeH="0" baseline="0" noProof="0">
+              <a:ln>
+                <a:noFill/>
+              </a:ln>
+              <a:solidFill>
+                <a:prstClr val="white"/>
+              </a:solidFill>
+              <a:effectLst/>
+              <a:uLnTx/>
+              <a:uFillTx/>
+              <a:latin typeface="Calibri" panose="020F0502020204030204"/>
+              <a:ea typeface="+mn-ea"/>
+              <a:cs typeface="+mn-cs"/>
+            </a:endParaRPr>
+          </a:p>
+        </p:txBody>
+      </p:sp>
+      <p:sp>
+        <p:nvSpPr>
+          <p:cNvPr id="2" name="Titel 1">
+            <a:extLst>
+              <a:ext uri="{FF2B5EF4-FFF2-40B4-BE49-F238E27FC236}">
+                <a16:creationId xmlns:a16="http://schemas.microsoft.com/office/drawing/2014/main" id="{C0096E31-A51A-43AF-9593-FFB68F3E73A5}"/>
+              </a:ext>
+            </a:extLst>
+          </p:cNvPr>
+          <p:cNvSpPr>
+            <a:spLocks noGrp="1"/>
+          </p:cNvSpPr>
+          <p:nvPr>
+            <p:ph type="title"/>
+          </p:nvPr>
+        </p:nvSpPr>
+        <p:spPr>
+          <a:xfrm>
+            <a:off x="524256" y="4767072"/>
+            <a:ext cx="6594189" cy="1625210"/>
+          </a:xfrm>
+        </p:spPr>
+        <p:txBody>
+          <a:bodyPr>
+            <a:normAutofit/>
+          </a:bodyPr>
+          <a:lstStyle/>
+          <a:p>
+            <a:pPr algn="r"/>
+            <a:r>
+              <a:rPr lang="de-DE">
+                <a:solidFill>
+                  <a:srgbClr val="FFFFFF"/>
+                </a:solidFill>
+              </a:rPr>
+              <a:t>Lösungsansatz</a:t>
+            </a:r>
+          </a:p>
+        </p:txBody>
+      </p:sp>
+      <p:sp>
+        <p:nvSpPr>
+          <p:cNvPr id="75" name="Rectangle 74">
+            <a:extLst>
+              <a:ext uri="{FF2B5EF4-FFF2-40B4-BE49-F238E27FC236}">
+                <a16:creationId xmlns:a16="http://schemas.microsoft.com/office/drawing/2014/main" id="{73ED6512-6858-4552-B699-9A97FE9A4EA2}"/>
+              </a:ext>
+              <a:ext uri="{C183D7F6-B498-43B3-948B-1728B52AA6E4}">
+                <adec:decorative xmlns:adec="http://schemas.microsoft.com/office/drawing/2017/decorative" val="1"/>
+              </a:ext>
+            </a:extLst>
+          </p:cNvPr>
+          <p:cNvSpPr>
+            <a:spLocks noGrp="1" noRot="1" noChangeAspect="1" noMove="1" noResize="1" noEditPoints="1" noAdjustHandles="1" noChangeArrowheads="1" noChangeShapeType="1" noTextEdit="1"/>
+          </p:cNvSpPr>
+          <p:nvPr>
+            <p:extLst>
+              <p:ext uri="{386F3935-93C4-4BCD-93E2-E3B085C9AB24}">
+                <p16:designElem xmlns:p16="http://schemas.microsoft.com/office/powerpoint/2015/main" val="1"/>
+              </p:ext>
+            </p:extLst>
+          </p:nvPr>
+        </p:nvSpPr>
+        <p:spPr>
+          <a:xfrm>
+            <a:off x="7534655" y="321732"/>
+            <a:ext cx="4335613" cy="6214534"/>
+          </a:xfrm>
+          <a:prstGeom prst="rect">
+            <a:avLst/>
+          </a:prstGeom>
+          <a:solidFill>
+            <a:srgbClr val="404040"/>
+          </a:solidFill>
+          <a:ln>
+            <a:noFill/>
+          </a:ln>
+        </p:spPr>
+        <p:style>
+          <a:lnRef idx="2">
+            <a:schemeClr val="accent1">
+              <a:shade val="50000"/>
+            </a:schemeClr>
+          </a:lnRef>
+          <a:fillRef idx="1">
+            <a:schemeClr val="accent1"/>
+          </a:fillRef>
+          <a:effectRef idx="0">
+            <a:schemeClr val="accent1"/>
+          </a:effectRef>
+          <a:fontRef idx="minor">
+            <a:schemeClr val="lt1"/>
+          </a:fontRef>
+        </p:style>
+        <p:txBody>
+          <a:bodyPr rtlCol="0" anchor="ctr"/>
+          <a:lstStyle/>
+          <a:p>
+            <a:pPr marL="0" marR="0" lvl="0" indent="0" algn="ctr" defTabSz="914400" rtl="0" eaLnBrk="1" fontAlgn="auto" latinLnBrk="0" hangingPunct="1">
+              <a:lnSpc>
+                <a:spcPct val="100000"/>
+              </a:lnSpc>
+              <a:spcBef>
+                <a:spcPts val="0"/>
+              </a:spcBef>
+              <a:spcAft>
+                <a:spcPts val="0"/>
+              </a:spcAft>
+              <a:buClrTx/>
+              <a:buSzTx/>
+              <a:buFontTx/>
+              <a:buNone/>
+              <a:tabLst/>
+              <a:defRPr/>
+            </a:pPr>
+            <a:endParaRPr kumimoji="0" lang="en-US" sz="1800" b="0" i="0" u="none" strike="noStrike" kern="1200" cap="none" spc="0" normalizeH="0" baseline="0" noProof="0">
+              <a:ln>
+                <a:noFill/>
+              </a:ln>
+              <a:solidFill>
+                <a:prstClr val="white"/>
+              </a:solidFill>
+              <a:effectLst/>
+              <a:uLnTx/>
+              <a:uFillTx/>
+              <a:latin typeface="Calibri" panose="020F0502020204030204"/>
+              <a:ea typeface="+mn-ea"/>
+              <a:cs typeface="+mn-cs"/>
+            </a:endParaRPr>
+          </a:p>
+        </p:txBody>
+      </p:sp>
+      <p:sp>
+        <p:nvSpPr>
+          <p:cNvPr id="2054" name="Content Placeholder 2053">
+            <a:extLst>
+              <a:ext uri="{FF2B5EF4-FFF2-40B4-BE49-F238E27FC236}">
+                <a16:creationId xmlns:a16="http://schemas.microsoft.com/office/drawing/2014/main" id="{FD124D06-5469-4B17-851A-5917A2B5EF1D}"/>
+              </a:ext>
+            </a:extLst>
+          </p:cNvPr>
+          <p:cNvSpPr>
+            <a:spLocks noGrp="1"/>
+          </p:cNvSpPr>
+          <p:nvPr>
+            <p:ph idx="1"/>
+          </p:nvPr>
+        </p:nvSpPr>
+        <p:spPr>
+          <a:xfrm>
+            <a:off x="7990091" y="727225"/>
+            <a:ext cx="3424739" cy="453875"/>
+          </a:xfrm>
+        </p:spPr>
+        <p:txBody>
+          <a:bodyPr anchor="ctr">
+            <a:noAutofit/>
+          </a:bodyPr>
+          <a:lstStyle/>
+          <a:p>
+            <a:pPr marL="0" indent="0" algn="ctr">
+              <a:buNone/>
+            </a:pPr>
+            <a:r>
+              <a:rPr lang="en-US" sz="3200" dirty="0">
+                <a:solidFill>
+                  <a:srgbClr val="FFFFFF"/>
+                </a:solidFill>
+              </a:rPr>
+              <a:t>Sensor</a:t>
+            </a:r>
+          </a:p>
+        </p:txBody>
+      </p:sp>
+      <p:cxnSp>
+        <p:nvCxnSpPr>
+          <p:cNvPr id="5" name="Gerade Verbindung mit Pfeil 4">
+            <a:extLst>
+              <a:ext uri="{FF2B5EF4-FFF2-40B4-BE49-F238E27FC236}">
+                <a16:creationId xmlns:a16="http://schemas.microsoft.com/office/drawing/2014/main" id="{217EAFD5-E22D-4D4D-B533-BD770401113E}"/>
+              </a:ext>
+            </a:extLst>
+          </p:cNvPr>
+          <p:cNvCxnSpPr>
+            <a:cxnSpLocks/>
+          </p:cNvCxnSpPr>
+          <p:nvPr/>
+        </p:nvCxnSpPr>
+        <p:spPr>
+          <a:xfrm>
+            <a:off x="9694416" y="1349406"/>
+            <a:ext cx="0" cy="923277"/>
+          </a:xfrm>
+          <a:prstGeom prst="straightConnector1">
+            <a:avLst/>
+          </a:prstGeom>
+          <a:ln>
+            <a:solidFill>
+              <a:schemeClr val="bg1"/>
+            </a:solidFill>
+            <a:tailEnd type="triangle"/>
+          </a:ln>
+          <a:effectLst>
+            <a:glow rad="101600">
+              <a:schemeClr val="accent6">
+                <a:satMod val="175000"/>
+                <a:alpha val="40000"/>
+              </a:schemeClr>
+            </a:glow>
+          </a:effectLst>
+        </p:spPr>
+        <p:style>
+          <a:lnRef idx="3">
+            <a:schemeClr val="accent6"/>
+          </a:lnRef>
+          <a:fillRef idx="0">
+            <a:schemeClr val="accent6"/>
+          </a:fillRef>
+          <a:effectRef idx="2">
+            <a:schemeClr val="accent6"/>
+          </a:effectRef>
+          <a:fontRef idx="minor">
+            <a:schemeClr val="tx1"/>
+          </a:fontRef>
+        </p:style>
+      </p:cxnSp>
+      <p:sp>
+        <p:nvSpPr>
+          <p:cNvPr id="8" name="Textfeld 7">
+            <a:extLst>
+              <a:ext uri="{FF2B5EF4-FFF2-40B4-BE49-F238E27FC236}">
+                <a16:creationId xmlns:a16="http://schemas.microsoft.com/office/drawing/2014/main" id="{55647A7C-7509-4FF4-8B41-D4997FEDB3F7}"/>
+              </a:ext>
+            </a:extLst>
+          </p:cNvPr>
+          <p:cNvSpPr txBox="1"/>
+          <p:nvPr/>
+        </p:nvSpPr>
+        <p:spPr>
+          <a:xfrm>
+            <a:off x="8036410" y="2663301"/>
+            <a:ext cx="3424714" cy="461665"/>
+          </a:xfrm>
+          <a:prstGeom prst="rect">
+            <a:avLst/>
+          </a:prstGeom>
+          <a:noFill/>
+        </p:spPr>
+        <p:txBody>
+          <a:bodyPr wrap="square" rtlCol="0">
+            <a:spAutoFit/>
+          </a:bodyPr>
+          <a:lstStyle/>
+          <a:p>
+            <a:r>
+              <a:rPr lang="de-DE" sz="2400" dirty="0">
+                <a:solidFill>
+                  <a:schemeClr val="bg1"/>
+                </a:solidFill>
+              </a:rPr>
+              <a:t>Microcontroller/Arduino</a:t>
+            </a:r>
+          </a:p>
+        </p:txBody>
+      </p:sp>
+      <p:cxnSp>
+        <p:nvCxnSpPr>
+          <p:cNvPr id="10" name="Gerade Verbindung mit Pfeil 9">
+            <a:extLst>
+              <a:ext uri="{FF2B5EF4-FFF2-40B4-BE49-F238E27FC236}">
+                <a16:creationId xmlns:a16="http://schemas.microsoft.com/office/drawing/2014/main" id="{B2D5A565-6DB8-4F82-A555-B55D54134539}"/>
+              </a:ext>
+            </a:extLst>
+          </p:cNvPr>
+          <p:cNvCxnSpPr>
+            <a:cxnSpLocks/>
+          </p:cNvCxnSpPr>
+          <p:nvPr/>
+        </p:nvCxnSpPr>
+        <p:spPr>
+          <a:xfrm>
+            <a:off x="9695501" y="3124966"/>
+            <a:ext cx="0" cy="1304159"/>
+          </a:xfrm>
+          <a:prstGeom prst="straightConnector1">
+            <a:avLst/>
+          </a:prstGeom>
+          <a:ln>
+            <a:solidFill>
+              <a:schemeClr val="bg1"/>
+            </a:solidFill>
+            <a:tailEnd type="triangle"/>
+          </a:ln>
+          <a:effectLst>
+            <a:glow rad="63500">
+              <a:schemeClr val="accent6">
+                <a:satMod val="175000"/>
+                <a:alpha val="40000"/>
+              </a:schemeClr>
+            </a:glow>
+          </a:effectLst>
+        </p:spPr>
+        <p:style>
+          <a:lnRef idx="3">
+            <a:schemeClr val="accent6"/>
+          </a:lnRef>
+          <a:fillRef idx="0">
+            <a:schemeClr val="accent6"/>
+          </a:fillRef>
+          <a:effectRef idx="2">
+            <a:schemeClr val="accent6"/>
+          </a:effectRef>
+          <a:fontRef idx="minor">
+            <a:schemeClr val="tx1"/>
+          </a:fontRef>
+        </p:style>
+      </p:cxnSp>
+      <p:sp>
+        <p:nvSpPr>
+          <p:cNvPr id="12" name="Textfeld 11">
+            <a:extLst>
+              <a:ext uri="{FF2B5EF4-FFF2-40B4-BE49-F238E27FC236}">
+                <a16:creationId xmlns:a16="http://schemas.microsoft.com/office/drawing/2014/main" id="{AA3945D2-B06D-496B-AFB6-2E4042B06684}"/>
+              </a:ext>
+            </a:extLst>
+          </p:cNvPr>
+          <p:cNvSpPr txBox="1"/>
+          <p:nvPr/>
+        </p:nvSpPr>
+        <p:spPr>
+          <a:xfrm>
+            <a:off x="7865717" y="4767072"/>
+            <a:ext cx="3673485" cy="523220"/>
+          </a:xfrm>
+          <a:prstGeom prst="rect">
+            <a:avLst/>
+          </a:prstGeom>
+          <a:noFill/>
+        </p:spPr>
+        <p:txBody>
+          <a:bodyPr wrap="square" rtlCol="0">
+            <a:spAutoFit/>
+          </a:bodyPr>
+          <a:lstStyle/>
+          <a:p>
+            <a:pPr algn="ctr"/>
+            <a:r>
+              <a:rPr lang="de-DE" sz="2800" dirty="0">
+                <a:solidFill>
+                  <a:schemeClr val="bg1"/>
+                </a:solidFill>
+              </a:rPr>
+              <a:t>Steuerungssoftware</a:t>
+            </a:r>
+          </a:p>
+        </p:txBody>
+      </p:sp>
+      <p:pic>
+        <p:nvPicPr>
+          <p:cNvPr id="2052" name="Picture 4" descr="Bildergebnis für Parkplatzanzeige">
+            <a:extLst>
+              <a:ext uri="{FF2B5EF4-FFF2-40B4-BE49-F238E27FC236}">
+                <a16:creationId xmlns:a16="http://schemas.microsoft.com/office/drawing/2014/main" id="{2AE19BB4-B7BB-41CC-9DB1-49D42D635D3A}"/>
+              </a:ext>
+            </a:extLst>
+          </p:cNvPr>
+          <p:cNvPicPr>
+            <a:picLocks noChangeAspect="1" noChangeArrowheads="1"/>
+          </p:cNvPicPr>
+          <p:nvPr/>
+        </p:nvPicPr>
+        <p:blipFill>
+          <a:blip r:embed="rId2">
+            <a:extLst>
+              <a:ext uri="{28A0092B-C50C-407E-A947-70E740481C1C}">
+                <a14:useLocalDpi xmlns:a14="http://schemas.microsoft.com/office/drawing/2010/main" val="0"/>
+              </a:ext>
+            </a:extLst>
+          </a:blip>
+          <a:srcRect/>
+          <a:stretch>
+            <a:fillRect/>
+          </a:stretch>
+        </p:blipFill>
+        <p:spPr bwMode="auto">
+          <a:xfrm>
+            <a:off x="321731" y="465718"/>
+            <a:ext cx="7058307" cy="3714994"/>
+          </a:xfrm>
+          <a:prstGeom prst="rect">
+            <a:avLst/>
+          </a:prstGeom>
+          <a:noFill/>
+          <a:extLst>
+            <a:ext uri="{909E8E84-426E-40DD-AFC4-6F175D3DCCD1}">
+              <a14:hiddenFill xmlns:a14="http://schemas.microsoft.com/office/drawing/2010/main">
+                <a:solidFill>
+                  <a:srgbClr val="FFFFFF"/>
+                </a:solidFill>
+              </a14:hiddenFill>
+            </a:ext>
+          </a:extLst>
+        </p:spPr>
+      </p:pic>
+    </p:spTree>
+    <p:extLst>
+      <p:ext uri="{BB962C8B-B14F-4D97-AF65-F5344CB8AC3E}">
+        <p14:creationId xmlns:p14="http://schemas.microsoft.com/office/powerpoint/2010/main" val="2360934446"/>
+      </p:ext>
+    </p:extLst>
+  </p:cSld>
+  <p:clrMapOvr>
+    <a:masterClrMapping/>
+  </p:clrMapOvr>
+</p:sld>
+</file>
+
+<file path=ppt/slides/slide4.xml><?xml version="1.0" encoding="utf-8"?>
+<p:sld xmlns:a="http://schemas.openxmlformats.org/drawingml/2006/main" xmlns:r="http://schemas.openxmlformats.org/officeDocument/2006/relationships" xmlns:p="http://schemas.openxmlformats.org/presentationml/2006/main">
+  <p:cSld>
+    <p:spTree>
+      <p:nvGrpSpPr>
+        <p:cNvPr id="1" name=""/>
+        <p:cNvGrpSpPr/>
+        <p:nvPr/>
+      </p:nvGrpSpPr>
+      <p:grpSpPr>
+        <a:xfrm>
+          <a:off x="0" y="0"/>
+          <a:ext cx="0" cy="0"/>
+          <a:chOff x="0" y="0"/>
+          <a:chExt cx="0" cy="0"/>
+        </a:xfrm>
+      </p:grpSpPr>
+      <p:pic>
+        <p:nvPicPr>
+          <p:cNvPr id="3074" name="Picture 2" descr="Bildergebnis für Server">
+            <a:extLst>
+              <a:ext uri="{FF2B5EF4-FFF2-40B4-BE49-F238E27FC236}">
+                <a16:creationId xmlns:a16="http://schemas.microsoft.com/office/drawing/2014/main" id="{475D5A10-1B58-4A42-A25E-0C3F05290EA2}"/>
+              </a:ext>
+            </a:extLst>
+          </p:cNvPr>
+          <p:cNvPicPr>
+            <a:picLocks noGrp="1" noChangeAspect="1" noChangeArrowheads="1"/>
+          </p:cNvPicPr>
+          <p:nvPr>
+            <p:ph idx="1"/>
+          </p:nvPr>
+        </p:nvPicPr>
+        <p:blipFill>
+          <a:blip r:embed="rId2">
+            <a:extLst>
+              <a:ext uri="{28A0092B-C50C-407E-A947-70E740481C1C}">
+                <a14:useLocalDpi xmlns:a14="http://schemas.microsoft.com/office/drawing/2010/main" val="0"/>
+              </a:ext>
+            </a:extLst>
+          </a:blip>
+          <a:srcRect/>
+          <a:stretch>
+            <a:fillRect/>
+          </a:stretch>
+        </p:blipFill>
+        <p:spPr bwMode="auto">
+          <a:xfrm>
+            <a:off x="4865290" y="1920478"/>
+            <a:ext cx="2461419" cy="2461419"/>
+          </a:xfrm>
+          <a:prstGeom prst="rect">
+            <a:avLst/>
+          </a:prstGeom>
+          <a:noFill/>
+          <a:extLst>
+            <a:ext uri="{909E8E84-426E-40DD-AFC4-6F175D3DCCD1}">
+              <a14:hiddenFill xmlns:a14="http://schemas.microsoft.com/office/drawing/2010/main">
+                <a:solidFill>
+                  <a:srgbClr val="FFFFFF"/>
+                </a:solidFill>
+              </a14:hiddenFill>
+            </a:ext>
+          </a:extLst>
+        </p:spPr>
+      </p:pic>
+      <p:pic>
+        <p:nvPicPr>
+          <p:cNvPr id="3076" name="Picture 4" descr="Bildergebnis für fahrradständer">
+            <a:extLst>
+              <a:ext uri="{FF2B5EF4-FFF2-40B4-BE49-F238E27FC236}">
+                <a16:creationId xmlns:a16="http://schemas.microsoft.com/office/drawing/2014/main" id="{7A6A785C-E355-424A-92B2-C4B3AB78B1DF}"/>
+              </a:ext>
+            </a:extLst>
+          </p:cNvPr>
+          <p:cNvPicPr>
+            <a:picLocks noChangeAspect="1" noChangeArrowheads="1"/>
+          </p:cNvPicPr>
+          <p:nvPr/>
+        </p:nvPicPr>
+        <p:blipFill>
+          <a:blip r:embed="rId3">
+            <a:extLst>
+              <a:ext uri="{28A0092B-C50C-407E-A947-70E740481C1C}">
+                <a14:useLocalDpi xmlns:a14="http://schemas.microsoft.com/office/drawing/2010/main" val="0"/>
+              </a:ext>
+            </a:extLst>
+          </a:blip>
+          <a:srcRect/>
+          <a:stretch>
+            <a:fillRect/>
+          </a:stretch>
+        </p:blipFill>
+        <p:spPr bwMode="auto">
+          <a:xfrm rot="20638422">
+            <a:off x="-149776" y="2054543"/>
+            <a:ext cx="3134591" cy="1657747"/>
+          </a:xfrm>
+          <a:prstGeom prst="rect">
+            <a:avLst/>
+          </a:prstGeom>
+          <a:noFill/>
+          <a:extLst>
+            <a:ext uri="{909E8E84-426E-40DD-AFC4-6F175D3DCCD1}">
+              <a14:hiddenFill xmlns:a14="http://schemas.microsoft.com/office/drawing/2010/main">
+                <a:solidFill>
+                  <a:srgbClr val="FFFFFF"/>
+                </a:solidFill>
+              </a14:hiddenFill>
+            </a:ext>
+          </a:extLst>
+        </p:spPr>
+      </p:pic>
+      <p:cxnSp>
+        <p:nvCxnSpPr>
+          <p:cNvPr id="10" name="Gerade Verbindung mit Pfeil 9">
+            <a:extLst>
+              <a:ext uri="{FF2B5EF4-FFF2-40B4-BE49-F238E27FC236}">
+                <a16:creationId xmlns:a16="http://schemas.microsoft.com/office/drawing/2014/main" id="{B54AC8FD-23B9-434C-9A41-C0CE24C5D4D3}"/>
+              </a:ext>
+            </a:extLst>
+          </p:cNvPr>
+          <p:cNvCxnSpPr>
+            <a:cxnSpLocks/>
+          </p:cNvCxnSpPr>
+          <p:nvPr/>
+        </p:nvCxnSpPr>
+        <p:spPr>
+          <a:xfrm flipV="1">
+            <a:off x="1686426" y="3151187"/>
+            <a:ext cx="3481697" cy="553033"/>
+          </a:xfrm>
+          <a:prstGeom prst="straightConnector1">
+            <a:avLst/>
+          </a:prstGeom>
+          <a:ln>
+            <a:solidFill>
+              <a:schemeClr val="tx1"/>
+            </a:solidFill>
+            <a:tailEnd type="triangle"/>
+          </a:ln>
+          <a:effectLst>
+            <a:outerShdw blurRad="50800" dist="38100" dir="2700000" algn="tl" rotWithShape="0">
+              <a:prstClr val="black">
+                <a:alpha val="40000"/>
+              </a:prstClr>
+            </a:outerShdw>
+          </a:effectLst>
+        </p:spPr>
+        <p:style>
+          <a:lnRef idx="3">
+            <a:schemeClr val="accent6"/>
+          </a:lnRef>
+          <a:fillRef idx="0">
+            <a:schemeClr val="accent6"/>
+          </a:fillRef>
+          <a:effectRef idx="2">
+            <a:schemeClr val="accent6"/>
+          </a:effectRef>
+          <a:fontRef idx="minor">
+            <a:schemeClr val="tx1"/>
+          </a:fontRef>
+        </p:style>
+      </p:cxnSp>
+      <p:pic>
+        <p:nvPicPr>
+          <p:cNvPr id="3078" name="Picture 6" descr="Bildergebnis für smartphone">
+            <a:extLst>
+              <a:ext uri="{FF2B5EF4-FFF2-40B4-BE49-F238E27FC236}">
+                <a16:creationId xmlns:a16="http://schemas.microsoft.com/office/drawing/2014/main" id="{A66DB5B6-DBDA-4E7B-B42D-A9386CDF8C88}"/>
+              </a:ext>
+            </a:extLst>
+          </p:cNvPr>
+          <p:cNvPicPr>
+            <a:picLocks noChangeAspect="1" noChangeArrowheads="1"/>
+          </p:cNvPicPr>
+          <p:nvPr/>
+        </p:nvPicPr>
+        <p:blipFill>
+          <a:blip r:embed="rId4">
+            <a:extLst>
+              <a:ext uri="{28A0092B-C50C-407E-A947-70E740481C1C}">
+                <a14:useLocalDpi xmlns:a14="http://schemas.microsoft.com/office/drawing/2010/main" val="0"/>
+              </a:ext>
+            </a:extLst>
+          </a:blip>
+          <a:srcRect/>
+          <a:stretch>
+            <a:fillRect/>
+          </a:stretch>
+        </p:blipFill>
+        <p:spPr bwMode="auto">
+          <a:xfrm rot="723964">
+            <a:off x="9088616" y="304306"/>
+            <a:ext cx="2019177" cy="2019177"/>
+          </a:xfrm>
+          <a:prstGeom prst="rect">
+            <a:avLst/>
+          </a:prstGeom>
+          <a:noFill/>
+          <a:extLst>
+            <a:ext uri="{909E8E84-426E-40DD-AFC4-6F175D3DCCD1}">
+              <a14:hiddenFill xmlns:a14="http://schemas.microsoft.com/office/drawing/2010/main">
+                <a:solidFill>
+                  <a:srgbClr val="FFFFFF"/>
+                </a:solidFill>
+              </a14:hiddenFill>
+            </a:ext>
+          </a:extLst>
+        </p:spPr>
+      </p:pic>
+      <p:cxnSp>
+        <p:nvCxnSpPr>
+          <p:cNvPr id="12" name="Gerade Verbindung mit Pfeil 11">
+            <a:extLst>
+              <a:ext uri="{FF2B5EF4-FFF2-40B4-BE49-F238E27FC236}">
+                <a16:creationId xmlns:a16="http://schemas.microsoft.com/office/drawing/2014/main" id="{74094A7E-DFAC-495B-B345-5F9F493230BC}"/>
+              </a:ext>
+            </a:extLst>
+          </p:cNvPr>
+          <p:cNvCxnSpPr/>
+          <p:nvPr/>
+        </p:nvCxnSpPr>
+        <p:spPr>
+          <a:xfrm flipV="1">
+            <a:off x="6871317" y="1624614"/>
+            <a:ext cx="2183906" cy="870011"/>
+          </a:xfrm>
+          <a:prstGeom prst="straightConnector1">
+            <a:avLst/>
+          </a:prstGeom>
+          <a:ln>
+            <a:solidFill>
+              <a:schemeClr val="tx1"/>
+            </a:solidFill>
+            <a:tailEnd type="triangle"/>
+          </a:ln>
+          <a:effectLst>
+            <a:outerShdw blurRad="50800" dist="38100" dir="2700000" algn="tl" rotWithShape="0">
+              <a:prstClr val="black">
+                <a:alpha val="40000"/>
+              </a:prstClr>
+            </a:outerShdw>
+          </a:effectLst>
+        </p:spPr>
+        <p:style>
+          <a:lnRef idx="3">
+            <a:schemeClr val="accent6"/>
+          </a:lnRef>
+          <a:fillRef idx="0">
+            <a:schemeClr val="accent6"/>
+          </a:fillRef>
+          <a:effectRef idx="2">
+            <a:schemeClr val="accent6"/>
+          </a:effectRef>
+          <a:fontRef idx="minor">
+            <a:schemeClr val="tx1"/>
+          </a:fontRef>
+        </p:style>
+      </p:cxnSp>
+      <p:pic>
+        <p:nvPicPr>
+          <p:cNvPr id="3080" name="Picture 8" descr="Bildergebnis für Parkplatzanzeige">
+            <a:extLst>
+              <a:ext uri="{FF2B5EF4-FFF2-40B4-BE49-F238E27FC236}">
+                <a16:creationId xmlns:a16="http://schemas.microsoft.com/office/drawing/2014/main" id="{1B41B3E9-79C3-4481-991A-26CD7735A1E4}"/>
+              </a:ext>
+            </a:extLst>
+          </p:cNvPr>
+          <p:cNvPicPr>
+            <a:picLocks noChangeAspect="1" noChangeArrowheads="1"/>
+          </p:cNvPicPr>
+          <p:nvPr/>
+        </p:nvPicPr>
+        <p:blipFill>
+          <a:blip r:embed="rId5">
+            <a:extLst>
+              <a:ext uri="{28A0092B-C50C-407E-A947-70E740481C1C}">
+                <a14:useLocalDpi xmlns:a14="http://schemas.microsoft.com/office/drawing/2010/main" val="0"/>
+              </a:ext>
+            </a:extLst>
+          </a:blip>
+          <a:srcRect/>
+          <a:stretch>
+            <a:fillRect/>
+          </a:stretch>
+        </p:blipFill>
+        <p:spPr bwMode="auto">
+          <a:xfrm rot="20618186">
+            <a:off x="8637250" y="4318473"/>
+            <a:ext cx="3381688" cy="1987858"/>
+          </a:xfrm>
+          <a:prstGeom prst="rect">
+            <a:avLst/>
+          </a:prstGeom>
+          <a:noFill/>
+          <a:extLst>
+            <a:ext uri="{909E8E84-426E-40DD-AFC4-6F175D3DCCD1}">
+              <a14:hiddenFill xmlns:a14="http://schemas.microsoft.com/office/drawing/2010/main">
+                <a:solidFill>
+                  <a:srgbClr val="FFFFFF"/>
+                </a:solidFill>
+              </a14:hiddenFill>
+            </a:ext>
+          </a:extLst>
+        </p:spPr>
+      </p:pic>
+      <p:cxnSp>
+        <p:nvCxnSpPr>
+          <p:cNvPr id="14" name="Gerade Verbindung mit Pfeil 13">
+            <a:extLst>
+              <a:ext uri="{FF2B5EF4-FFF2-40B4-BE49-F238E27FC236}">
+                <a16:creationId xmlns:a16="http://schemas.microsoft.com/office/drawing/2014/main" id="{8464FE05-F143-47FD-822F-F783EF390E50}"/>
+              </a:ext>
+            </a:extLst>
+          </p:cNvPr>
+          <p:cNvCxnSpPr/>
+          <p:nvPr/>
+        </p:nvCxnSpPr>
+        <p:spPr>
+          <a:xfrm>
+            <a:off x="6871317" y="3151187"/>
+            <a:ext cx="2308194" cy="1616122"/>
+          </a:xfrm>
+          <a:prstGeom prst="straightConnector1">
+            <a:avLst/>
+          </a:prstGeom>
+          <a:ln>
+            <a:solidFill>
+              <a:schemeClr val="tx1"/>
+            </a:solidFill>
+            <a:tailEnd type="triangle"/>
+          </a:ln>
+          <a:effectLst>
+            <a:outerShdw blurRad="50800" dist="38100" dir="2700000" algn="tl" rotWithShape="0">
+              <a:prstClr val="black">
+                <a:alpha val="40000"/>
+              </a:prstClr>
+            </a:outerShdw>
+          </a:effectLst>
+        </p:spPr>
+        <p:style>
+          <a:lnRef idx="3">
+            <a:schemeClr val="accent6"/>
+          </a:lnRef>
+          <a:fillRef idx="0">
+            <a:schemeClr val="accent6"/>
+          </a:fillRef>
+          <a:effectRef idx="2">
+            <a:schemeClr val="accent6"/>
+          </a:effectRef>
+          <a:fontRef idx="minor">
+            <a:schemeClr val="tx1"/>
+          </a:fontRef>
+        </p:style>
+      </p:cxnSp>
+      <p:sp>
+        <p:nvSpPr>
+          <p:cNvPr id="15" name="Textfeld 14">
+            <a:extLst>
+              <a:ext uri="{FF2B5EF4-FFF2-40B4-BE49-F238E27FC236}">
+                <a16:creationId xmlns:a16="http://schemas.microsoft.com/office/drawing/2014/main" id="{54338B84-E115-447B-8D17-E744EEF6CC98}"/>
+              </a:ext>
+            </a:extLst>
+          </p:cNvPr>
+          <p:cNvSpPr txBox="1"/>
+          <p:nvPr/>
+        </p:nvSpPr>
+        <p:spPr>
+          <a:xfrm>
+            <a:off x="5344357" y="4381897"/>
+            <a:ext cx="1526960" cy="369332"/>
+          </a:xfrm>
+          <a:prstGeom prst="rect">
+            <a:avLst/>
+          </a:prstGeom>
+          <a:noFill/>
+        </p:spPr>
+        <p:txBody>
+          <a:bodyPr wrap="square" rtlCol="0">
+            <a:spAutoFit/>
+          </a:bodyPr>
+          <a:lstStyle/>
+          <a:p>
+            <a:pPr algn="ctr"/>
+            <a:r>
+              <a:rPr lang="de-DE" dirty="0"/>
+              <a:t>Server</a:t>
+            </a:r>
+          </a:p>
+        </p:txBody>
+      </p:sp>
+      <p:sp>
+        <p:nvSpPr>
+          <p:cNvPr id="16" name="Textfeld 15">
+            <a:extLst>
+              <a:ext uri="{FF2B5EF4-FFF2-40B4-BE49-F238E27FC236}">
+                <a16:creationId xmlns:a16="http://schemas.microsoft.com/office/drawing/2014/main" id="{D16F8E7A-198C-413E-96F2-A5752B12E336}"/>
+              </a:ext>
+            </a:extLst>
+          </p:cNvPr>
+          <p:cNvSpPr txBox="1"/>
+          <p:nvPr/>
+        </p:nvSpPr>
+        <p:spPr>
+          <a:xfrm rot="20614535">
+            <a:off x="-210986" y="3375391"/>
+            <a:ext cx="3470435" cy="369332"/>
+          </a:xfrm>
+          <a:prstGeom prst="rect">
+            <a:avLst/>
+          </a:prstGeom>
+          <a:noFill/>
+        </p:spPr>
+        <p:txBody>
+          <a:bodyPr wrap="square" rtlCol="0">
+            <a:spAutoFit/>
+          </a:bodyPr>
+          <a:lstStyle/>
+          <a:p>
+            <a:pPr algn="ctr"/>
+            <a:r>
+              <a:rPr lang="de-DE" dirty="0"/>
+              <a:t>Fahrradständer</a:t>
+            </a:r>
+          </a:p>
+        </p:txBody>
+      </p:sp>
+      <p:sp>
+        <p:nvSpPr>
+          <p:cNvPr id="17" name="Textfeld 16">
+            <a:extLst>
+              <a:ext uri="{FF2B5EF4-FFF2-40B4-BE49-F238E27FC236}">
+                <a16:creationId xmlns:a16="http://schemas.microsoft.com/office/drawing/2014/main" id="{8E7FAC09-EF65-49BA-BAAC-8A2456107294}"/>
+              </a:ext>
+            </a:extLst>
+          </p:cNvPr>
+          <p:cNvSpPr txBox="1"/>
+          <p:nvPr/>
+        </p:nvSpPr>
+        <p:spPr>
+          <a:xfrm rot="666736">
+            <a:off x="8630008" y="2281448"/>
+            <a:ext cx="2450015" cy="369332"/>
+          </a:xfrm>
+          <a:prstGeom prst="rect">
+            <a:avLst/>
+          </a:prstGeom>
+          <a:noFill/>
+        </p:spPr>
+        <p:txBody>
+          <a:bodyPr wrap="square" rtlCol="0">
+            <a:spAutoFit/>
+          </a:bodyPr>
+          <a:lstStyle/>
+          <a:p>
+            <a:pPr algn="ctr"/>
+            <a:r>
+              <a:rPr lang="de-DE" dirty="0"/>
+              <a:t>Smartphone</a:t>
+            </a:r>
+          </a:p>
+        </p:txBody>
+      </p:sp>
+      <p:sp>
+        <p:nvSpPr>
+          <p:cNvPr id="18" name="Textfeld 17">
+            <a:extLst>
+              <a:ext uri="{FF2B5EF4-FFF2-40B4-BE49-F238E27FC236}">
+                <a16:creationId xmlns:a16="http://schemas.microsoft.com/office/drawing/2014/main" id="{626C4439-B8E8-452C-A414-0F9F8A62E46D}"/>
+              </a:ext>
+            </a:extLst>
+          </p:cNvPr>
+          <p:cNvSpPr txBox="1"/>
+          <p:nvPr/>
+        </p:nvSpPr>
+        <p:spPr>
+          <a:xfrm rot="20973008">
+            <a:off x="10201698" y="6199759"/>
+            <a:ext cx="2189670" cy="369332"/>
+          </a:xfrm>
+          <a:prstGeom prst="rect">
+            <a:avLst/>
+          </a:prstGeom>
+          <a:noFill/>
+        </p:spPr>
+        <p:txBody>
+          <a:bodyPr wrap="square" rtlCol="0">
+            <a:spAutoFit/>
+          </a:bodyPr>
+          <a:lstStyle/>
+          <a:p>
+            <a:pPr algn="ctr"/>
+            <a:r>
+              <a:rPr lang="de-DE" dirty="0"/>
+              <a:t>Ampel</a:t>
+            </a:r>
+          </a:p>
+        </p:txBody>
+      </p:sp>
+    </p:spTree>
+    <p:extLst>
+      <p:ext uri="{BB962C8B-B14F-4D97-AF65-F5344CB8AC3E}">
+        <p14:creationId xmlns:p14="http://schemas.microsoft.com/office/powerpoint/2010/main" val="1523647669"/>
       </p:ext>
     </p:extLst>
   </p:cSld>

--- a/Powerpoint.pptx
+++ b/Powerpoint.pptx
@@ -4,11 +4,15 @@
   <p:sldMasterIdLst>
     <p:sldMasterId id="2147483675" r:id="rId1"/>
   </p:sldMasterIdLst>
+  <p:notesMasterIdLst>
+    <p:notesMasterId r:id="rId7"/>
+  </p:notesMasterIdLst>
   <p:sldIdLst>
     <p:sldId id="256" r:id="rId2"/>
-    <p:sldId id="257" r:id="rId3"/>
-    <p:sldId id="258" r:id="rId4"/>
-    <p:sldId id="259" r:id="rId5"/>
+    <p:sldId id="260" r:id="rId3"/>
+    <p:sldId id="257" r:id="rId4"/>
+    <p:sldId id="258" r:id="rId5"/>
+    <p:sldId id="259" r:id="rId6"/>
   </p:sldIdLst>
   <p:sldSz cx="12192000" cy="6858000"/>
   <p:notesSz cx="6858000" cy="9144000"/>
@@ -113,6 +117,355 @@
     </p:ext>
   </p:extLst>
 </p:presentation>
+</file>
+
+<file path=ppt/notesMasters/notesMaster1.xml><?xml version="1.0" encoding="utf-8"?>
+<p:notesMaster xmlns:a="http://schemas.openxmlformats.org/drawingml/2006/main" xmlns:r="http://schemas.openxmlformats.org/officeDocument/2006/relationships" xmlns:p="http://schemas.openxmlformats.org/presentationml/2006/main">
+  <p:cSld>
+    <p:bg>
+      <p:bgRef idx="1001">
+        <a:schemeClr val="bg1"/>
+      </p:bgRef>
+    </p:bg>
+    <p:spTree>
+      <p:nvGrpSpPr>
+        <p:cNvPr id="1" name=""/>
+        <p:cNvGrpSpPr/>
+        <p:nvPr/>
+      </p:nvGrpSpPr>
+      <p:grpSpPr>
+        <a:xfrm>
+          <a:off x="0" y="0"/>
+          <a:ext cx="0" cy="0"/>
+          <a:chOff x="0" y="0"/>
+          <a:chExt cx="0" cy="0"/>
+        </a:xfrm>
+      </p:grpSpPr>
+      <p:sp>
+        <p:nvSpPr>
+          <p:cNvPr id="2" name="Kopfzeilenplatzhalter 1"/>
+          <p:cNvSpPr>
+            <a:spLocks noGrp="1"/>
+          </p:cNvSpPr>
+          <p:nvPr>
+            <p:ph type="hdr" sz="quarter"/>
+          </p:nvPr>
+        </p:nvSpPr>
+        <p:spPr>
+          <a:xfrm>
+            <a:off x="0" y="0"/>
+            <a:ext cx="2971800" cy="458788"/>
+          </a:xfrm>
+          <a:prstGeom prst="rect">
+            <a:avLst/>
+          </a:prstGeom>
+        </p:spPr>
+        <p:txBody>
+          <a:bodyPr vert="horz" lIns="91440" tIns="45720" rIns="91440" bIns="45720" rtlCol="0"/>
+          <a:lstStyle>
+            <a:lvl1pPr algn="l">
+              <a:defRPr sz="1200"/>
+            </a:lvl1pPr>
+          </a:lstStyle>
+          <a:p>
+            <a:endParaRPr lang="de-DE"/>
+          </a:p>
+        </p:txBody>
+      </p:sp>
+      <p:sp>
+        <p:nvSpPr>
+          <p:cNvPr id="3" name="Datumsplatzhalter 2"/>
+          <p:cNvSpPr>
+            <a:spLocks noGrp="1"/>
+          </p:cNvSpPr>
+          <p:nvPr>
+            <p:ph type="dt" idx="1"/>
+          </p:nvPr>
+        </p:nvSpPr>
+        <p:spPr>
+          <a:xfrm>
+            <a:off x="3884613" y="0"/>
+            <a:ext cx="2971800" cy="458788"/>
+          </a:xfrm>
+          <a:prstGeom prst="rect">
+            <a:avLst/>
+          </a:prstGeom>
+        </p:spPr>
+        <p:txBody>
+          <a:bodyPr vert="horz" lIns="91440" tIns="45720" rIns="91440" bIns="45720" rtlCol="0"/>
+          <a:lstStyle>
+            <a:lvl1pPr algn="r">
+              <a:defRPr sz="1200"/>
+            </a:lvl1pPr>
+          </a:lstStyle>
+          <a:p>
+            <a:fld id="{5DC61D23-D5AC-45DB-895E-5B4795B49E41}" type="datetimeFigureOut">
+              <a:rPr lang="de-DE" smtClean="0"/>
+              <a:t>21.09.2019</a:t>
+            </a:fld>
+            <a:endParaRPr lang="de-DE"/>
+          </a:p>
+        </p:txBody>
+      </p:sp>
+      <p:sp>
+        <p:nvSpPr>
+          <p:cNvPr id="4" name="Folienbildplatzhalter 3"/>
+          <p:cNvSpPr>
+            <a:spLocks noGrp="1" noRot="1" noChangeAspect="1"/>
+          </p:cNvSpPr>
+          <p:nvPr>
+            <p:ph type="sldImg" idx="2"/>
+          </p:nvPr>
+        </p:nvSpPr>
+        <p:spPr>
+          <a:xfrm>
+            <a:off x="685800" y="1143000"/>
+            <a:ext cx="5486400" cy="3086100"/>
+          </a:xfrm>
+          <a:prstGeom prst="rect">
+            <a:avLst/>
+          </a:prstGeom>
+          <a:noFill/>
+          <a:ln w="12700">
+            <a:solidFill>
+              <a:prstClr val="black"/>
+            </a:solidFill>
+          </a:ln>
+        </p:spPr>
+        <p:txBody>
+          <a:bodyPr vert="horz" lIns="91440" tIns="45720" rIns="91440" bIns="45720" rtlCol="0" anchor="ctr"/>
+          <a:lstStyle/>
+          <a:p>
+            <a:endParaRPr lang="de-DE"/>
+          </a:p>
+        </p:txBody>
+      </p:sp>
+      <p:sp>
+        <p:nvSpPr>
+          <p:cNvPr id="5" name="Notizenplatzhalter 4"/>
+          <p:cNvSpPr>
+            <a:spLocks noGrp="1"/>
+          </p:cNvSpPr>
+          <p:nvPr>
+            <p:ph type="body" sz="quarter" idx="3"/>
+          </p:nvPr>
+        </p:nvSpPr>
+        <p:spPr>
+          <a:xfrm>
+            <a:off x="685800" y="4400550"/>
+            <a:ext cx="5486400" cy="3600450"/>
+          </a:xfrm>
+          <a:prstGeom prst="rect">
+            <a:avLst/>
+          </a:prstGeom>
+        </p:spPr>
+        <p:txBody>
+          <a:bodyPr vert="horz" lIns="91440" tIns="45720" rIns="91440" bIns="45720" rtlCol="0"/>
+          <a:lstStyle/>
+          <a:p>
+            <a:pPr lvl="0"/>
+            <a:r>
+              <a:rPr lang="de-DE"/>
+              <a:t>Mastertextformat bearbeiten</a:t>
+            </a:r>
+          </a:p>
+          <a:p>
+            <a:pPr lvl="1"/>
+            <a:r>
+              <a:rPr lang="de-DE"/>
+              <a:t>Zweite Ebene</a:t>
+            </a:r>
+          </a:p>
+          <a:p>
+            <a:pPr lvl="2"/>
+            <a:r>
+              <a:rPr lang="de-DE"/>
+              <a:t>Dritte Ebene</a:t>
+            </a:r>
+          </a:p>
+          <a:p>
+            <a:pPr lvl="3"/>
+            <a:r>
+              <a:rPr lang="de-DE"/>
+              <a:t>Vierte Ebene</a:t>
+            </a:r>
+          </a:p>
+          <a:p>
+            <a:pPr lvl="4"/>
+            <a:r>
+              <a:rPr lang="de-DE"/>
+              <a:t>Fünfte Ebene</a:t>
+            </a:r>
+          </a:p>
+        </p:txBody>
+      </p:sp>
+      <p:sp>
+        <p:nvSpPr>
+          <p:cNvPr id="6" name="Fußzeilenplatzhalter 5"/>
+          <p:cNvSpPr>
+            <a:spLocks noGrp="1"/>
+          </p:cNvSpPr>
+          <p:nvPr>
+            <p:ph type="ftr" sz="quarter" idx="4"/>
+          </p:nvPr>
+        </p:nvSpPr>
+        <p:spPr>
+          <a:xfrm>
+            <a:off x="0" y="8685213"/>
+            <a:ext cx="2971800" cy="458787"/>
+          </a:xfrm>
+          <a:prstGeom prst="rect">
+            <a:avLst/>
+          </a:prstGeom>
+        </p:spPr>
+        <p:txBody>
+          <a:bodyPr vert="horz" lIns="91440" tIns="45720" rIns="91440" bIns="45720" rtlCol="0" anchor="b"/>
+          <a:lstStyle>
+            <a:lvl1pPr algn="l">
+              <a:defRPr sz="1200"/>
+            </a:lvl1pPr>
+          </a:lstStyle>
+          <a:p>
+            <a:endParaRPr lang="de-DE"/>
+          </a:p>
+        </p:txBody>
+      </p:sp>
+      <p:sp>
+        <p:nvSpPr>
+          <p:cNvPr id="7" name="Foliennummernplatzhalter 6"/>
+          <p:cNvSpPr>
+            <a:spLocks noGrp="1"/>
+          </p:cNvSpPr>
+          <p:nvPr>
+            <p:ph type="sldNum" sz="quarter" idx="5"/>
+          </p:nvPr>
+        </p:nvSpPr>
+        <p:spPr>
+          <a:xfrm>
+            <a:off x="3884613" y="8685213"/>
+            <a:ext cx="2971800" cy="458787"/>
+          </a:xfrm>
+          <a:prstGeom prst="rect">
+            <a:avLst/>
+          </a:prstGeom>
+        </p:spPr>
+        <p:txBody>
+          <a:bodyPr vert="horz" lIns="91440" tIns="45720" rIns="91440" bIns="45720" rtlCol="0" anchor="b"/>
+          <a:lstStyle>
+            <a:lvl1pPr algn="r">
+              <a:defRPr sz="1200"/>
+            </a:lvl1pPr>
+          </a:lstStyle>
+          <a:p>
+            <a:fld id="{99BC2B50-C190-443B-8946-0CADED42AC0A}" type="slidenum">
+              <a:rPr lang="de-DE" smtClean="0"/>
+              <a:t>‹Nr.›</a:t>
+            </a:fld>
+            <a:endParaRPr lang="de-DE"/>
+          </a:p>
+        </p:txBody>
+      </p:sp>
+    </p:spTree>
+    <p:extLst>
+      <p:ext uri="{BB962C8B-B14F-4D97-AF65-F5344CB8AC3E}">
+        <p14:creationId xmlns:p14="http://schemas.microsoft.com/office/powerpoint/2010/main" val="394479126"/>
+      </p:ext>
+    </p:extLst>
+  </p:cSld>
+  <p:clrMap bg1="lt1" tx1="dk1" bg2="lt2" tx2="dk2" accent1="accent1" accent2="accent2" accent3="accent3" accent4="accent4" accent5="accent5" accent6="accent6" hlink="hlink" folHlink="folHlink"/>
+  <p:notesStyle>
+    <a:lvl1pPr marL="0" algn="l" defTabSz="914400" rtl="0" eaLnBrk="1" latinLnBrk="0" hangingPunct="1">
+      <a:defRPr sz="1200" kern="1200">
+        <a:solidFill>
+          <a:schemeClr val="tx1"/>
+        </a:solidFill>
+        <a:latin typeface="+mn-lt"/>
+        <a:ea typeface="+mn-ea"/>
+        <a:cs typeface="+mn-cs"/>
+      </a:defRPr>
+    </a:lvl1pPr>
+    <a:lvl2pPr marL="457200" algn="l" defTabSz="914400" rtl="0" eaLnBrk="1" latinLnBrk="0" hangingPunct="1">
+      <a:defRPr sz="1200" kern="1200">
+        <a:solidFill>
+          <a:schemeClr val="tx1"/>
+        </a:solidFill>
+        <a:latin typeface="+mn-lt"/>
+        <a:ea typeface="+mn-ea"/>
+        <a:cs typeface="+mn-cs"/>
+      </a:defRPr>
+    </a:lvl2pPr>
+    <a:lvl3pPr marL="914400" algn="l" defTabSz="914400" rtl="0" eaLnBrk="1" latinLnBrk="0" hangingPunct="1">
+      <a:defRPr sz="1200" kern="1200">
+        <a:solidFill>
+          <a:schemeClr val="tx1"/>
+        </a:solidFill>
+        <a:latin typeface="+mn-lt"/>
+        <a:ea typeface="+mn-ea"/>
+        <a:cs typeface="+mn-cs"/>
+      </a:defRPr>
+    </a:lvl3pPr>
+    <a:lvl4pPr marL="1371600" algn="l" defTabSz="914400" rtl="0" eaLnBrk="1" latinLnBrk="0" hangingPunct="1">
+      <a:defRPr sz="1200" kern="1200">
+        <a:solidFill>
+          <a:schemeClr val="tx1"/>
+        </a:solidFill>
+        <a:latin typeface="+mn-lt"/>
+        <a:ea typeface="+mn-ea"/>
+        <a:cs typeface="+mn-cs"/>
+      </a:defRPr>
+    </a:lvl4pPr>
+    <a:lvl5pPr marL="1828800" algn="l" defTabSz="914400" rtl="0" eaLnBrk="1" latinLnBrk="0" hangingPunct="1">
+      <a:defRPr sz="1200" kern="1200">
+        <a:solidFill>
+          <a:schemeClr val="tx1"/>
+        </a:solidFill>
+        <a:latin typeface="+mn-lt"/>
+        <a:ea typeface="+mn-ea"/>
+        <a:cs typeface="+mn-cs"/>
+      </a:defRPr>
+    </a:lvl5pPr>
+    <a:lvl6pPr marL="2286000" algn="l" defTabSz="914400" rtl="0" eaLnBrk="1" latinLnBrk="0" hangingPunct="1">
+      <a:defRPr sz="1200" kern="1200">
+        <a:solidFill>
+          <a:schemeClr val="tx1"/>
+        </a:solidFill>
+        <a:latin typeface="+mn-lt"/>
+        <a:ea typeface="+mn-ea"/>
+        <a:cs typeface="+mn-cs"/>
+      </a:defRPr>
+    </a:lvl6pPr>
+    <a:lvl7pPr marL="2743200" algn="l" defTabSz="914400" rtl="0" eaLnBrk="1" latinLnBrk="0" hangingPunct="1">
+      <a:defRPr sz="1200" kern="1200">
+        <a:solidFill>
+          <a:schemeClr val="tx1"/>
+        </a:solidFill>
+        <a:latin typeface="+mn-lt"/>
+        <a:ea typeface="+mn-ea"/>
+        <a:cs typeface="+mn-cs"/>
+      </a:defRPr>
+    </a:lvl7pPr>
+    <a:lvl8pPr marL="3200400" algn="l" defTabSz="914400" rtl="0" eaLnBrk="1" latinLnBrk="0" hangingPunct="1">
+      <a:defRPr sz="1200" kern="1200">
+        <a:solidFill>
+          <a:schemeClr val="tx1"/>
+        </a:solidFill>
+        <a:latin typeface="+mn-lt"/>
+        <a:ea typeface="+mn-ea"/>
+        <a:cs typeface="+mn-cs"/>
+      </a:defRPr>
+    </a:lvl8pPr>
+    <a:lvl9pPr marL="3657600" algn="l" defTabSz="914400" rtl="0" eaLnBrk="1" latinLnBrk="0" hangingPunct="1">
+      <a:defRPr sz="1200" kern="1200">
+        <a:solidFill>
+          <a:schemeClr val="tx1"/>
+        </a:solidFill>
+        <a:latin typeface="+mn-lt"/>
+        <a:ea typeface="+mn-ea"/>
+        <a:cs typeface="+mn-cs"/>
+      </a:defRPr>
+    </a:lvl9pPr>
+  </p:notesStyle>
+</p:notesMaster>
 </file>
 
 <file path=ppt/slideLayouts/slideLayout1.xml><?xml version="1.0" encoding="utf-8"?>
@@ -3469,6 +3822,54 @@
           </a:p>
         </p:txBody>
       </p:sp>
+      <p:sp>
+        <p:nvSpPr>
+          <p:cNvPr id="4" name="Textfeld 3">
+            <a:extLst>
+              <a:ext uri="{FF2B5EF4-FFF2-40B4-BE49-F238E27FC236}">
+                <a16:creationId xmlns:a16="http://schemas.microsoft.com/office/drawing/2014/main" id="{EED29B05-1A10-40AC-B4B2-DE62BDC67DED}"/>
+              </a:ext>
+            </a:extLst>
+          </p:cNvPr>
+          <p:cNvSpPr txBox="1"/>
+          <p:nvPr/>
+        </p:nvSpPr>
+        <p:spPr>
+          <a:xfrm>
+            <a:off x="8503298" y="6440615"/>
+            <a:ext cx="3701143" cy="369332"/>
+          </a:xfrm>
+          <a:prstGeom prst="rect">
+            <a:avLst/>
+          </a:prstGeom>
+          <a:noFill/>
+        </p:spPr>
+        <p:txBody>
+          <a:bodyPr wrap="square" rtlCol="0">
+            <a:spAutoFit/>
+          </a:bodyPr>
+          <a:lstStyle/>
+          <a:p>
+            <a:r>
+              <a:rPr lang="de-DE" dirty="0"/>
+              <a:t>Von Rabea </a:t>
+            </a:r>
+            <a:r>
+              <a:rPr lang="de-DE" dirty="0" err="1"/>
+              <a:t>Kolsch</a:t>
+            </a:r>
+            <a:r>
+              <a:rPr lang="de-DE" dirty="0"/>
+              <a:t> und Mathis </a:t>
+            </a:r>
+            <a:r>
+              <a:rPr lang="de-DE" dirty="0" err="1"/>
+              <a:t>Gemke</a:t>
+            </a:r>
+            <a:endParaRPr lang="de-DE" dirty="0"/>
+          </a:p>
+        </p:txBody>
+      </p:sp>
     </p:spTree>
     <p:extLst>
       <p:ext uri="{BB962C8B-B14F-4D97-AF65-F5344CB8AC3E}">
@@ -3483,6 +3884,386 @@
 </file>
 
 <file path=ppt/slides/slide2.xml><?xml version="1.0" encoding="utf-8"?>
+<p:sld xmlns:a="http://schemas.openxmlformats.org/drawingml/2006/main" xmlns:r="http://schemas.openxmlformats.org/officeDocument/2006/relationships" xmlns:p="http://schemas.openxmlformats.org/presentationml/2006/main">
+  <p:cSld>
+    <p:spTree>
+      <p:nvGrpSpPr>
+        <p:cNvPr id="1" name=""/>
+        <p:cNvGrpSpPr/>
+        <p:nvPr/>
+      </p:nvGrpSpPr>
+      <p:grpSpPr>
+        <a:xfrm>
+          <a:off x="0" y="0"/>
+          <a:ext cx="0" cy="0"/>
+          <a:chOff x="0" y="0"/>
+          <a:chExt cx="0" cy="0"/>
+        </a:xfrm>
+      </p:grpSpPr>
+      <p:sp>
+        <p:nvSpPr>
+          <p:cNvPr id="2" name="Titel 1">
+            <a:extLst>
+              <a:ext uri="{FF2B5EF4-FFF2-40B4-BE49-F238E27FC236}">
+                <a16:creationId xmlns:a16="http://schemas.microsoft.com/office/drawing/2014/main" id="{3E3BBF3A-7A36-47EC-BA80-0E22AEB45CD5}"/>
+              </a:ext>
+            </a:extLst>
+          </p:cNvPr>
+          <p:cNvSpPr>
+            <a:spLocks noGrp="1"/>
+          </p:cNvSpPr>
+          <p:nvPr>
+            <p:ph type="title"/>
+          </p:nvPr>
+        </p:nvSpPr>
+        <p:spPr>
+          <a:xfrm>
+            <a:off x="4763280" y="-14613"/>
+            <a:ext cx="2509932" cy="1325563"/>
+          </a:xfrm>
+        </p:spPr>
+        <p:txBody>
+          <a:bodyPr/>
+          <a:lstStyle/>
+          <a:p>
+            <a:pPr algn="ctr"/>
+            <a:r>
+              <a:rPr lang="de-DE" b="1" dirty="0">
+                <a:effectLst>
+                  <a:outerShdw blurRad="38100" dist="38100" dir="2700000" algn="tl">
+                    <a:srgbClr val="000000">
+                      <a:alpha val="43137"/>
+                    </a:srgbClr>
+                  </a:outerShdw>
+                </a:effectLst>
+              </a:rPr>
+              <a:t>Über uns</a:t>
+            </a:r>
+          </a:p>
+        </p:txBody>
+      </p:sp>
+      <p:sp>
+        <p:nvSpPr>
+          <p:cNvPr id="7" name="Textfeld 6">
+            <a:extLst>
+              <a:ext uri="{FF2B5EF4-FFF2-40B4-BE49-F238E27FC236}">
+                <a16:creationId xmlns:a16="http://schemas.microsoft.com/office/drawing/2014/main" id="{631B2507-6676-4B83-95F9-4EE48EEA15A6}"/>
+              </a:ext>
+            </a:extLst>
+          </p:cNvPr>
+          <p:cNvSpPr txBox="1"/>
+          <p:nvPr/>
+        </p:nvSpPr>
+        <p:spPr>
+          <a:xfrm>
+            <a:off x="0" y="1437987"/>
+            <a:ext cx="5582816" cy="646331"/>
+          </a:xfrm>
+          <a:prstGeom prst="rect">
+            <a:avLst/>
+          </a:prstGeom>
+          <a:noFill/>
+        </p:spPr>
+        <p:txBody>
+          <a:bodyPr wrap="square" rtlCol="0">
+            <a:spAutoFit/>
+          </a:bodyPr>
+          <a:lstStyle/>
+          <a:p>
+            <a:pPr algn="ctr"/>
+            <a:r>
+              <a:rPr lang="de-DE" sz="3600" b="1" dirty="0"/>
+              <a:t>Rabea </a:t>
+            </a:r>
+            <a:r>
+              <a:rPr lang="de-DE" sz="3600" b="1" dirty="0" err="1"/>
+              <a:t>Kolsch</a:t>
+            </a:r>
+            <a:endParaRPr lang="de-DE" sz="3600" b="1" dirty="0"/>
+          </a:p>
+        </p:txBody>
+      </p:sp>
+      <p:sp>
+        <p:nvSpPr>
+          <p:cNvPr id="11" name="Textfeld 10">
+            <a:extLst>
+              <a:ext uri="{FF2B5EF4-FFF2-40B4-BE49-F238E27FC236}">
+                <a16:creationId xmlns:a16="http://schemas.microsoft.com/office/drawing/2014/main" id="{6DC73D47-F6A7-4F15-B463-690D5D9EF253}"/>
+              </a:ext>
+            </a:extLst>
+          </p:cNvPr>
+          <p:cNvSpPr txBox="1"/>
+          <p:nvPr/>
+        </p:nvSpPr>
+        <p:spPr>
+          <a:xfrm>
+            <a:off x="6096000" y="1499543"/>
+            <a:ext cx="5707224" cy="584775"/>
+          </a:xfrm>
+          <a:prstGeom prst="rect">
+            <a:avLst/>
+          </a:prstGeom>
+          <a:noFill/>
+        </p:spPr>
+        <p:txBody>
+          <a:bodyPr wrap="square" rtlCol="0">
+            <a:spAutoFit/>
+          </a:bodyPr>
+          <a:lstStyle/>
+          <a:p>
+            <a:pPr algn="ctr"/>
+            <a:r>
+              <a:rPr lang="de-DE" sz="3200" b="1" dirty="0"/>
+              <a:t>Mathis</a:t>
+            </a:r>
+            <a:r>
+              <a:rPr lang="de-DE" dirty="0"/>
+              <a:t> </a:t>
+            </a:r>
+            <a:r>
+              <a:rPr lang="de-DE" sz="3200" b="1" dirty="0" err="1"/>
+              <a:t>Gemke</a:t>
+            </a:r>
+            <a:endParaRPr lang="de-DE" sz="3200" b="1" dirty="0"/>
+          </a:p>
+        </p:txBody>
+      </p:sp>
+      <p:cxnSp>
+        <p:nvCxnSpPr>
+          <p:cNvPr id="13" name="Gerader Verbinder 12">
+            <a:extLst>
+              <a:ext uri="{FF2B5EF4-FFF2-40B4-BE49-F238E27FC236}">
+                <a16:creationId xmlns:a16="http://schemas.microsoft.com/office/drawing/2014/main" id="{43EE3D91-F9CA-4F35-BDAD-5C3026FA44E2}"/>
+              </a:ext>
+            </a:extLst>
+          </p:cNvPr>
+          <p:cNvCxnSpPr>
+            <a:cxnSpLocks/>
+          </p:cNvCxnSpPr>
+          <p:nvPr/>
+        </p:nvCxnSpPr>
+        <p:spPr>
+          <a:xfrm>
+            <a:off x="6018246" y="1343608"/>
+            <a:ext cx="0" cy="5514392"/>
+          </a:xfrm>
+          <a:prstGeom prst="line">
+            <a:avLst/>
+          </a:prstGeom>
+          <a:ln w="57150"/>
+        </p:spPr>
+        <p:style>
+          <a:lnRef idx="3">
+            <a:schemeClr val="dk1"/>
+          </a:lnRef>
+          <a:fillRef idx="0">
+            <a:schemeClr val="dk1"/>
+          </a:fillRef>
+          <a:effectRef idx="2">
+            <a:schemeClr val="dk1"/>
+          </a:effectRef>
+          <a:fontRef idx="minor">
+            <a:schemeClr val="tx1"/>
+          </a:fontRef>
+        </p:style>
+      </p:cxnSp>
+      <p:cxnSp>
+        <p:nvCxnSpPr>
+          <p:cNvPr id="17" name="Gerader Verbinder 16">
+            <a:extLst>
+              <a:ext uri="{FF2B5EF4-FFF2-40B4-BE49-F238E27FC236}">
+                <a16:creationId xmlns:a16="http://schemas.microsoft.com/office/drawing/2014/main" id="{4B59C556-D698-4EA0-A735-B429A0FC86C4}"/>
+              </a:ext>
+            </a:extLst>
+          </p:cNvPr>
+          <p:cNvCxnSpPr/>
+          <p:nvPr/>
+        </p:nvCxnSpPr>
+        <p:spPr>
+          <a:xfrm>
+            <a:off x="0" y="2174033"/>
+            <a:ext cx="12192000" cy="0"/>
+          </a:xfrm>
+          <a:prstGeom prst="line">
+            <a:avLst/>
+          </a:prstGeom>
+          <a:ln w="57150"/>
+        </p:spPr>
+        <p:style>
+          <a:lnRef idx="3">
+            <a:schemeClr val="dk1"/>
+          </a:lnRef>
+          <a:fillRef idx="0">
+            <a:schemeClr val="dk1"/>
+          </a:fillRef>
+          <a:effectRef idx="2">
+            <a:schemeClr val="dk1"/>
+          </a:effectRef>
+          <a:fontRef idx="minor">
+            <a:schemeClr val="tx1"/>
+          </a:fontRef>
+        </p:style>
+      </p:cxnSp>
+      <p:sp>
+        <p:nvSpPr>
+          <p:cNvPr id="20" name="Textfeld 19">
+            <a:extLst>
+              <a:ext uri="{FF2B5EF4-FFF2-40B4-BE49-F238E27FC236}">
+                <a16:creationId xmlns:a16="http://schemas.microsoft.com/office/drawing/2014/main" id="{95308803-82C6-4FA1-B885-09DF321A8E64}"/>
+              </a:ext>
+            </a:extLst>
+          </p:cNvPr>
+          <p:cNvSpPr txBox="1"/>
+          <p:nvPr/>
+        </p:nvSpPr>
+        <p:spPr>
+          <a:xfrm>
+            <a:off x="426104" y="2263749"/>
+            <a:ext cx="3446097" cy="4031873"/>
+          </a:xfrm>
+          <a:prstGeom prst="rect">
+            <a:avLst/>
+          </a:prstGeom>
+          <a:noFill/>
+        </p:spPr>
+        <p:txBody>
+          <a:bodyPr wrap="square" rtlCol="0">
+            <a:spAutoFit/>
+          </a:bodyPr>
+          <a:lstStyle/>
+          <a:p>
+            <a:pPr marL="285750" indent="-285750">
+              <a:buFont typeface="Symbol" panose="05050102010706020507" pitchFamily="18" charset="2"/>
+              <a:buChar char="-"/>
+            </a:pPr>
+            <a:r>
+              <a:rPr lang="de-DE" sz="3200" dirty="0"/>
+              <a:t>18 Jahre alt</a:t>
+            </a:r>
+          </a:p>
+          <a:p>
+            <a:pPr marL="285750" indent="-285750">
+              <a:buFont typeface="Symbol" panose="05050102010706020507" pitchFamily="18" charset="2"/>
+              <a:buChar char="-"/>
+            </a:pPr>
+            <a:r>
+              <a:rPr lang="de-DE" sz="3200" dirty="0"/>
+              <a:t>Mauritius Gymnasium Büren</a:t>
+            </a:r>
+          </a:p>
+          <a:p>
+            <a:pPr marL="285750" indent="-285750">
+              <a:buFont typeface="Symbol" panose="05050102010706020507" pitchFamily="18" charset="2"/>
+              <a:buChar char="-"/>
+            </a:pPr>
+            <a:r>
+              <a:rPr lang="de-DE" sz="3200" dirty="0"/>
+              <a:t>Jahrgangsstufe Q2</a:t>
+            </a:r>
+          </a:p>
+          <a:p>
+            <a:pPr marL="285750" indent="-285750">
+              <a:buFont typeface="Symbol" panose="05050102010706020507" pitchFamily="18" charset="2"/>
+              <a:buChar char="-"/>
+            </a:pPr>
+            <a:r>
+              <a:rPr lang="de-DE" sz="3200" dirty="0"/>
+              <a:t>rabea.kolsch@web.de</a:t>
+            </a:r>
+          </a:p>
+        </p:txBody>
+      </p:sp>
+      <p:sp>
+        <p:nvSpPr>
+          <p:cNvPr id="21" name="Textfeld 20">
+            <a:extLst>
+              <a:ext uri="{FF2B5EF4-FFF2-40B4-BE49-F238E27FC236}">
+                <a16:creationId xmlns:a16="http://schemas.microsoft.com/office/drawing/2014/main" id="{3355CBD3-3F98-4CCD-96A7-E8D6CF04C9D4}"/>
+              </a:ext>
+            </a:extLst>
+          </p:cNvPr>
+          <p:cNvSpPr txBox="1"/>
+          <p:nvPr/>
+        </p:nvSpPr>
+        <p:spPr>
+          <a:xfrm>
+            <a:off x="6326163" y="2263749"/>
+            <a:ext cx="3806886" cy="3970318"/>
+          </a:xfrm>
+          <a:prstGeom prst="rect">
+            <a:avLst/>
+          </a:prstGeom>
+          <a:noFill/>
+        </p:spPr>
+        <p:txBody>
+          <a:bodyPr wrap="square" rtlCol="0">
+            <a:spAutoFit/>
+          </a:bodyPr>
+          <a:lstStyle/>
+          <a:p>
+            <a:pPr marL="285750" indent="-285750">
+              <a:buFont typeface="Symbol" panose="05050102010706020507" pitchFamily="18" charset="2"/>
+              <a:buChar char="-"/>
+            </a:pPr>
+            <a:r>
+              <a:rPr lang="de-DE" sz="3600" dirty="0"/>
+              <a:t>14 Jahre alt</a:t>
+            </a:r>
+          </a:p>
+          <a:p>
+            <a:pPr marL="285750" indent="-285750">
+              <a:buFont typeface="Symbol" panose="05050102010706020507" pitchFamily="18" charset="2"/>
+              <a:buChar char="-"/>
+            </a:pPr>
+            <a:r>
+              <a:rPr lang="de-DE" sz="3600" dirty="0"/>
+              <a:t>Realschule </a:t>
+            </a:r>
+            <a:r>
+              <a:rPr lang="de-DE" sz="3600" dirty="0" err="1"/>
+              <a:t>St.Michael</a:t>
+            </a:r>
+            <a:r>
+              <a:rPr lang="de-DE" sz="3600" dirty="0"/>
+              <a:t> Paderborn</a:t>
+            </a:r>
+          </a:p>
+          <a:p>
+            <a:pPr marL="285750" indent="-285750">
+              <a:buFont typeface="Symbol" panose="05050102010706020507" pitchFamily="18" charset="2"/>
+              <a:buChar char="-"/>
+            </a:pPr>
+            <a:r>
+              <a:rPr lang="de-DE" sz="3600" dirty="0"/>
+              <a:t>Jahrgangsstufe 9</a:t>
+            </a:r>
+          </a:p>
+          <a:p>
+            <a:pPr marL="285750" indent="-285750">
+              <a:buFont typeface="Symbol" panose="05050102010706020507" pitchFamily="18" charset="2"/>
+              <a:buChar char="-"/>
+            </a:pPr>
+            <a:r>
+              <a:rPr lang="de-DE" sz="3600" dirty="0"/>
+              <a:t>Mathis.gemke@gmail.com</a:t>
+            </a:r>
+          </a:p>
+        </p:txBody>
+      </p:sp>
+    </p:spTree>
+    <p:extLst>
+      <p:ext uri="{BB962C8B-B14F-4D97-AF65-F5344CB8AC3E}">
+        <p14:creationId xmlns:p14="http://schemas.microsoft.com/office/powerpoint/2010/main" val="1156430821"/>
+      </p:ext>
+    </p:extLst>
+  </p:cSld>
+  <p:clrMapOvr>
+    <a:masterClrMapping/>
+  </p:clrMapOvr>
+</p:sld>
+</file>
+
+<file path=ppt/slides/slide3.xml><?xml version="1.0" encoding="utf-8"?>
 <p:sld xmlns:a="http://schemas.openxmlformats.org/drawingml/2006/main" xmlns:r="http://schemas.openxmlformats.org/officeDocument/2006/relationships" xmlns:p="http://schemas.openxmlformats.org/presentationml/2006/main">
   <p:cSld>
     <p:bg>
@@ -3822,7 +4603,7 @@
 </p:sld>
 </file>
 
-<file path=ppt/slides/slide3.xml><?xml version="1.0" encoding="utf-8"?>
+<file path=ppt/slides/slide4.xml><?xml version="1.0" encoding="utf-8"?>
 <p:sld xmlns:a="http://schemas.openxmlformats.org/drawingml/2006/main" xmlns:r="http://schemas.openxmlformats.org/officeDocument/2006/relationships" xmlns:p="http://schemas.openxmlformats.org/presentationml/2006/main">
   <p:cSld>
     <p:bg>
@@ -4220,7 +5001,7 @@
         </p:nvCxnSpPr>
         <p:spPr>
           <a:xfrm>
-            <a:off x="9695501" y="3124966"/>
+            <a:off x="9694416" y="3339570"/>
             <a:ext cx="0" cy="1304159"/>
           </a:xfrm>
           <a:prstGeom prst="straightConnector1">
@@ -4356,9 +5137,17 @@
 </p:sld>
 </file>
 
-<file path=ppt/slides/slide4.xml><?xml version="1.0" encoding="utf-8"?>
+<file path=ppt/slides/slide5.xml><?xml version="1.0" encoding="utf-8"?>
 <p:sld xmlns:a="http://schemas.openxmlformats.org/drawingml/2006/main" xmlns:r="http://schemas.openxmlformats.org/officeDocument/2006/relationships" xmlns:p="http://schemas.openxmlformats.org/presentationml/2006/main">
   <p:cSld>
+    <p:bg>
+      <p:bgPr>
+        <a:solidFill>
+          <a:schemeClr val="bg2"/>
+        </a:solidFill>
+        <a:effectLst/>
+      </p:bgPr>
+    </p:bg>
     <p:spTree>
       <p:nvGrpSpPr>
         <p:cNvPr id="1" name=""/>
@@ -4856,6 +5645,55 @@
           </a:p>
         </p:txBody>
       </p:sp>
+      <p:sp>
+        <p:nvSpPr>
+          <p:cNvPr id="2" name="Textfeld 1">
+            <a:extLst>
+              <a:ext uri="{FF2B5EF4-FFF2-40B4-BE49-F238E27FC236}">
+                <a16:creationId xmlns:a16="http://schemas.microsoft.com/office/drawing/2014/main" id="{99B44706-D2B4-4C8C-8F6C-5F001808A77E}"/>
+              </a:ext>
+            </a:extLst>
+          </p:cNvPr>
+          <p:cNvSpPr txBox="1"/>
+          <p:nvPr/>
+        </p:nvSpPr>
+        <p:spPr>
+          <a:xfrm>
+            <a:off x="429208" y="4889341"/>
+            <a:ext cx="4915149" cy="923330"/>
+          </a:xfrm>
+          <a:prstGeom prst="rect">
+            <a:avLst/>
+          </a:prstGeom>
+          <a:noFill/>
+        </p:spPr>
+        <p:txBody>
+          <a:bodyPr wrap="square" rtlCol="0">
+            <a:spAutoFit/>
+          </a:bodyPr>
+          <a:lstStyle/>
+          <a:p>
+            <a:pPr algn="ctr"/>
+            <a:r>
+              <a:rPr lang="de-DE" sz="5400" b="1" dirty="0">
+                <a:solidFill>
+                  <a:schemeClr val="accent1">
+                    <a:lumMod val="75000"/>
+                  </a:schemeClr>
+                </a:solidFill>
+                <a:effectLst>
+                  <a:outerShdw blurRad="38100" dist="38100" dir="2700000" algn="tl">
+                    <a:srgbClr val="000000">
+                      <a:alpha val="43137"/>
+                    </a:srgbClr>
+                  </a:outerShdw>
+                </a:effectLst>
+              </a:rPr>
+              <a:t>Lösung</a:t>
+            </a:r>
+          </a:p>
+        </p:txBody>
+      </p:sp>
     </p:spTree>
     <p:extLst>
       <p:ext uri="{BB962C8B-B14F-4D97-AF65-F5344CB8AC3E}">
@@ -4870,6 +5708,301 @@
 </file>
 
 <file path=ppt/theme/theme1.xml><?xml version="1.0" encoding="utf-8"?>
+<a:theme xmlns:a="http://schemas.openxmlformats.org/drawingml/2006/main" name="Office">
+  <a:themeElements>
+    <a:clrScheme name="Warmes Blau">
+      <a:dk1>
+        <a:sysClr val="windowText" lastClr="000000"/>
+      </a:dk1>
+      <a:lt1>
+        <a:sysClr val="window" lastClr="FFFFFF"/>
+      </a:lt1>
+      <a:dk2>
+        <a:srgbClr val="242852"/>
+      </a:dk2>
+      <a:lt2>
+        <a:srgbClr val="ACCBF9"/>
+      </a:lt2>
+      <a:accent1>
+        <a:srgbClr val="4A66AC"/>
+      </a:accent1>
+      <a:accent2>
+        <a:srgbClr val="629DD1"/>
+      </a:accent2>
+      <a:accent3>
+        <a:srgbClr val="297FD5"/>
+      </a:accent3>
+      <a:accent4>
+        <a:srgbClr val="7F8FA9"/>
+      </a:accent4>
+      <a:accent5>
+        <a:srgbClr val="5AA2AE"/>
+      </a:accent5>
+      <a:accent6>
+        <a:srgbClr val="9D90A0"/>
+      </a:accent6>
+      <a:hlink>
+        <a:srgbClr val="9454C3"/>
+      </a:hlink>
+      <a:folHlink>
+        <a:srgbClr val="3EBBF0"/>
+      </a:folHlink>
+    </a:clrScheme>
+    <a:fontScheme name="Office">
+      <a:majorFont>
+        <a:latin typeface="Calibri Light" panose="020F0302020204030204"/>
+        <a:ea typeface=""/>
+        <a:cs typeface=""/>
+        <a:font script="Jpan" typeface="游ゴシック Light"/>
+        <a:font script="Hang" typeface="맑은 고딕"/>
+        <a:font script="Hans" typeface="等线 Light"/>
+        <a:font script="Hant" typeface="新細明體"/>
+        <a:font script="Arab" typeface="Times New Roman"/>
+        <a:font script="Hebr" typeface="Times New Roman"/>
+        <a:font script="Thai" typeface="Angsana New"/>
+        <a:font script="Ethi" typeface="Nyala"/>
+        <a:font script="Beng" typeface="Vrinda"/>
+        <a:font script="Gujr" typeface="Shruti"/>
+        <a:font script="Khmr" typeface="MoolBoran"/>
+        <a:font script="Knda" typeface="Tunga"/>
+        <a:font script="Guru" typeface="Raavi"/>
+        <a:font script="Cans" typeface="Euphemia"/>
+        <a:font script="Cher" typeface="Plantagenet Cherokee"/>
+        <a:font script="Yiii" typeface="Microsoft Yi Baiti"/>
+        <a:font script="Tibt" typeface="Microsoft Himalaya"/>
+        <a:font script="Thaa" typeface="MV Boli"/>
+        <a:font script="Deva" typeface="Mangal"/>
+        <a:font script="Telu" typeface="Gautami"/>
+        <a:font script="Taml" typeface="Latha"/>
+        <a:font script="Syrc" typeface="Estrangelo Edessa"/>
+        <a:font script="Orya" typeface="Kalinga"/>
+        <a:font script="Mlym" typeface="Kartika"/>
+        <a:font script="Laoo" typeface="DokChampa"/>
+        <a:font script="Sinh" typeface="Iskoola Pota"/>
+        <a:font script="Mong" typeface="Mongolian Baiti"/>
+        <a:font script="Viet" typeface="Times New Roman"/>
+        <a:font script="Uigh" typeface="Microsoft Uighur"/>
+        <a:font script="Geor" typeface="Sylfaen"/>
+        <a:font script="Armn" typeface="Arial"/>
+        <a:font script="Bugi" typeface="Leelawadee UI"/>
+        <a:font script="Bopo" typeface="Microsoft JhengHei"/>
+        <a:font script="Java" typeface="Javanese Text"/>
+        <a:font script="Lisu" typeface="Segoe UI"/>
+        <a:font script="Mymr" typeface="Myanmar Text"/>
+        <a:font script="Nkoo" typeface="Ebrima"/>
+        <a:font script="Olck" typeface="Nirmala UI"/>
+        <a:font script="Osma" typeface="Ebrima"/>
+        <a:font script="Phag" typeface="Phagspa"/>
+        <a:font script="Syrn" typeface="Estrangelo Edessa"/>
+        <a:font script="Syrj" typeface="Estrangelo Edessa"/>
+        <a:font script="Syre" typeface="Estrangelo Edessa"/>
+        <a:font script="Sora" typeface="Nirmala UI"/>
+        <a:font script="Tale" typeface="Microsoft Tai Le"/>
+        <a:font script="Talu" typeface="Microsoft New Tai Lue"/>
+        <a:font script="Tfng" typeface="Ebrima"/>
+      </a:majorFont>
+      <a:minorFont>
+        <a:latin typeface="Calibri" panose="020F0502020204030204"/>
+        <a:ea typeface=""/>
+        <a:cs typeface=""/>
+        <a:font script="Jpan" typeface="游ゴシック"/>
+        <a:font script="Hang" typeface="맑은 고딕"/>
+        <a:font script="Hans" typeface="等线"/>
+        <a:font script="Hant" typeface="新細明體"/>
+        <a:font script="Arab" typeface="Arial"/>
+        <a:font script="Hebr" typeface="Arial"/>
+        <a:font script="Thai" typeface="Cordia New"/>
+        <a:font script="Ethi" typeface="Nyala"/>
+        <a:font script="Beng" typeface="Vrinda"/>
+        <a:font script="Gujr" typeface="Shruti"/>
+        <a:font script="Khmr" typeface="DaunPenh"/>
+        <a:font script="Knda" typeface="Tunga"/>
+        <a:font script="Guru" typeface="Raavi"/>
+        <a:font script="Cans" typeface="Euphemia"/>
+        <a:font script="Cher" typeface="Plantagenet Cherokee"/>
+        <a:font script="Yiii" typeface="Microsoft Yi Baiti"/>
+        <a:font script="Tibt" typeface="Microsoft Himalaya"/>
+        <a:font script="Thaa" typeface="MV Boli"/>
+        <a:font script="Deva" typeface="Mangal"/>
+        <a:font script="Telu" typeface="Gautami"/>
+        <a:font script="Taml" typeface="Latha"/>
+        <a:font script="Syrc" typeface="Estrangelo Edessa"/>
+        <a:font script="Orya" typeface="Kalinga"/>
+        <a:font script="Mlym" typeface="Kartika"/>
+        <a:font script="Laoo" typeface="DokChampa"/>
+        <a:font script="Sinh" typeface="Iskoola Pota"/>
+        <a:font script="Mong" typeface="Mongolian Baiti"/>
+        <a:font script="Viet" typeface="Arial"/>
+        <a:font script="Uigh" typeface="Microsoft Uighur"/>
+        <a:font script="Geor" typeface="Sylfaen"/>
+        <a:font script="Armn" typeface="Arial"/>
+        <a:font script="Bugi" typeface="Leelawadee UI"/>
+        <a:font script="Bopo" typeface="Microsoft JhengHei"/>
+        <a:font script="Java" typeface="Javanese Text"/>
+        <a:font script="Lisu" typeface="Segoe UI"/>
+        <a:font script="Mymr" typeface="Myanmar Text"/>
+        <a:font script="Nkoo" typeface="Ebrima"/>
+        <a:font script="Olck" typeface="Nirmala UI"/>
+        <a:font script="Osma" typeface="Ebrima"/>
+        <a:font script="Phag" typeface="Phagspa"/>
+        <a:font script="Syrn" typeface="Estrangelo Edessa"/>
+        <a:font script="Syrj" typeface="Estrangelo Edessa"/>
+        <a:font script="Syre" typeface="Estrangelo Edessa"/>
+        <a:font script="Sora" typeface="Nirmala UI"/>
+        <a:font script="Tale" typeface="Microsoft Tai Le"/>
+        <a:font script="Talu" typeface="Microsoft New Tai Lue"/>
+        <a:font script="Tfng" typeface="Ebrima"/>
+      </a:minorFont>
+    </a:fontScheme>
+    <a:fmtScheme name="Office">
+      <a:fillStyleLst>
+        <a:solidFill>
+          <a:schemeClr val="phClr"/>
+        </a:solidFill>
+        <a:gradFill rotWithShape="1">
+          <a:gsLst>
+            <a:gs pos="0">
+              <a:schemeClr val="phClr">
+                <a:lumMod val="110000"/>
+                <a:satMod val="105000"/>
+                <a:tint val="67000"/>
+              </a:schemeClr>
+            </a:gs>
+            <a:gs pos="50000">
+              <a:schemeClr val="phClr">
+                <a:lumMod val="105000"/>
+                <a:satMod val="103000"/>
+                <a:tint val="73000"/>
+              </a:schemeClr>
+            </a:gs>
+            <a:gs pos="100000">
+              <a:schemeClr val="phClr">
+                <a:lumMod val="105000"/>
+                <a:satMod val="109000"/>
+                <a:tint val="81000"/>
+              </a:schemeClr>
+            </a:gs>
+          </a:gsLst>
+          <a:lin ang="5400000" scaled="0"/>
+        </a:gradFill>
+        <a:gradFill rotWithShape="1">
+          <a:gsLst>
+            <a:gs pos="0">
+              <a:schemeClr val="phClr">
+                <a:satMod val="103000"/>
+                <a:lumMod val="102000"/>
+                <a:tint val="94000"/>
+              </a:schemeClr>
+            </a:gs>
+            <a:gs pos="50000">
+              <a:schemeClr val="phClr">
+                <a:satMod val="110000"/>
+                <a:lumMod val="100000"/>
+                <a:shade val="100000"/>
+              </a:schemeClr>
+            </a:gs>
+            <a:gs pos="100000">
+              <a:schemeClr val="phClr">
+                <a:lumMod val="99000"/>
+                <a:satMod val="120000"/>
+                <a:shade val="78000"/>
+              </a:schemeClr>
+            </a:gs>
+          </a:gsLst>
+          <a:lin ang="5400000" scaled="0"/>
+        </a:gradFill>
+      </a:fillStyleLst>
+      <a:lnStyleLst>
+        <a:ln w="6350" cap="flat" cmpd="sng" algn="ctr">
+          <a:solidFill>
+            <a:schemeClr val="phClr"/>
+          </a:solidFill>
+          <a:prstDash val="solid"/>
+          <a:miter lim="800000"/>
+        </a:ln>
+        <a:ln w="12700" cap="flat" cmpd="sng" algn="ctr">
+          <a:solidFill>
+            <a:schemeClr val="phClr"/>
+          </a:solidFill>
+          <a:prstDash val="solid"/>
+          <a:miter lim="800000"/>
+        </a:ln>
+        <a:ln w="19050" cap="flat" cmpd="sng" algn="ctr">
+          <a:solidFill>
+            <a:schemeClr val="phClr"/>
+          </a:solidFill>
+          <a:prstDash val="solid"/>
+          <a:miter lim="800000"/>
+        </a:ln>
+      </a:lnStyleLst>
+      <a:effectStyleLst>
+        <a:effectStyle>
+          <a:effectLst/>
+        </a:effectStyle>
+        <a:effectStyle>
+          <a:effectLst/>
+        </a:effectStyle>
+        <a:effectStyle>
+          <a:effectLst>
+            <a:outerShdw blurRad="57150" dist="19050" dir="5400000" algn="ctr" rotWithShape="0">
+              <a:srgbClr val="000000">
+                <a:alpha val="63000"/>
+              </a:srgbClr>
+            </a:outerShdw>
+          </a:effectLst>
+        </a:effectStyle>
+      </a:effectStyleLst>
+      <a:bgFillStyleLst>
+        <a:solidFill>
+          <a:schemeClr val="phClr"/>
+        </a:solidFill>
+        <a:solidFill>
+          <a:schemeClr val="phClr">
+            <a:tint val="95000"/>
+            <a:satMod val="170000"/>
+          </a:schemeClr>
+        </a:solidFill>
+        <a:gradFill rotWithShape="1">
+          <a:gsLst>
+            <a:gs pos="0">
+              <a:schemeClr val="phClr">
+                <a:tint val="93000"/>
+                <a:satMod val="150000"/>
+                <a:shade val="98000"/>
+                <a:lumMod val="102000"/>
+              </a:schemeClr>
+            </a:gs>
+            <a:gs pos="50000">
+              <a:schemeClr val="phClr">
+                <a:tint val="98000"/>
+                <a:satMod val="130000"/>
+                <a:shade val="90000"/>
+                <a:lumMod val="103000"/>
+              </a:schemeClr>
+            </a:gs>
+            <a:gs pos="100000">
+              <a:schemeClr val="phClr">
+                <a:shade val="63000"/>
+                <a:satMod val="120000"/>
+              </a:schemeClr>
+            </a:gs>
+          </a:gsLst>
+          <a:lin ang="5400000" scaled="0"/>
+        </a:gradFill>
+      </a:bgFillStyleLst>
+    </a:fmtScheme>
+  </a:themeElements>
+  <a:objectDefaults/>
+  <a:extraClrSchemeLst/>
+  <a:extLst>
+    <a:ext uri="{05A4C25C-085E-4340-85A3-A5531E510DB2}">
+      <thm15:themeFamily xmlns:thm15="http://schemas.microsoft.com/office/thememl/2012/main" name="Office Theme" id="{62F939B6-93AF-4DB8-9C6B-D6C7DFDC589F}" vid="{4A3C46E8-61CC-4603-A589-7422A47A8E4A}"/>
+    </a:ext>
+  </a:extLst>
+</a:theme>
+</file>
+
+<file path=ppt/theme/theme2.xml><?xml version="1.0" encoding="utf-8"?>
 <a:theme xmlns:a="http://schemas.openxmlformats.org/drawingml/2006/main" name="Office">
   <a:themeElements>
     <a:clrScheme name="Office">

--- a/Powerpoint.pptx
+++ b/Powerpoint.pptx
@@ -5,14 +5,13 @@
     <p:sldMasterId id="2147483675" r:id="rId1"/>
   </p:sldMasterIdLst>
   <p:notesMasterIdLst>
-    <p:notesMasterId r:id="rId7"/>
+    <p:notesMasterId r:id="rId6"/>
   </p:notesMasterIdLst>
   <p:sldIdLst>
     <p:sldId id="256" r:id="rId2"/>
-    <p:sldId id="260" r:id="rId3"/>
-    <p:sldId id="257" r:id="rId4"/>
-    <p:sldId id="258" r:id="rId5"/>
-    <p:sldId id="259" r:id="rId6"/>
+    <p:sldId id="257" r:id="rId3"/>
+    <p:sldId id="258" r:id="rId4"/>
+    <p:sldId id="259" r:id="rId5"/>
   </p:sldIdLst>
   <p:sldSz cx="12192000" cy="6858000"/>
   <p:notesSz cx="6858000" cy="9144000"/>
@@ -113,7 +112,7 @@
   </p:defaultTextStyle>
   <p:extLst>
     <p:ext uri="{EFAFB233-063F-42B5-8137-9DF3F51BA10A}">
-      <p15:sldGuideLst xmlns:p15="http://schemas.microsoft.com/office/powerpoint/2012/main"/>
+      <p15:sldGuideLst xmlns:p15="http://schemas.microsoft.com/office/powerpoint/2012/main" xmlns=""/>
     </p:ext>
   </p:extLst>
 </p:presentation>
@@ -201,7 +200,7 @@
           <a:p>
             <a:fld id="{5DC61D23-D5AC-45DB-895E-5B4795B49E41}" type="datetimeFigureOut">
               <a:rPr lang="de-DE" smtClean="0"/>
-              <a:t>21.09.2019</a:t>
+              <a:t>22.09.2019</a:t>
             </a:fld>
             <a:endParaRPr lang="de-DE"/>
           </a:p>
@@ -490,7 +489,7 @@
           <p:cNvPr id="2" name="Titel 1">
             <a:extLst>
               <a:ext uri="{FF2B5EF4-FFF2-40B4-BE49-F238E27FC236}">
-                <a16:creationId xmlns:a16="http://schemas.microsoft.com/office/drawing/2014/main" id="{2D99FB4D-73A5-4B63-89D4-359821D52D79}"/>
+                <a16:creationId xmlns:a16="http://schemas.microsoft.com/office/drawing/2014/main" xmlns="" id="{2D99FB4D-73A5-4B63-89D4-359821D52D79}"/>
               </a:ext>
             </a:extLst>
           </p:cNvPr>
@@ -527,7 +526,7 @@
           <p:cNvPr id="3" name="Untertitel 2">
             <a:extLst>
               <a:ext uri="{FF2B5EF4-FFF2-40B4-BE49-F238E27FC236}">
-                <a16:creationId xmlns:a16="http://schemas.microsoft.com/office/drawing/2014/main" id="{B1583B13-C318-4E17-B8A2-0FBDAA37B8B8}"/>
+                <a16:creationId xmlns:a16="http://schemas.microsoft.com/office/drawing/2014/main" xmlns="" id="{B1583B13-C318-4E17-B8A2-0FBDAA37B8B8}"/>
               </a:ext>
             </a:extLst>
           </p:cNvPr>
@@ -597,7 +596,7 @@
           <p:cNvPr id="4" name="Datumsplatzhalter 3">
             <a:extLst>
               <a:ext uri="{FF2B5EF4-FFF2-40B4-BE49-F238E27FC236}">
-                <a16:creationId xmlns:a16="http://schemas.microsoft.com/office/drawing/2014/main" id="{AE5A30E1-EE15-4320-8FFB-50872DF3FBCB}"/>
+                <a16:creationId xmlns:a16="http://schemas.microsoft.com/office/drawing/2014/main" xmlns="" id="{AE5A30E1-EE15-4320-8FFB-50872DF3FBCB}"/>
               </a:ext>
             </a:extLst>
           </p:cNvPr>
@@ -615,7 +614,7 @@
           <a:p>
             <a:fld id="{FF7B00B2-F2B3-4153-9C90-6A33B428D63E}" type="datetimeFigureOut">
               <a:rPr lang="de-DE" smtClean="0"/>
-              <a:t>21.09.2019</a:t>
+              <a:t>22.09.2019</a:t>
             </a:fld>
             <a:endParaRPr lang="de-DE"/>
           </a:p>
@@ -626,7 +625,7 @@
           <p:cNvPr id="5" name="Fußzeilenplatzhalter 4">
             <a:extLst>
               <a:ext uri="{FF2B5EF4-FFF2-40B4-BE49-F238E27FC236}">
-                <a16:creationId xmlns:a16="http://schemas.microsoft.com/office/drawing/2014/main" id="{8A19DA4F-18C3-47ED-81BF-F79D0A76ACC1}"/>
+                <a16:creationId xmlns:a16="http://schemas.microsoft.com/office/drawing/2014/main" xmlns="" id="{8A19DA4F-18C3-47ED-81BF-F79D0A76ACC1}"/>
               </a:ext>
             </a:extLst>
           </p:cNvPr>
@@ -651,7 +650,7 @@
           <p:cNvPr id="6" name="Foliennummernplatzhalter 5">
             <a:extLst>
               <a:ext uri="{FF2B5EF4-FFF2-40B4-BE49-F238E27FC236}">
-                <a16:creationId xmlns:a16="http://schemas.microsoft.com/office/drawing/2014/main" id="{D77174A7-738D-41E9-AC16-1D3EC9BAA22D}"/>
+                <a16:creationId xmlns:a16="http://schemas.microsoft.com/office/drawing/2014/main" xmlns="" id="{D77174A7-738D-41E9-AC16-1D3EC9BAA22D}"/>
               </a:ext>
             </a:extLst>
           </p:cNvPr>
@@ -710,7 +709,7 @@
           <p:cNvPr id="2" name="Titel 1">
             <a:extLst>
               <a:ext uri="{FF2B5EF4-FFF2-40B4-BE49-F238E27FC236}">
-                <a16:creationId xmlns:a16="http://schemas.microsoft.com/office/drawing/2014/main" id="{05F16755-CA5A-4967-AA95-4F98F3B37D09}"/>
+                <a16:creationId xmlns:a16="http://schemas.microsoft.com/office/drawing/2014/main" xmlns="" id="{05F16755-CA5A-4967-AA95-4F98F3B37D09}"/>
               </a:ext>
             </a:extLst>
           </p:cNvPr>
@@ -738,7 +737,7 @@
           <p:cNvPr id="3" name="Vertikaler Textplatzhalter 2">
             <a:extLst>
               <a:ext uri="{FF2B5EF4-FFF2-40B4-BE49-F238E27FC236}">
-                <a16:creationId xmlns:a16="http://schemas.microsoft.com/office/drawing/2014/main" id="{0722230E-F6AB-471C-9746-6BF2E3D99FED}"/>
+                <a16:creationId xmlns:a16="http://schemas.microsoft.com/office/drawing/2014/main" xmlns="" id="{0722230E-F6AB-471C-9746-6BF2E3D99FED}"/>
               </a:ext>
             </a:extLst>
           </p:cNvPr>
@@ -795,7 +794,7 @@
           <p:cNvPr id="4" name="Datumsplatzhalter 3">
             <a:extLst>
               <a:ext uri="{FF2B5EF4-FFF2-40B4-BE49-F238E27FC236}">
-                <a16:creationId xmlns:a16="http://schemas.microsoft.com/office/drawing/2014/main" id="{C8033B40-24EA-4AD8-B492-41004EA573E3}"/>
+                <a16:creationId xmlns:a16="http://schemas.microsoft.com/office/drawing/2014/main" xmlns="" id="{C8033B40-24EA-4AD8-B492-41004EA573E3}"/>
               </a:ext>
             </a:extLst>
           </p:cNvPr>
@@ -813,7 +812,7 @@
           <a:p>
             <a:fld id="{FF7B00B2-F2B3-4153-9C90-6A33B428D63E}" type="datetimeFigureOut">
               <a:rPr lang="de-DE" smtClean="0"/>
-              <a:t>21.09.2019</a:t>
+              <a:t>22.09.2019</a:t>
             </a:fld>
             <a:endParaRPr lang="de-DE"/>
           </a:p>
@@ -824,7 +823,7 @@
           <p:cNvPr id="5" name="Fußzeilenplatzhalter 4">
             <a:extLst>
               <a:ext uri="{FF2B5EF4-FFF2-40B4-BE49-F238E27FC236}">
-                <a16:creationId xmlns:a16="http://schemas.microsoft.com/office/drawing/2014/main" id="{3D6EA412-3E83-402F-89D2-998194593673}"/>
+                <a16:creationId xmlns:a16="http://schemas.microsoft.com/office/drawing/2014/main" xmlns="" id="{3D6EA412-3E83-402F-89D2-998194593673}"/>
               </a:ext>
             </a:extLst>
           </p:cNvPr>
@@ -849,7 +848,7 @@
           <p:cNvPr id="6" name="Foliennummernplatzhalter 5">
             <a:extLst>
               <a:ext uri="{FF2B5EF4-FFF2-40B4-BE49-F238E27FC236}">
-                <a16:creationId xmlns:a16="http://schemas.microsoft.com/office/drawing/2014/main" id="{981919F5-ABEE-4391-9BAF-020F69B47C54}"/>
+                <a16:creationId xmlns:a16="http://schemas.microsoft.com/office/drawing/2014/main" xmlns="" id="{981919F5-ABEE-4391-9BAF-020F69B47C54}"/>
               </a:ext>
             </a:extLst>
           </p:cNvPr>
@@ -908,7 +907,7 @@
           <p:cNvPr id="2" name="Vertikaler Titel 1">
             <a:extLst>
               <a:ext uri="{FF2B5EF4-FFF2-40B4-BE49-F238E27FC236}">
-                <a16:creationId xmlns:a16="http://schemas.microsoft.com/office/drawing/2014/main" id="{EE6F5B4C-D804-4EEF-BA9D-3AE56E6A44EA}"/>
+                <a16:creationId xmlns:a16="http://schemas.microsoft.com/office/drawing/2014/main" xmlns="" id="{EE6F5B4C-D804-4EEF-BA9D-3AE56E6A44EA}"/>
               </a:ext>
             </a:extLst>
           </p:cNvPr>
@@ -941,7 +940,7 @@
           <p:cNvPr id="3" name="Vertikaler Textplatzhalter 2">
             <a:extLst>
               <a:ext uri="{FF2B5EF4-FFF2-40B4-BE49-F238E27FC236}">
-                <a16:creationId xmlns:a16="http://schemas.microsoft.com/office/drawing/2014/main" id="{0DC6E000-4A80-4646-A603-62FEC43578E5}"/>
+                <a16:creationId xmlns:a16="http://schemas.microsoft.com/office/drawing/2014/main" xmlns="" id="{0DC6E000-4A80-4646-A603-62FEC43578E5}"/>
               </a:ext>
             </a:extLst>
           </p:cNvPr>
@@ -1003,7 +1002,7 @@
           <p:cNvPr id="4" name="Datumsplatzhalter 3">
             <a:extLst>
               <a:ext uri="{FF2B5EF4-FFF2-40B4-BE49-F238E27FC236}">
-                <a16:creationId xmlns:a16="http://schemas.microsoft.com/office/drawing/2014/main" id="{5FF9DE78-1D0C-4FEE-A535-6756A1ABA760}"/>
+                <a16:creationId xmlns:a16="http://schemas.microsoft.com/office/drawing/2014/main" xmlns="" id="{5FF9DE78-1D0C-4FEE-A535-6756A1ABA760}"/>
               </a:ext>
             </a:extLst>
           </p:cNvPr>
@@ -1021,7 +1020,7 @@
           <a:p>
             <a:fld id="{FF7B00B2-F2B3-4153-9C90-6A33B428D63E}" type="datetimeFigureOut">
               <a:rPr lang="de-DE" smtClean="0"/>
-              <a:t>21.09.2019</a:t>
+              <a:t>22.09.2019</a:t>
             </a:fld>
             <a:endParaRPr lang="de-DE"/>
           </a:p>
@@ -1032,7 +1031,7 @@
           <p:cNvPr id="5" name="Fußzeilenplatzhalter 4">
             <a:extLst>
               <a:ext uri="{FF2B5EF4-FFF2-40B4-BE49-F238E27FC236}">
-                <a16:creationId xmlns:a16="http://schemas.microsoft.com/office/drawing/2014/main" id="{7567CBC3-5D58-4299-BFEE-16B37ABD2E39}"/>
+                <a16:creationId xmlns:a16="http://schemas.microsoft.com/office/drawing/2014/main" xmlns="" id="{7567CBC3-5D58-4299-BFEE-16B37ABD2E39}"/>
               </a:ext>
             </a:extLst>
           </p:cNvPr>
@@ -1057,7 +1056,7 @@
           <p:cNvPr id="6" name="Foliennummernplatzhalter 5">
             <a:extLst>
               <a:ext uri="{FF2B5EF4-FFF2-40B4-BE49-F238E27FC236}">
-                <a16:creationId xmlns:a16="http://schemas.microsoft.com/office/drawing/2014/main" id="{1CCBAF69-470D-4CC0-B3B9-356A1FF088CB}"/>
+                <a16:creationId xmlns:a16="http://schemas.microsoft.com/office/drawing/2014/main" xmlns="" id="{1CCBAF69-470D-4CC0-B3B9-356A1FF088CB}"/>
               </a:ext>
             </a:extLst>
           </p:cNvPr>
@@ -1116,7 +1115,7 @@
           <p:cNvPr id="2" name="Titel 1">
             <a:extLst>
               <a:ext uri="{FF2B5EF4-FFF2-40B4-BE49-F238E27FC236}">
-                <a16:creationId xmlns:a16="http://schemas.microsoft.com/office/drawing/2014/main" id="{B5F5546E-2379-49CF-B2FE-10863C3FC848}"/>
+                <a16:creationId xmlns:a16="http://schemas.microsoft.com/office/drawing/2014/main" xmlns="" id="{B5F5546E-2379-49CF-B2FE-10863C3FC848}"/>
               </a:ext>
             </a:extLst>
           </p:cNvPr>
@@ -1144,7 +1143,7 @@
           <p:cNvPr id="3" name="Inhaltsplatzhalter 2">
             <a:extLst>
               <a:ext uri="{FF2B5EF4-FFF2-40B4-BE49-F238E27FC236}">
-                <a16:creationId xmlns:a16="http://schemas.microsoft.com/office/drawing/2014/main" id="{FC500CAB-CEB7-4C44-9C3C-D8F4F157F9D4}"/>
+                <a16:creationId xmlns:a16="http://schemas.microsoft.com/office/drawing/2014/main" xmlns="" id="{FC500CAB-CEB7-4C44-9C3C-D8F4F157F9D4}"/>
               </a:ext>
             </a:extLst>
           </p:cNvPr>
@@ -1201,7 +1200,7 @@
           <p:cNvPr id="4" name="Datumsplatzhalter 3">
             <a:extLst>
               <a:ext uri="{FF2B5EF4-FFF2-40B4-BE49-F238E27FC236}">
-                <a16:creationId xmlns:a16="http://schemas.microsoft.com/office/drawing/2014/main" id="{3B2D0E30-E3AB-4773-AAC7-D74DB611FF9C}"/>
+                <a16:creationId xmlns:a16="http://schemas.microsoft.com/office/drawing/2014/main" xmlns="" id="{3B2D0E30-E3AB-4773-AAC7-D74DB611FF9C}"/>
               </a:ext>
             </a:extLst>
           </p:cNvPr>
@@ -1219,7 +1218,7 @@
           <a:p>
             <a:fld id="{FF7B00B2-F2B3-4153-9C90-6A33B428D63E}" type="datetimeFigureOut">
               <a:rPr lang="de-DE" smtClean="0"/>
-              <a:t>21.09.2019</a:t>
+              <a:t>22.09.2019</a:t>
             </a:fld>
             <a:endParaRPr lang="de-DE"/>
           </a:p>
@@ -1230,7 +1229,7 @@
           <p:cNvPr id="5" name="Fußzeilenplatzhalter 4">
             <a:extLst>
               <a:ext uri="{FF2B5EF4-FFF2-40B4-BE49-F238E27FC236}">
-                <a16:creationId xmlns:a16="http://schemas.microsoft.com/office/drawing/2014/main" id="{8B16398F-7569-4F79-B417-231EBFCDF633}"/>
+                <a16:creationId xmlns:a16="http://schemas.microsoft.com/office/drawing/2014/main" xmlns="" id="{8B16398F-7569-4F79-B417-231EBFCDF633}"/>
               </a:ext>
             </a:extLst>
           </p:cNvPr>
@@ -1255,7 +1254,7 @@
           <p:cNvPr id="6" name="Foliennummernplatzhalter 5">
             <a:extLst>
               <a:ext uri="{FF2B5EF4-FFF2-40B4-BE49-F238E27FC236}">
-                <a16:creationId xmlns:a16="http://schemas.microsoft.com/office/drawing/2014/main" id="{00833AB8-2C1A-442B-A97F-0809079822E2}"/>
+                <a16:creationId xmlns:a16="http://schemas.microsoft.com/office/drawing/2014/main" xmlns="" id="{00833AB8-2C1A-442B-A97F-0809079822E2}"/>
               </a:ext>
             </a:extLst>
           </p:cNvPr>
@@ -1314,7 +1313,7 @@
           <p:cNvPr id="2" name="Titel 1">
             <a:extLst>
               <a:ext uri="{FF2B5EF4-FFF2-40B4-BE49-F238E27FC236}">
-                <a16:creationId xmlns:a16="http://schemas.microsoft.com/office/drawing/2014/main" id="{956F9D96-927A-4A89-ADFD-8CC626C17397}"/>
+                <a16:creationId xmlns:a16="http://schemas.microsoft.com/office/drawing/2014/main" xmlns="" id="{956F9D96-927A-4A89-ADFD-8CC626C17397}"/>
               </a:ext>
             </a:extLst>
           </p:cNvPr>
@@ -1351,7 +1350,7 @@
           <p:cNvPr id="3" name="Textplatzhalter 2">
             <a:extLst>
               <a:ext uri="{FF2B5EF4-FFF2-40B4-BE49-F238E27FC236}">
-                <a16:creationId xmlns:a16="http://schemas.microsoft.com/office/drawing/2014/main" id="{F42133FA-6604-4F55-B27F-C9A2A1B4D3FA}"/>
+                <a16:creationId xmlns:a16="http://schemas.microsoft.com/office/drawing/2014/main" xmlns="" id="{F42133FA-6604-4F55-B27F-C9A2A1B4D3FA}"/>
               </a:ext>
             </a:extLst>
           </p:cNvPr>
@@ -1476,7 +1475,7 @@
           <p:cNvPr id="4" name="Datumsplatzhalter 3">
             <a:extLst>
               <a:ext uri="{FF2B5EF4-FFF2-40B4-BE49-F238E27FC236}">
-                <a16:creationId xmlns:a16="http://schemas.microsoft.com/office/drawing/2014/main" id="{05CADFBC-CB0F-4869-B981-534B2D2CCD59}"/>
+                <a16:creationId xmlns:a16="http://schemas.microsoft.com/office/drawing/2014/main" xmlns="" id="{05CADFBC-CB0F-4869-B981-534B2D2CCD59}"/>
               </a:ext>
             </a:extLst>
           </p:cNvPr>
@@ -1494,7 +1493,7 @@
           <a:p>
             <a:fld id="{FF7B00B2-F2B3-4153-9C90-6A33B428D63E}" type="datetimeFigureOut">
               <a:rPr lang="de-DE" smtClean="0"/>
-              <a:t>21.09.2019</a:t>
+              <a:t>22.09.2019</a:t>
             </a:fld>
             <a:endParaRPr lang="de-DE"/>
           </a:p>
@@ -1505,7 +1504,7 @@
           <p:cNvPr id="5" name="Fußzeilenplatzhalter 4">
             <a:extLst>
               <a:ext uri="{FF2B5EF4-FFF2-40B4-BE49-F238E27FC236}">
-                <a16:creationId xmlns:a16="http://schemas.microsoft.com/office/drawing/2014/main" id="{8A1D6A0D-86DF-4060-8AFE-D1896AD82B52}"/>
+                <a16:creationId xmlns:a16="http://schemas.microsoft.com/office/drawing/2014/main" xmlns="" id="{8A1D6A0D-86DF-4060-8AFE-D1896AD82B52}"/>
               </a:ext>
             </a:extLst>
           </p:cNvPr>
@@ -1530,7 +1529,7 @@
           <p:cNvPr id="6" name="Foliennummernplatzhalter 5">
             <a:extLst>
               <a:ext uri="{FF2B5EF4-FFF2-40B4-BE49-F238E27FC236}">
-                <a16:creationId xmlns:a16="http://schemas.microsoft.com/office/drawing/2014/main" id="{10AFF1E1-5FF4-4E86-B1A7-EF1E39D8192A}"/>
+                <a16:creationId xmlns:a16="http://schemas.microsoft.com/office/drawing/2014/main" xmlns="" id="{10AFF1E1-5FF4-4E86-B1A7-EF1E39D8192A}"/>
               </a:ext>
             </a:extLst>
           </p:cNvPr>
@@ -1589,7 +1588,7 @@
           <p:cNvPr id="2" name="Titel 1">
             <a:extLst>
               <a:ext uri="{FF2B5EF4-FFF2-40B4-BE49-F238E27FC236}">
-                <a16:creationId xmlns:a16="http://schemas.microsoft.com/office/drawing/2014/main" id="{C6C4E42D-3308-4DE0-BA24-B7AD5D1D8039}"/>
+                <a16:creationId xmlns:a16="http://schemas.microsoft.com/office/drawing/2014/main" xmlns="" id="{C6C4E42D-3308-4DE0-BA24-B7AD5D1D8039}"/>
               </a:ext>
             </a:extLst>
           </p:cNvPr>
@@ -1617,7 +1616,7 @@
           <p:cNvPr id="3" name="Inhaltsplatzhalter 2">
             <a:extLst>
               <a:ext uri="{FF2B5EF4-FFF2-40B4-BE49-F238E27FC236}">
-                <a16:creationId xmlns:a16="http://schemas.microsoft.com/office/drawing/2014/main" id="{11FDE636-09CD-4DCF-A9FF-3E71909DC226}"/>
+                <a16:creationId xmlns:a16="http://schemas.microsoft.com/office/drawing/2014/main" xmlns="" id="{11FDE636-09CD-4DCF-A9FF-3E71909DC226}"/>
               </a:ext>
             </a:extLst>
           </p:cNvPr>
@@ -1679,7 +1678,7 @@
           <p:cNvPr id="4" name="Inhaltsplatzhalter 3">
             <a:extLst>
               <a:ext uri="{FF2B5EF4-FFF2-40B4-BE49-F238E27FC236}">
-                <a16:creationId xmlns:a16="http://schemas.microsoft.com/office/drawing/2014/main" id="{B005AEE1-8A1C-4B28-941A-0AB6F6D08161}"/>
+                <a16:creationId xmlns:a16="http://schemas.microsoft.com/office/drawing/2014/main" xmlns="" id="{B005AEE1-8A1C-4B28-941A-0AB6F6D08161}"/>
               </a:ext>
             </a:extLst>
           </p:cNvPr>
@@ -1741,7 +1740,7 @@
           <p:cNvPr id="5" name="Datumsplatzhalter 4">
             <a:extLst>
               <a:ext uri="{FF2B5EF4-FFF2-40B4-BE49-F238E27FC236}">
-                <a16:creationId xmlns:a16="http://schemas.microsoft.com/office/drawing/2014/main" id="{7AD9A30A-4767-4F13-82BB-0A8B31B31605}"/>
+                <a16:creationId xmlns:a16="http://schemas.microsoft.com/office/drawing/2014/main" xmlns="" id="{7AD9A30A-4767-4F13-82BB-0A8B31B31605}"/>
               </a:ext>
             </a:extLst>
           </p:cNvPr>
@@ -1759,7 +1758,7 @@
           <a:p>
             <a:fld id="{FF7B00B2-F2B3-4153-9C90-6A33B428D63E}" type="datetimeFigureOut">
               <a:rPr lang="de-DE" smtClean="0"/>
-              <a:t>21.09.2019</a:t>
+              <a:t>22.09.2019</a:t>
             </a:fld>
             <a:endParaRPr lang="de-DE"/>
           </a:p>
@@ -1770,7 +1769,7 @@
           <p:cNvPr id="6" name="Fußzeilenplatzhalter 5">
             <a:extLst>
               <a:ext uri="{FF2B5EF4-FFF2-40B4-BE49-F238E27FC236}">
-                <a16:creationId xmlns:a16="http://schemas.microsoft.com/office/drawing/2014/main" id="{BD10C44B-9F92-408F-B664-78F1913DB5DB}"/>
+                <a16:creationId xmlns:a16="http://schemas.microsoft.com/office/drawing/2014/main" xmlns="" id="{BD10C44B-9F92-408F-B664-78F1913DB5DB}"/>
               </a:ext>
             </a:extLst>
           </p:cNvPr>
@@ -1795,7 +1794,7 @@
           <p:cNvPr id="7" name="Foliennummernplatzhalter 6">
             <a:extLst>
               <a:ext uri="{FF2B5EF4-FFF2-40B4-BE49-F238E27FC236}">
-                <a16:creationId xmlns:a16="http://schemas.microsoft.com/office/drawing/2014/main" id="{B4231662-FA54-45C8-AFE2-2D1FC8B2C2CC}"/>
+                <a16:creationId xmlns:a16="http://schemas.microsoft.com/office/drawing/2014/main" xmlns="" id="{B4231662-FA54-45C8-AFE2-2D1FC8B2C2CC}"/>
               </a:ext>
             </a:extLst>
           </p:cNvPr>
@@ -1854,7 +1853,7 @@
           <p:cNvPr id="2" name="Titel 1">
             <a:extLst>
               <a:ext uri="{FF2B5EF4-FFF2-40B4-BE49-F238E27FC236}">
-                <a16:creationId xmlns:a16="http://schemas.microsoft.com/office/drawing/2014/main" id="{3A5DAE73-B303-45CB-AF46-6105E4887793}"/>
+                <a16:creationId xmlns:a16="http://schemas.microsoft.com/office/drawing/2014/main" xmlns="" id="{3A5DAE73-B303-45CB-AF46-6105E4887793}"/>
               </a:ext>
             </a:extLst>
           </p:cNvPr>
@@ -1887,7 +1886,7 @@
           <p:cNvPr id="3" name="Textplatzhalter 2">
             <a:extLst>
               <a:ext uri="{FF2B5EF4-FFF2-40B4-BE49-F238E27FC236}">
-                <a16:creationId xmlns:a16="http://schemas.microsoft.com/office/drawing/2014/main" id="{BED2D75D-BCA7-4C5E-B219-DB7BA43E8560}"/>
+                <a16:creationId xmlns:a16="http://schemas.microsoft.com/office/drawing/2014/main" xmlns="" id="{BED2D75D-BCA7-4C5E-B219-DB7BA43E8560}"/>
               </a:ext>
             </a:extLst>
           </p:cNvPr>
@@ -1958,7 +1957,7 @@
           <p:cNvPr id="4" name="Inhaltsplatzhalter 3">
             <a:extLst>
               <a:ext uri="{FF2B5EF4-FFF2-40B4-BE49-F238E27FC236}">
-                <a16:creationId xmlns:a16="http://schemas.microsoft.com/office/drawing/2014/main" id="{A96CE067-37F7-45E7-BD13-5129B6A25FD9}"/>
+                <a16:creationId xmlns:a16="http://schemas.microsoft.com/office/drawing/2014/main" xmlns="" id="{A96CE067-37F7-45E7-BD13-5129B6A25FD9}"/>
               </a:ext>
             </a:extLst>
           </p:cNvPr>
@@ -2020,7 +2019,7 @@
           <p:cNvPr id="5" name="Textplatzhalter 4">
             <a:extLst>
               <a:ext uri="{FF2B5EF4-FFF2-40B4-BE49-F238E27FC236}">
-                <a16:creationId xmlns:a16="http://schemas.microsoft.com/office/drawing/2014/main" id="{1EBDC7A2-3A5D-41C5-ACA8-7B89D4AA7A20}"/>
+                <a16:creationId xmlns:a16="http://schemas.microsoft.com/office/drawing/2014/main" xmlns="" id="{1EBDC7A2-3A5D-41C5-ACA8-7B89D4AA7A20}"/>
               </a:ext>
             </a:extLst>
           </p:cNvPr>
@@ -2091,7 +2090,7 @@
           <p:cNvPr id="6" name="Inhaltsplatzhalter 5">
             <a:extLst>
               <a:ext uri="{FF2B5EF4-FFF2-40B4-BE49-F238E27FC236}">
-                <a16:creationId xmlns:a16="http://schemas.microsoft.com/office/drawing/2014/main" id="{37D149FD-9359-46DA-9F97-1AC6BD5509AD}"/>
+                <a16:creationId xmlns:a16="http://schemas.microsoft.com/office/drawing/2014/main" xmlns="" id="{37D149FD-9359-46DA-9F97-1AC6BD5509AD}"/>
               </a:ext>
             </a:extLst>
           </p:cNvPr>
@@ -2153,7 +2152,7 @@
           <p:cNvPr id="7" name="Datumsplatzhalter 6">
             <a:extLst>
               <a:ext uri="{FF2B5EF4-FFF2-40B4-BE49-F238E27FC236}">
-                <a16:creationId xmlns:a16="http://schemas.microsoft.com/office/drawing/2014/main" id="{B6DC3EEF-9027-4704-A90B-E81C38095352}"/>
+                <a16:creationId xmlns:a16="http://schemas.microsoft.com/office/drawing/2014/main" xmlns="" id="{B6DC3EEF-9027-4704-A90B-E81C38095352}"/>
               </a:ext>
             </a:extLst>
           </p:cNvPr>
@@ -2171,7 +2170,7 @@
           <a:p>
             <a:fld id="{FF7B00B2-F2B3-4153-9C90-6A33B428D63E}" type="datetimeFigureOut">
               <a:rPr lang="de-DE" smtClean="0"/>
-              <a:t>21.09.2019</a:t>
+              <a:t>22.09.2019</a:t>
             </a:fld>
             <a:endParaRPr lang="de-DE"/>
           </a:p>
@@ -2182,7 +2181,7 @@
           <p:cNvPr id="8" name="Fußzeilenplatzhalter 7">
             <a:extLst>
               <a:ext uri="{FF2B5EF4-FFF2-40B4-BE49-F238E27FC236}">
-                <a16:creationId xmlns:a16="http://schemas.microsoft.com/office/drawing/2014/main" id="{40770A74-A517-4EBC-8CEC-B9B63E94E866}"/>
+                <a16:creationId xmlns:a16="http://schemas.microsoft.com/office/drawing/2014/main" xmlns="" id="{40770A74-A517-4EBC-8CEC-B9B63E94E866}"/>
               </a:ext>
             </a:extLst>
           </p:cNvPr>
@@ -2207,7 +2206,7 @@
           <p:cNvPr id="9" name="Foliennummernplatzhalter 8">
             <a:extLst>
               <a:ext uri="{FF2B5EF4-FFF2-40B4-BE49-F238E27FC236}">
-                <a16:creationId xmlns:a16="http://schemas.microsoft.com/office/drawing/2014/main" id="{D0706805-2FFD-4D3E-9E53-88A86A6F32B2}"/>
+                <a16:creationId xmlns:a16="http://schemas.microsoft.com/office/drawing/2014/main" xmlns="" id="{D0706805-2FFD-4D3E-9E53-88A86A6F32B2}"/>
               </a:ext>
             </a:extLst>
           </p:cNvPr>
@@ -2266,7 +2265,7 @@
           <p:cNvPr id="2" name="Titel 1">
             <a:extLst>
               <a:ext uri="{FF2B5EF4-FFF2-40B4-BE49-F238E27FC236}">
-                <a16:creationId xmlns:a16="http://schemas.microsoft.com/office/drawing/2014/main" id="{BA4E3487-5561-41BA-8D08-9E7B5CCE644E}"/>
+                <a16:creationId xmlns:a16="http://schemas.microsoft.com/office/drawing/2014/main" xmlns="" id="{BA4E3487-5561-41BA-8D08-9E7B5CCE644E}"/>
               </a:ext>
             </a:extLst>
           </p:cNvPr>
@@ -2294,7 +2293,7 @@
           <p:cNvPr id="3" name="Datumsplatzhalter 2">
             <a:extLst>
               <a:ext uri="{FF2B5EF4-FFF2-40B4-BE49-F238E27FC236}">
-                <a16:creationId xmlns:a16="http://schemas.microsoft.com/office/drawing/2014/main" id="{8968DF60-3E50-49F7-99AB-552AFD65532A}"/>
+                <a16:creationId xmlns:a16="http://schemas.microsoft.com/office/drawing/2014/main" xmlns="" id="{8968DF60-3E50-49F7-99AB-552AFD65532A}"/>
               </a:ext>
             </a:extLst>
           </p:cNvPr>
@@ -2312,7 +2311,7 @@
           <a:p>
             <a:fld id="{FF7B00B2-F2B3-4153-9C90-6A33B428D63E}" type="datetimeFigureOut">
               <a:rPr lang="de-DE" smtClean="0"/>
-              <a:t>21.09.2019</a:t>
+              <a:t>22.09.2019</a:t>
             </a:fld>
             <a:endParaRPr lang="de-DE"/>
           </a:p>
@@ -2323,7 +2322,7 @@
           <p:cNvPr id="4" name="Fußzeilenplatzhalter 3">
             <a:extLst>
               <a:ext uri="{FF2B5EF4-FFF2-40B4-BE49-F238E27FC236}">
-                <a16:creationId xmlns:a16="http://schemas.microsoft.com/office/drawing/2014/main" id="{24ACA696-D5B3-4E90-964B-0838328B8FC2}"/>
+                <a16:creationId xmlns:a16="http://schemas.microsoft.com/office/drawing/2014/main" xmlns="" id="{24ACA696-D5B3-4E90-964B-0838328B8FC2}"/>
               </a:ext>
             </a:extLst>
           </p:cNvPr>
@@ -2348,7 +2347,7 @@
           <p:cNvPr id="5" name="Foliennummernplatzhalter 4">
             <a:extLst>
               <a:ext uri="{FF2B5EF4-FFF2-40B4-BE49-F238E27FC236}">
-                <a16:creationId xmlns:a16="http://schemas.microsoft.com/office/drawing/2014/main" id="{19C4BCF6-4038-4D00-A4B9-9ECDD5A374EE}"/>
+                <a16:creationId xmlns:a16="http://schemas.microsoft.com/office/drawing/2014/main" xmlns="" id="{19C4BCF6-4038-4D00-A4B9-9ECDD5A374EE}"/>
               </a:ext>
             </a:extLst>
           </p:cNvPr>
@@ -2407,7 +2406,7 @@
           <p:cNvPr id="2" name="Datumsplatzhalter 1">
             <a:extLst>
               <a:ext uri="{FF2B5EF4-FFF2-40B4-BE49-F238E27FC236}">
-                <a16:creationId xmlns:a16="http://schemas.microsoft.com/office/drawing/2014/main" id="{AEC48B17-88EB-484C-A595-0BA4E1FD674A}"/>
+                <a16:creationId xmlns:a16="http://schemas.microsoft.com/office/drawing/2014/main" xmlns="" id="{AEC48B17-88EB-484C-A595-0BA4E1FD674A}"/>
               </a:ext>
             </a:extLst>
           </p:cNvPr>
@@ -2425,7 +2424,7 @@
           <a:p>
             <a:fld id="{FF7B00B2-F2B3-4153-9C90-6A33B428D63E}" type="datetimeFigureOut">
               <a:rPr lang="de-DE" smtClean="0"/>
-              <a:t>21.09.2019</a:t>
+              <a:t>22.09.2019</a:t>
             </a:fld>
             <a:endParaRPr lang="de-DE"/>
           </a:p>
@@ -2436,7 +2435,7 @@
           <p:cNvPr id="3" name="Fußzeilenplatzhalter 2">
             <a:extLst>
               <a:ext uri="{FF2B5EF4-FFF2-40B4-BE49-F238E27FC236}">
-                <a16:creationId xmlns:a16="http://schemas.microsoft.com/office/drawing/2014/main" id="{DD7D355A-CB8D-4499-AE0A-4CC4DCEB44A4}"/>
+                <a16:creationId xmlns:a16="http://schemas.microsoft.com/office/drawing/2014/main" xmlns="" id="{DD7D355A-CB8D-4499-AE0A-4CC4DCEB44A4}"/>
               </a:ext>
             </a:extLst>
           </p:cNvPr>
@@ -2461,7 +2460,7 @@
           <p:cNvPr id="4" name="Foliennummernplatzhalter 3">
             <a:extLst>
               <a:ext uri="{FF2B5EF4-FFF2-40B4-BE49-F238E27FC236}">
-                <a16:creationId xmlns:a16="http://schemas.microsoft.com/office/drawing/2014/main" id="{7B1D3269-2BBD-4D21-9ED2-63A4A8EF25E2}"/>
+                <a16:creationId xmlns:a16="http://schemas.microsoft.com/office/drawing/2014/main" xmlns="" id="{7B1D3269-2BBD-4D21-9ED2-63A4A8EF25E2}"/>
               </a:ext>
             </a:extLst>
           </p:cNvPr>
@@ -2520,7 +2519,7 @@
           <p:cNvPr id="2" name="Titel 1">
             <a:extLst>
               <a:ext uri="{FF2B5EF4-FFF2-40B4-BE49-F238E27FC236}">
-                <a16:creationId xmlns:a16="http://schemas.microsoft.com/office/drawing/2014/main" id="{FC581F52-3975-4FA9-BE96-EA8D3B624852}"/>
+                <a16:creationId xmlns:a16="http://schemas.microsoft.com/office/drawing/2014/main" xmlns="" id="{FC581F52-3975-4FA9-BE96-EA8D3B624852}"/>
               </a:ext>
             </a:extLst>
           </p:cNvPr>
@@ -2557,7 +2556,7 @@
           <p:cNvPr id="3" name="Inhaltsplatzhalter 2">
             <a:extLst>
               <a:ext uri="{FF2B5EF4-FFF2-40B4-BE49-F238E27FC236}">
-                <a16:creationId xmlns:a16="http://schemas.microsoft.com/office/drawing/2014/main" id="{B2B3924E-2414-4C48-B3B7-7E2E3E486192}"/>
+                <a16:creationId xmlns:a16="http://schemas.microsoft.com/office/drawing/2014/main" xmlns="" id="{B2B3924E-2414-4C48-B3B7-7E2E3E486192}"/>
               </a:ext>
             </a:extLst>
           </p:cNvPr>
@@ -2647,7 +2646,7 @@
           <p:cNvPr id="4" name="Textplatzhalter 3">
             <a:extLst>
               <a:ext uri="{FF2B5EF4-FFF2-40B4-BE49-F238E27FC236}">
-                <a16:creationId xmlns:a16="http://schemas.microsoft.com/office/drawing/2014/main" id="{EACB3FB2-A4A6-4FB2-9E14-A3CCD61D7A6B}"/>
+                <a16:creationId xmlns:a16="http://schemas.microsoft.com/office/drawing/2014/main" xmlns="" id="{EACB3FB2-A4A6-4FB2-9E14-A3CCD61D7A6B}"/>
               </a:ext>
             </a:extLst>
           </p:cNvPr>
@@ -2718,7 +2717,7 @@
           <p:cNvPr id="5" name="Datumsplatzhalter 4">
             <a:extLst>
               <a:ext uri="{FF2B5EF4-FFF2-40B4-BE49-F238E27FC236}">
-                <a16:creationId xmlns:a16="http://schemas.microsoft.com/office/drawing/2014/main" id="{68DACBD5-A2FF-427D-BEE8-CBCCD65F21C1}"/>
+                <a16:creationId xmlns:a16="http://schemas.microsoft.com/office/drawing/2014/main" xmlns="" id="{68DACBD5-A2FF-427D-BEE8-CBCCD65F21C1}"/>
               </a:ext>
             </a:extLst>
           </p:cNvPr>
@@ -2736,7 +2735,7 @@
           <a:p>
             <a:fld id="{FF7B00B2-F2B3-4153-9C90-6A33B428D63E}" type="datetimeFigureOut">
               <a:rPr lang="de-DE" smtClean="0"/>
-              <a:t>21.09.2019</a:t>
+              <a:t>22.09.2019</a:t>
             </a:fld>
             <a:endParaRPr lang="de-DE"/>
           </a:p>
@@ -2747,7 +2746,7 @@
           <p:cNvPr id="6" name="Fußzeilenplatzhalter 5">
             <a:extLst>
               <a:ext uri="{FF2B5EF4-FFF2-40B4-BE49-F238E27FC236}">
-                <a16:creationId xmlns:a16="http://schemas.microsoft.com/office/drawing/2014/main" id="{F324C1D6-78A1-4233-A09E-EED18A6B2CB5}"/>
+                <a16:creationId xmlns:a16="http://schemas.microsoft.com/office/drawing/2014/main" xmlns="" id="{F324C1D6-78A1-4233-A09E-EED18A6B2CB5}"/>
               </a:ext>
             </a:extLst>
           </p:cNvPr>
@@ -2772,7 +2771,7 @@
           <p:cNvPr id="7" name="Foliennummernplatzhalter 6">
             <a:extLst>
               <a:ext uri="{FF2B5EF4-FFF2-40B4-BE49-F238E27FC236}">
-                <a16:creationId xmlns:a16="http://schemas.microsoft.com/office/drawing/2014/main" id="{57FCC88B-313F-462C-8A6B-C2773BB05502}"/>
+                <a16:creationId xmlns:a16="http://schemas.microsoft.com/office/drawing/2014/main" xmlns="" id="{57FCC88B-313F-462C-8A6B-C2773BB05502}"/>
               </a:ext>
             </a:extLst>
           </p:cNvPr>
@@ -2831,7 +2830,7 @@
           <p:cNvPr id="2" name="Titel 1">
             <a:extLst>
               <a:ext uri="{FF2B5EF4-FFF2-40B4-BE49-F238E27FC236}">
-                <a16:creationId xmlns:a16="http://schemas.microsoft.com/office/drawing/2014/main" id="{36D56AF7-C3AD-4830-976E-4C6B44708D36}"/>
+                <a16:creationId xmlns:a16="http://schemas.microsoft.com/office/drawing/2014/main" xmlns="" id="{36D56AF7-C3AD-4830-976E-4C6B44708D36}"/>
               </a:ext>
             </a:extLst>
           </p:cNvPr>
@@ -2868,7 +2867,7 @@
           <p:cNvPr id="3" name="Bildplatzhalter 2">
             <a:extLst>
               <a:ext uri="{FF2B5EF4-FFF2-40B4-BE49-F238E27FC236}">
-                <a16:creationId xmlns:a16="http://schemas.microsoft.com/office/drawing/2014/main" id="{435E9458-5F05-4CCD-9FEA-EBC19D05FF0E}"/>
+                <a16:creationId xmlns:a16="http://schemas.microsoft.com/office/drawing/2014/main" xmlns="" id="{435E9458-5F05-4CCD-9FEA-EBC19D05FF0E}"/>
               </a:ext>
             </a:extLst>
           </p:cNvPr>
@@ -2935,7 +2934,7 @@
           <p:cNvPr id="4" name="Textplatzhalter 3">
             <a:extLst>
               <a:ext uri="{FF2B5EF4-FFF2-40B4-BE49-F238E27FC236}">
-                <a16:creationId xmlns:a16="http://schemas.microsoft.com/office/drawing/2014/main" id="{EC51E862-2DF8-47BB-A6EE-139F7BF9622E}"/>
+                <a16:creationId xmlns:a16="http://schemas.microsoft.com/office/drawing/2014/main" xmlns="" id="{EC51E862-2DF8-47BB-A6EE-139F7BF9622E}"/>
               </a:ext>
             </a:extLst>
           </p:cNvPr>
@@ -3006,7 +3005,7 @@
           <p:cNvPr id="5" name="Datumsplatzhalter 4">
             <a:extLst>
               <a:ext uri="{FF2B5EF4-FFF2-40B4-BE49-F238E27FC236}">
-                <a16:creationId xmlns:a16="http://schemas.microsoft.com/office/drawing/2014/main" id="{FF3A1578-36AE-488E-9122-1279759930C1}"/>
+                <a16:creationId xmlns:a16="http://schemas.microsoft.com/office/drawing/2014/main" xmlns="" id="{FF3A1578-36AE-488E-9122-1279759930C1}"/>
               </a:ext>
             </a:extLst>
           </p:cNvPr>
@@ -3024,7 +3023,7 @@
           <a:p>
             <a:fld id="{FF7B00B2-F2B3-4153-9C90-6A33B428D63E}" type="datetimeFigureOut">
               <a:rPr lang="de-DE" smtClean="0"/>
-              <a:t>21.09.2019</a:t>
+              <a:t>22.09.2019</a:t>
             </a:fld>
             <a:endParaRPr lang="de-DE"/>
           </a:p>
@@ -3035,7 +3034,7 @@
           <p:cNvPr id="6" name="Fußzeilenplatzhalter 5">
             <a:extLst>
               <a:ext uri="{FF2B5EF4-FFF2-40B4-BE49-F238E27FC236}">
-                <a16:creationId xmlns:a16="http://schemas.microsoft.com/office/drawing/2014/main" id="{38CC6F54-CEE8-43AF-904C-CF6ED15DDE85}"/>
+                <a16:creationId xmlns:a16="http://schemas.microsoft.com/office/drawing/2014/main" xmlns="" id="{38CC6F54-CEE8-43AF-904C-CF6ED15DDE85}"/>
               </a:ext>
             </a:extLst>
           </p:cNvPr>
@@ -3060,7 +3059,7 @@
           <p:cNvPr id="7" name="Foliennummernplatzhalter 6">
             <a:extLst>
               <a:ext uri="{FF2B5EF4-FFF2-40B4-BE49-F238E27FC236}">
-                <a16:creationId xmlns:a16="http://schemas.microsoft.com/office/drawing/2014/main" id="{04163E62-E78C-4DF5-829A-8C56EBD64B61}"/>
+                <a16:creationId xmlns:a16="http://schemas.microsoft.com/office/drawing/2014/main" xmlns="" id="{04163E62-E78C-4DF5-829A-8C56EBD64B61}"/>
               </a:ext>
             </a:extLst>
           </p:cNvPr>
@@ -3124,7 +3123,7 @@
           <p:cNvPr id="2" name="Titelplatzhalter 1">
             <a:extLst>
               <a:ext uri="{FF2B5EF4-FFF2-40B4-BE49-F238E27FC236}">
-                <a16:creationId xmlns:a16="http://schemas.microsoft.com/office/drawing/2014/main" id="{038250E5-2EEE-4B85-9DDD-569F4D393367}"/>
+                <a16:creationId xmlns:a16="http://schemas.microsoft.com/office/drawing/2014/main" xmlns="" id="{038250E5-2EEE-4B85-9DDD-569F4D393367}"/>
               </a:ext>
             </a:extLst>
           </p:cNvPr>
@@ -3162,7 +3161,7 @@
           <p:cNvPr id="3" name="Textplatzhalter 2">
             <a:extLst>
               <a:ext uri="{FF2B5EF4-FFF2-40B4-BE49-F238E27FC236}">
-                <a16:creationId xmlns:a16="http://schemas.microsoft.com/office/drawing/2014/main" id="{75D71823-059B-41EF-ADCD-F97848171804}"/>
+                <a16:creationId xmlns:a16="http://schemas.microsoft.com/office/drawing/2014/main" xmlns="" id="{75D71823-059B-41EF-ADCD-F97848171804}"/>
               </a:ext>
             </a:extLst>
           </p:cNvPr>
@@ -3229,7 +3228,7 @@
           <p:cNvPr id="4" name="Datumsplatzhalter 3">
             <a:extLst>
               <a:ext uri="{FF2B5EF4-FFF2-40B4-BE49-F238E27FC236}">
-                <a16:creationId xmlns:a16="http://schemas.microsoft.com/office/drawing/2014/main" id="{8C5047C6-EFE3-4D48-9F8F-85BD94BD0CC1}"/>
+                <a16:creationId xmlns:a16="http://schemas.microsoft.com/office/drawing/2014/main" xmlns="" id="{8C5047C6-EFE3-4D48-9F8F-85BD94BD0CC1}"/>
               </a:ext>
             </a:extLst>
           </p:cNvPr>
@@ -3265,7 +3264,7 @@
           <a:p>
             <a:fld id="{FF7B00B2-F2B3-4153-9C90-6A33B428D63E}" type="datetimeFigureOut">
               <a:rPr lang="de-DE" smtClean="0"/>
-              <a:t>21.09.2019</a:t>
+              <a:t>22.09.2019</a:t>
             </a:fld>
             <a:endParaRPr lang="de-DE"/>
           </a:p>
@@ -3276,7 +3275,7 @@
           <p:cNvPr id="5" name="Fußzeilenplatzhalter 4">
             <a:extLst>
               <a:ext uri="{FF2B5EF4-FFF2-40B4-BE49-F238E27FC236}">
-                <a16:creationId xmlns:a16="http://schemas.microsoft.com/office/drawing/2014/main" id="{C6D49610-A521-47A8-925A-834A5755960D}"/>
+                <a16:creationId xmlns:a16="http://schemas.microsoft.com/office/drawing/2014/main" xmlns="" id="{C6D49610-A521-47A8-925A-834A5755960D}"/>
               </a:ext>
             </a:extLst>
           </p:cNvPr>
@@ -3319,7 +3318,7 @@
           <p:cNvPr id="6" name="Foliennummernplatzhalter 5">
             <a:extLst>
               <a:ext uri="{FF2B5EF4-FFF2-40B4-BE49-F238E27FC236}">
-                <a16:creationId xmlns:a16="http://schemas.microsoft.com/office/drawing/2014/main" id="{0CA0158B-9358-45E7-B1BC-2FF34922E41B}"/>
+                <a16:creationId xmlns:a16="http://schemas.microsoft.com/office/drawing/2014/main" xmlns="" id="{0CA0158B-9358-45E7-B1BC-2FF34922E41B}"/>
               </a:ext>
             </a:extLst>
           </p:cNvPr>
@@ -3695,7 +3694,7 @@
           <p:cNvPr id="1026" name="Picture 2" descr="Bildergebnis für fahrradständer">
             <a:extLst>
               <a:ext uri="{FF2B5EF4-FFF2-40B4-BE49-F238E27FC236}">
-                <a16:creationId xmlns:a16="http://schemas.microsoft.com/office/drawing/2014/main" id="{792280B7-AEC4-481F-8D58-8FB19678E52B}"/>
+                <a16:creationId xmlns:a16="http://schemas.microsoft.com/office/drawing/2014/main" xmlns="" id="{792280B7-AEC4-481F-8D58-8FB19678E52B}"/>
               </a:ext>
             </a:extLst>
           </p:cNvPr>
@@ -3741,7 +3740,7 @@
           <p:cNvPr id="2" name="Titel 1">
             <a:extLst>
               <a:ext uri="{FF2B5EF4-FFF2-40B4-BE49-F238E27FC236}">
-                <a16:creationId xmlns:a16="http://schemas.microsoft.com/office/drawing/2014/main" id="{E73663B4-6BAC-47AA-905A-0ABF56EAEB5B}"/>
+                <a16:creationId xmlns:a16="http://schemas.microsoft.com/office/drawing/2014/main" xmlns="" id="{E73663B4-6BAC-47AA-905A-0ABF56EAEB5B}"/>
               </a:ext>
             </a:extLst>
           </p:cNvPr>
@@ -3773,7 +3772,18 @@
                   </a:schemeClr>
                 </a:solidFill>
               </a:rPr>
-              <a:t>Smike</a:t>
+              <a:t>s</a:t>
+            </a:r>
+            <a:r>
+              <a:rPr lang="de-DE" sz="20000" b="1" u="sng" dirty="0" err="1" smtClean="0">
+                <a:solidFill>
+                  <a:schemeClr val="accent3">
+                    <a:lumMod val="40000"/>
+                    <a:lumOff val="60000"/>
+                  </a:schemeClr>
+                </a:solidFill>
+              </a:rPr>
+              <a:t>mike</a:t>
             </a:r>
             <a:endParaRPr lang="de-DE" sz="20000" b="1" u="sng" dirty="0">
               <a:solidFill>
@@ -3791,7 +3801,7 @@
           <p:cNvPr id="3" name="Textfeld 2">
             <a:extLst>
               <a:ext uri="{FF2B5EF4-FFF2-40B4-BE49-F238E27FC236}">
-                <a16:creationId xmlns:a16="http://schemas.microsoft.com/office/drawing/2014/main" id="{81F2CB6C-03B8-4E0B-9157-5F801F5E3261}"/>
+                <a16:creationId xmlns:a16="http://schemas.microsoft.com/office/drawing/2014/main" xmlns="" id="{81F2CB6C-03B8-4E0B-9157-5F801F5E3261}"/>
               </a:ext>
             </a:extLst>
           </p:cNvPr>
@@ -3827,7 +3837,7 @@
           <p:cNvPr id="4" name="Textfeld 3">
             <a:extLst>
               <a:ext uri="{FF2B5EF4-FFF2-40B4-BE49-F238E27FC236}">
-                <a16:creationId xmlns:a16="http://schemas.microsoft.com/office/drawing/2014/main" id="{EED29B05-1A10-40AC-B4B2-DE62BDC67DED}"/>
+                <a16:creationId xmlns:a16="http://schemas.microsoft.com/office/drawing/2014/main" xmlns="" id="{EED29B05-1A10-40AC-B4B2-DE62BDC67DED}"/>
               </a:ext>
             </a:extLst>
           </p:cNvPr>
@@ -3884,386 +3894,6 @@
 </file>
 
 <file path=ppt/slides/slide2.xml><?xml version="1.0" encoding="utf-8"?>
-<p:sld xmlns:a="http://schemas.openxmlformats.org/drawingml/2006/main" xmlns:r="http://schemas.openxmlformats.org/officeDocument/2006/relationships" xmlns:p="http://schemas.openxmlformats.org/presentationml/2006/main">
-  <p:cSld>
-    <p:spTree>
-      <p:nvGrpSpPr>
-        <p:cNvPr id="1" name=""/>
-        <p:cNvGrpSpPr/>
-        <p:nvPr/>
-      </p:nvGrpSpPr>
-      <p:grpSpPr>
-        <a:xfrm>
-          <a:off x="0" y="0"/>
-          <a:ext cx="0" cy="0"/>
-          <a:chOff x="0" y="0"/>
-          <a:chExt cx="0" cy="0"/>
-        </a:xfrm>
-      </p:grpSpPr>
-      <p:sp>
-        <p:nvSpPr>
-          <p:cNvPr id="2" name="Titel 1">
-            <a:extLst>
-              <a:ext uri="{FF2B5EF4-FFF2-40B4-BE49-F238E27FC236}">
-                <a16:creationId xmlns:a16="http://schemas.microsoft.com/office/drawing/2014/main" id="{3E3BBF3A-7A36-47EC-BA80-0E22AEB45CD5}"/>
-              </a:ext>
-            </a:extLst>
-          </p:cNvPr>
-          <p:cNvSpPr>
-            <a:spLocks noGrp="1"/>
-          </p:cNvSpPr>
-          <p:nvPr>
-            <p:ph type="title"/>
-          </p:nvPr>
-        </p:nvSpPr>
-        <p:spPr>
-          <a:xfrm>
-            <a:off x="4763280" y="-14613"/>
-            <a:ext cx="2509932" cy="1325563"/>
-          </a:xfrm>
-        </p:spPr>
-        <p:txBody>
-          <a:bodyPr/>
-          <a:lstStyle/>
-          <a:p>
-            <a:pPr algn="ctr"/>
-            <a:r>
-              <a:rPr lang="de-DE" b="1" dirty="0">
-                <a:effectLst>
-                  <a:outerShdw blurRad="38100" dist="38100" dir="2700000" algn="tl">
-                    <a:srgbClr val="000000">
-                      <a:alpha val="43137"/>
-                    </a:srgbClr>
-                  </a:outerShdw>
-                </a:effectLst>
-              </a:rPr>
-              <a:t>Über uns</a:t>
-            </a:r>
-          </a:p>
-        </p:txBody>
-      </p:sp>
-      <p:sp>
-        <p:nvSpPr>
-          <p:cNvPr id="7" name="Textfeld 6">
-            <a:extLst>
-              <a:ext uri="{FF2B5EF4-FFF2-40B4-BE49-F238E27FC236}">
-                <a16:creationId xmlns:a16="http://schemas.microsoft.com/office/drawing/2014/main" id="{631B2507-6676-4B83-95F9-4EE48EEA15A6}"/>
-              </a:ext>
-            </a:extLst>
-          </p:cNvPr>
-          <p:cNvSpPr txBox="1"/>
-          <p:nvPr/>
-        </p:nvSpPr>
-        <p:spPr>
-          <a:xfrm>
-            <a:off x="0" y="1437987"/>
-            <a:ext cx="5582816" cy="646331"/>
-          </a:xfrm>
-          <a:prstGeom prst="rect">
-            <a:avLst/>
-          </a:prstGeom>
-          <a:noFill/>
-        </p:spPr>
-        <p:txBody>
-          <a:bodyPr wrap="square" rtlCol="0">
-            <a:spAutoFit/>
-          </a:bodyPr>
-          <a:lstStyle/>
-          <a:p>
-            <a:pPr algn="ctr"/>
-            <a:r>
-              <a:rPr lang="de-DE" sz="3600" b="1" dirty="0"/>
-              <a:t>Rabea </a:t>
-            </a:r>
-            <a:r>
-              <a:rPr lang="de-DE" sz="3600" b="1" dirty="0" err="1"/>
-              <a:t>Kolsch</a:t>
-            </a:r>
-            <a:endParaRPr lang="de-DE" sz="3600" b="1" dirty="0"/>
-          </a:p>
-        </p:txBody>
-      </p:sp>
-      <p:sp>
-        <p:nvSpPr>
-          <p:cNvPr id="11" name="Textfeld 10">
-            <a:extLst>
-              <a:ext uri="{FF2B5EF4-FFF2-40B4-BE49-F238E27FC236}">
-                <a16:creationId xmlns:a16="http://schemas.microsoft.com/office/drawing/2014/main" id="{6DC73D47-F6A7-4F15-B463-690D5D9EF253}"/>
-              </a:ext>
-            </a:extLst>
-          </p:cNvPr>
-          <p:cNvSpPr txBox="1"/>
-          <p:nvPr/>
-        </p:nvSpPr>
-        <p:spPr>
-          <a:xfrm>
-            <a:off x="6096000" y="1499543"/>
-            <a:ext cx="5707224" cy="584775"/>
-          </a:xfrm>
-          <a:prstGeom prst="rect">
-            <a:avLst/>
-          </a:prstGeom>
-          <a:noFill/>
-        </p:spPr>
-        <p:txBody>
-          <a:bodyPr wrap="square" rtlCol="0">
-            <a:spAutoFit/>
-          </a:bodyPr>
-          <a:lstStyle/>
-          <a:p>
-            <a:pPr algn="ctr"/>
-            <a:r>
-              <a:rPr lang="de-DE" sz="3200" b="1" dirty="0"/>
-              <a:t>Mathis</a:t>
-            </a:r>
-            <a:r>
-              <a:rPr lang="de-DE" dirty="0"/>
-              <a:t> </a:t>
-            </a:r>
-            <a:r>
-              <a:rPr lang="de-DE" sz="3200" b="1" dirty="0" err="1"/>
-              <a:t>Gemke</a:t>
-            </a:r>
-            <a:endParaRPr lang="de-DE" sz="3200" b="1" dirty="0"/>
-          </a:p>
-        </p:txBody>
-      </p:sp>
-      <p:cxnSp>
-        <p:nvCxnSpPr>
-          <p:cNvPr id="13" name="Gerader Verbinder 12">
-            <a:extLst>
-              <a:ext uri="{FF2B5EF4-FFF2-40B4-BE49-F238E27FC236}">
-                <a16:creationId xmlns:a16="http://schemas.microsoft.com/office/drawing/2014/main" id="{43EE3D91-F9CA-4F35-BDAD-5C3026FA44E2}"/>
-              </a:ext>
-            </a:extLst>
-          </p:cNvPr>
-          <p:cNvCxnSpPr>
-            <a:cxnSpLocks/>
-          </p:cNvCxnSpPr>
-          <p:nvPr/>
-        </p:nvCxnSpPr>
-        <p:spPr>
-          <a:xfrm>
-            <a:off x="6018246" y="1343608"/>
-            <a:ext cx="0" cy="5514392"/>
-          </a:xfrm>
-          <a:prstGeom prst="line">
-            <a:avLst/>
-          </a:prstGeom>
-          <a:ln w="57150"/>
-        </p:spPr>
-        <p:style>
-          <a:lnRef idx="3">
-            <a:schemeClr val="dk1"/>
-          </a:lnRef>
-          <a:fillRef idx="0">
-            <a:schemeClr val="dk1"/>
-          </a:fillRef>
-          <a:effectRef idx="2">
-            <a:schemeClr val="dk1"/>
-          </a:effectRef>
-          <a:fontRef idx="minor">
-            <a:schemeClr val="tx1"/>
-          </a:fontRef>
-        </p:style>
-      </p:cxnSp>
-      <p:cxnSp>
-        <p:nvCxnSpPr>
-          <p:cNvPr id="17" name="Gerader Verbinder 16">
-            <a:extLst>
-              <a:ext uri="{FF2B5EF4-FFF2-40B4-BE49-F238E27FC236}">
-                <a16:creationId xmlns:a16="http://schemas.microsoft.com/office/drawing/2014/main" id="{4B59C556-D698-4EA0-A735-B429A0FC86C4}"/>
-              </a:ext>
-            </a:extLst>
-          </p:cNvPr>
-          <p:cNvCxnSpPr/>
-          <p:nvPr/>
-        </p:nvCxnSpPr>
-        <p:spPr>
-          <a:xfrm>
-            <a:off x="0" y="2174033"/>
-            <a:ext cx="12192000" cy="0"/>
-          </a:xfrm>
-          <a:prstGeom prst="line">
-            <a:avLst/>
-          </a:prstGeom>
-          <a:ln w="57150"/>
-        </p:spPr>
-        <p:style>
-          <a:lnRef idx="3">
-            <a:schemeClr val="dk1"/>
-          </a:lnRef>
-          <a:fillRef idx="0">
-            <a:schemeClr val="dk1"/>
-          </a:fillRef>
-          <a:effectRef idx="2">
-            <a:schemeClr val="dk1"/>
-          </a:effectRef>
-          <a:fontRef idx="minor">
-            <a:schemeClr val="tx1"/>
-          </a:fontRef>
-        </p:style>
-      </p:cxnSp>
-      <p:sp>
-        <p:nvSpPr>
-          <p:cNvPr id="20" name="Textfeld 19">
-            <a:extLst>
-              <a:ext uri="{FF2B5EF4-FFF2-40B4-BE49-F238E27FC236}">
-                <a16:creationId xmlns:a16="http://schemas.microsoft.com/office/drawing/2014/main" id="{95308803-82C6-4FA1-B885-09DF321A8E64}"/>
-              </a:ext>
-            </a:extLst>
-          </p:cNvPr>
-          <p:cNvSpPr txBox="1"/>
-          <p:nvPr/>
-        </p:nvSpPr>
-        <p:spPr>
-          <a:xfrm>
-            <a:off x="426104" y="2263749"/>
-            <a:ext cx="3446097" cy="4031873"/>
-          </a:xfrm>
-          <a:prstGeom prst="rect">
-            <a:avLst/>
-          </a:prstGeom>
-          <a:noFill/>
-        </p:spPr>
-        <p:txBody>
-          <a:bodyPr wrap="square" rtlCol="0">
-            <a:spAutoFit/>
-          </a:bodyPr>
-          <a:lstStyle/>
-          <a:p>
-            <a:pPr marL="285750" indent="-285750">
-              <a:buFont typeface="Symbol" panose="05050102010706020507" pitchFamily="18" charset="2"/>
-              <a:buChar char="-"/>
-            </a:pPr>
-            <a:r>
-              <a:rPr lang="de-DE" sz="3200" dirty="0"/>
-              <a:t>18 Jahre alt</a:t>
-            </a:r>
-          </a:p>
-          <a:p>
-            <a:pPr marL="285750" indent="-285750">
-              <a:buFont typeface="Symbol" panose="05050102010706020507" pitchFamily="18" charset="2"/>
-              <a:buChar char="-"/>
-            </a:pPr>
-            <a:r>
-              <a:rPr lang="de-DE" sz="3200" dirty="0"/>
-              <a:t>Mauritius Gymnasium Büren</a:t>
-            </a:r>
-          </a:p>
-          <a:p>
-            <a:pPr marL="285750" indent="-285750">
-              <a:buFont typeface="Symbol" panose="05050102010706020507" pitchFamily="18" charset="2"/>
-              <a:buChar char="-"/>
-            </a:pPr>
-            <a:r>
-              <a:rPr lang="de-DE" sz="3200" dirty="0"/>
-              <a:t>Jahrgangsstufe Q2</a:t>
-            </a:r>
-          </a:p>
-          <a:p>
-            <a:pPr marL="285750" indent="-285750">
-              <a:buFont typeface="Symbol" panose="05050102010706020507" pitchFamily="18" charset="2"/>
-              <a:buChar char="-"/>
-            </a:pPr>
-            <a:r>
-              <a:rPr lang="de-DE" sz="3200" dirty="0"/>
-              <a:t>rabea.kolsch@web.de</a:t>
-            </a:r>
-          </a:p>
-        </p:txBody>
-      </p:sp>
-      <p:sp>
-        <p:nvSpPr>
-          <p:cNvPr id="21" name="Textfeld 20">
-            <a:extLst>
-              <a:ext uri="{FF2B5EF4-FFF2-40B4-BE49-F238E27FC236}">
-                <a16:creationId xmlns:a16="http://schemas.microsoft.com/office/drawing/2014/main" id="{3355CBD3-3F98-4CCD-96A7-E8D6CF04C9D4}"/>
-              </a:ext>
-            </a:extLst>
-          </p:cNvPr>
-          <p:cNvSpPr txBox="1"/>
-          <p:nvPr/>
-        </p:nvSpPr>
-        <p:spPr>
-          <a:xfrm>
-            <a:off x="6326163" y="2263749"/>
-            <a:ext cx="3806886" cy="3970318"/>
-          </a:xfrm>
-          <a:prstGeom prst="rect">
-            <a:avLst/>
-          </a:prstGeom>
-          <a:noFill/>
-        </p:spPr>
-        <p:txBody>
-          <a:bodyPr wrap="square" rtlCol="0">
-            <a:spAutoFit/>
-          </a:bodyPr>
-          <a:lstStyle/>
-          <a:p>
-            <a:pPr marL="285750" indent="-285750">
-              <a:buFont typeface="Symbol" panose="05050102010706020507" pitchFamily="18" charset="2"/>
-              <a:buChar char="-"/>
-            </a:pPr>
-            <a:r>
-              <a:rPr lang="de-DE" sz="3600" dirty="0"/>
-              <a:t>14 Jahre alt</a:t>
-            </a:r>
-          </a:p>
-          <a:p>
-            <a:pPr marL="285750" indent="-285750">
-              <a:buFont typeface="Symbol" panose="05050102010706020507" pitchFamily="18" charset="2"/>
-              <a:buChar char="-"/>
-            </a:pPr>
-            <a:r>
-              <a:rPr lang="de-DE" sz="3600" dirty="0"/>
-              <a:t>Realschule </a:t>
-            </a:r>
-            <a:r>
-              <a:rPr lang="de-DE" sz="3600" dirty="0" err="1"/>
-              <a:t>St.Michael</a:t>
-            </a:r>
-            <a:r>
-              <a:rPr lang="de-DE" sz="3600" dirty="0"/>
-              <a:t> Paderborn</a:t>
-            </a:r>
-          </a:p>
-          <a:p>
-            <a:pPr marL="285750" indent="-285750">
-              <a:buFont typeface="Symbol" panose="05050102010706020507" pitchFamily="18" charset="2"/>
-              <a:buChar char="-"/>
-            </a:pPr>
-            <a:r>
-              <a:rPr lang="de-DE" sz="3600" dirty="0"/>
-              <a:t>Jahrgangsstufe 9</a:t>
-            </a:r>
-          </a:p>
-          <a:p>
-            <a:pPr marL="285750" indent="-285750">
-              <a:buFont typeface="Symbol" panose="05050102010706020507" pitchFamily="18" charset="2"/>
-              <a:buChar char="-"/>
-            </a:pPr>
-            <a:r>
-              <a:rPr lang="de-DE" sz="3600" dirty="0"/>
-              <a:t>Mathis.gemke@gmail.com</a:t>
-            </a:r>
-          </a:p>
-        </p:txBody>
-      </p:sp>
-    </p:spTree>
-    <p:extLst>
-      <p:ext uri="{BB962C8B-B14F-4D97-AF65-F5344CB8AC3E}">
-        <p14:creationId xmlns:p14="http://schemas.microsoft.com/office/powerpoint/2010/main" val="1156430821"/>
-      </p:ext>
-    </p:extLst>
-  </p:cSld>
-  <p:clrMapOvr>
-    <a:masterClrMapping/>
-  </p:clrMapOvr>
-</p:sld>
-</file>
-
-<file path=ppt/slides/slide3.xml><?xml version="1.0" encoding="utf-8"?>
 <p:sld xmlns:a="http://schemas.openxmlformats.org/drawingml/2006/main" xmlns:r="http://schemas.openxmlformats.org/officeDocument/2006/relationships" xmlns:p="http://schemas.openxmlformats.org/presentationml/2006/main">
   <p:cSld>
     <p:bg>
@@ -4293,7 +3923,7 @@
           <p:cNvPr id="2" name="Titel 1">
             <a:extLst>
               <a:ext uri="{FF2B5EF4-FFF2-40B4-BE49-F238E27FC236}">
-                <a16:creationId xmlns:a16="http://schemas.microsoft.com/office/drawing/2014/main" id="{A482CD03-B230-489F-890D-443D831ED384}"/>
+                <a16:creationId xmlns:a16="http://schemas.microsoft.com/office/drawing/2014/main" xmlns="" id="{A482CD03-B230-489F-890D-443D831ED384}"/>
               </a:ext>
             </a:extLst>
           </p:cNvPr>
@@ -4329,10 +3959,10 @@
           <p:cNvPr id="1032" name="Straight Arrow Connector 74">
             <a:extLst>
               <a:ext uri="{FF2B5EF4-FFF2-40B4-BE49-F238E27FC236}">
-                <a16:creationId xmlns:a16="http://schemas.microsoft.com/office/drawing/2014/main" id="{E4A809D5-3600-46D4-A466-67F2349A54FB}"/>
+                <a16:creationId xmlns:a16="http://schemas.microsoft.com/office/drawing/2014/main" xmlns="" id="{E4A809D5-3600-46D4-A466-67F2349A54FB}"/>
               </a:ext>
               <a:ext uri="{C183D7F6-B498-43B3-948B-1728B52AA6E4}">
-                <adec:decorative xmlns:adec="http://schemas.microsoft.com/office/drawing/2017/decorative" val="1"/>
+                <adec:decorative xmlns:adec="http://schemas.microsoft.com/office/drawing/2017/decorative" xmlns="" val="1"/>
               </a:ext>
             </a:extLst>
           </p:cNvPr>
@@ -4342,7 +3972,7 @@
           <p:nvPr>
             <p:extLst>
               <p:ext uri="{386F3935-93C4-4BCD-93E2-E3B085C9AB24}">
-                <p16:designElem xmlns:p16="http://schemas.microsoft.com/office/powerpoint/2015/main" val="1"/>
+                <p16:designElem xmlns:p16="http://schemas.microsoft.com/office/powerpoint/2015/main" xmlns="" val="1"/>
               </p:ext>
             </p:extLst>
           </p:nvPr>
@@ -4382,7 +4012,7 @@
           <p:cNvPr id="1030" name="Content Placeholder 1029">
             <a:extLst>
               <a:ext uri="{FF2B5EF4-FFF2-40B4-BE49-F238E27FC236}">
-                <a16:creationId xmlns:a16="http://schemas.microsoft.com/office/drawing/2014/main" id="{75982306-A9B4-4C78-B207-89054A27426E}"/>
+                <a16:creationId xmlns:a16="http://schemas.microsoft.com/office/drawing/2014/main" xmlns="" id="{75982306-A9B4-4C78-B207-89054A27426E}"/>
               </a:ext>
             </a:extLst>
           </p:cNvPr>
@@ -4479,7 +4109,7 @@
           <p:cNvPr id="1026" name="Picture 2" descr="Bildergebnis für Volle  Fahrradständer">
             <a:extLst>
               <a:ext uri="{FF2B5EF4-FFF2-40B4-BE49-F238E27FC236}">
-                <a16:creationId xmlns:a16="http://schemas.microsoft.com/office/drawing/2014/main" id="{53AADD87-C5EF-4644-8F90-8E26A4B08BC6}"/>
+                <a16:creationId xmlns:a16="http://schemas.microsoft.com/office/drawing/2014/main" xmlns="" id="{53AADD87-C5EF-4644-8F90-8E26A4B08BC6}"/>
               </a:ext>
             </a:extLst>
           </p:cNvPr>
@@ -4603,7 +4233,7 @@
 </p:sld>
 </file>
 
-<file path=ppt/slides/slide4.xml><?xml version="1.0" encoding="utf-8"?>
+<file path=ppt/slides/slide3.xml><?xml version="1.0" encoding="utf-8"?>
 <p:sld xmlns:a="http://schemas.openxmlformats.org/drawingml/2006/main" xmlns:r="http://schemas.openxmlformats.org/officeDocument/2006/relationships" xmlns:p="http://schemas.openxmlformats.org/presentationml/2006/main">
   <p:cSld>
     <p:bg>
@@ -4633,10 +4263,10 @@
           <p:cNvPr id="73" name="Rectangle 72">
             <a:extLst>
               <a:ext uri="{FF2B5EF4-FFF2-40B4-BE49-F238E27FC236}">
-                <a16:creationId xmlns:a16="http://schemas.microsoft.com/office/drawing/2014/main" id="{4038CB10-1F5C-4D54-9DF7-12586DE5B007}"/>
+                <a16:creationId xmlns:a16="http://schemas.microsoft.com/office/drawing/2014/main" xmlns="" id="{4038CB10-1F5C-4D54-9DF7-12586DE5B007}"/>
               </a:ext>
               <a:ext uri="{C183D7F6-B498-43B3-948B-1728B52AA6E4}">
-                <adec:decorative xmlns:adec="http://schemas.microsoft.com/office/drawing/2017/decorative" val="1"/>
+                <adec:decorative xmlns:adec="http://schemas.microsoft.com/office/drawing/2017/decorative" xmlns="" val="1"/>
               </a:ext>
             </a:extLst>
           </p:cNvPr>
@@ -4646,7 +4276,7 @@
           <p:nvPr>
             <p:extLst>
               <p:ext uri="{386F3935-93C4-4BCD-93E2-E3B085C9AB24}">
-                <p16:designElem xmlns:p16="http://schemas.microsoft.com/office/powerpoint/2015/main" val="1"/>
+                <p16:designElem xmlns:p16="http://schemas.microsoft.com/office/powerpoint/2015/main" xmlns="" val="1"/>
               </p:ext>
             </p:extLst>
           </p:nvPr>
@@ -4725,7 +4355,7 @@
           <p:cNvPr id="2" name="Titel 1">
             <a:extLst>
               <a:ext uri="{FF2B5EF4-FFF2-40B4-BE49-F238E27FC236}">
-                <a16:creationId xmlns:a16="http://schemas.microsoft.com/office/drawing/2014/main" id="{C0096E31-A51A-43AF-9593-FFB68F3E73A5}"/>
+                <a16:creationId xmlns:a16="http://schemas.microsoft.com/office/drawing/2014/main" xmlns="" id="{C0096E31-A51A-43AF-9593-FFB68F3E73A5}"/>
               </a:ext>
             </a:extLst>
           </p:cNvPr>
@@ -4765,10 +4395,10 @@
           <p:cNvPr id="75" name="Rectangle 74">
             <a:extLst>
               <a:ext uri="{FF2B5EF4-FFF2-40B4-BE49-F238E27FC236}">
-                <a16:creationId xmlns:a16="http://schemas.microsoft.com/office/drawing/2014/main" id="{73ED6512-6858-4552-B699-9A97FE9A4EA2}"/>
+                <a16:creationId xmlns:a16="http://schemas.microsoft.com/office/drawing/2014/main" xmlns="" id="{73ED6512-6858-4552-B699-9A97FE9A4EA2}"/>
               </a:ext>
               <a:ext uri="{C183D7F6-B498-43B3-948B-1728B52AA6E4}">
-                <adec:decorative xmlns:adec="http://schemas.microsoft.com/office/drawing/2017/decorative" val="1"/>
+                <adec:decorative xmlns:adec="http://schemas.microsoft.com/office/drawing/2017/decorative" xmlns="" val="1"/>
               </a:ext>
             </a:extLst>
           </p:cNvPr>
@@ -4778,7 +4408,7 @@
           <p:nvPr>
             <p:extLst>
               <p:ext uri="{386F3935-93C4-4BCD-93E2-E3B085C9AB24}">
-                <p16:designElem xmlns:p16="http://schemas.microsoft.com/office/powerpoint/2015/main" val="1"/>
+                <p16:designElem xmlns:p16="http://schemas.microsoft.com/office/powerpoint/2015/main" xmlns="" val="1"/>
               </p:ext>
             </p:extLst>
           </p:nvPr>
@@ -4857,7 +4487,7 @@
           <p:cNvPr id="2054" name="Content Placeholder 2053">
             <a:extLst>
               <a:ext uri="{FF2B5EF4-FFF2-40B4-BE49-F238E27FC236}">
-                <a16:creationId xmlns:a16="http://schemas.microsoft.com/office/drawing/2014/main" id="{FD124D06-5469-4B17-851A-5917A2B5EF1D}"/>
+                <a16:creationId xmlns:a16="http://schemas.microsoft.com/office/drawing/2014/main" xmlns="" id="{FD124D06-5469-4B17-851A-5917A2B5EF1D}"/>
               </a:ext>
             </a:extLst>
           </p:cNvPr>
@@ -4899,7 +4529,7 @@
           <p:cNvPr id="5" name="Gerade Verbindung mit Pfeil 4">
             <a:extLst>
               <a:ext uri="{FF2B5EF4-FFF2-40B4-BE49-F238E27FC236}">
-                <a16:creationId xmlns:a16="http://schemas.microsoft.com/office/drawing/2014/main" id="{217EAFD5-E22D-4D4D-B533-BD770401113E}"/>
+                <a16:creationId xmlns:a16="http://schemas.microsoft.com/office/drawing/2014/main" xmlns="" id="{217EAFD5-E22D-4D4D-B533-BD770401113E}"/>
               </a:ext>
             </a:extLst>
           </p:cNvPr>
@@ -4951,7 +4581,7 @@
           <p:cNvPr id="8" name="Textfeld 7">
             <a:extLst>
               <a:ext uri="{FF2B5EF4-FFF2-40B4-BE49-F238E27FC236}">
-                <a16:creationId xmlns:a16="http://schemas.microsoft.com/office/drawing/2014/main" id="{55647A7C-7509-4FF4-8B41-D4997FEDB3F7}"/>
+                <a16:creationId xmlns:a16="http://schemas.microsoft.com/office/drawing/2014/main" xmlns="" id="{55647A7C-7509-4FF4-8B41-D4997FEDB3F7}"/>
               </a:ext>
             </a:extLst>
           </p:cNvPr>
@@ -4990,7 +4620,7 @@
           <p:cNvPr id="10" name="Gerade Verbindung mit Pfeil 9">
             <a:extLst>
               <a:ext uri="{FF2B5EF4-FFF2-40B4-BE49-F238E27FC236}">
-                <a16:creationId xmlns:a16="http://schemas.microsoft.com/office/drawing/2014/main" id="{B2D5A565-6DB8-4F82-A555-B55D54134539}"/>
+                <a16:creationId xmlns:a16="http://schemas.microsoft.com/office/drawing/2014/main" xmlns="" id="{B2D5A565-6DB8-4F82-A555-B55D54134539}"/>
               </a:ext>
             </a:extLst>
           </p:cNvPr>
@@ -5042,7 +4672,7 @@
           <p:cNvPr id="12" name="Textfeld 11">
             <a:extLst>
               <a:ext uri="{FF2B5EF4-FFF2-40B4-BE49-F238E27FC236}">
-                <a16:creationId xmlns:a16="http://schemas.microsoft.com/office/drawing/2014/main" id="{AA3945D2-B06D-496B-AFB6-2E4042B06684}"/>
+                <a16:creationId xmlns:a16="http://schemas.microsoft.com/office/drawing/2014/main" xmlns="" id="{AA3945D2-B06D-496B-AFB6-2E4042B06684}"/>
               </a:ext>
             </a:extLst>
           </p:cNvPr>
@@ -5082,7 +4712,7 @@
           <p:cNvPr id="2052" name="Picture 4" descr="Bildergebnis für Parkplatzanzeige">
             <a:extLst>
               <a:ext uri="{FF2B5EF4-FFF2-40B4-BE49-F238E27FC236}">
-                <a16:creationId xmlns:a16="http://schemas.microsoft.com/office/drawing/2014/main" id="{2AE19BB4-B7BB-41CC-9DB1-49D42D635D3A}"/>
+                <a16:creationId xmlns:a16="http://schemas.microsoft.com/office/drawing/2014/main" xmlns="" id="{2AE19BB4-B7BB-41CC-9DB1-49D42D635D3A}"/>
               </a:ext>
             </a:extLst>
           </p:cNvPr>
@@ -5137,7 +4767,7 @@
 </p:sld>
 </file>
 
-<file path=ppt/slides/slide5.xml><?xml version="1.0" encoding="utf-8"?>
+<file path=ppt/slides/slide4.xml><?xml version="1.0" encoding="utf-8"?>
 <p:sld xmlns:a="http://schemas.openxmlformats.org/drawingml/2006/main" xmlns:r="http://schemas.openxmlformats.org/officeDocument/2006/relationships" xmlns:p="http://schemas.openxmlformats.org/presentationml/2006/main">
   <p:cSld>
     <p:bg>
@@ -5167,7 +4797,7 @@
           <p:cNvPr id="3074" name="Picture 2" descr="Bildergebnis für Server">
             <a:extLst>
               <a:ext uri="{FF2B5EF4-FFF2-40B4-BE49-F238E27FC236}">
-                <a16:creationId xmlns:a16="http://schemas.microsoft.com/office/drawing/2014/main" id="{475D5A10-1B58-4A42-A25E-0C3F05290EA2}"/>
+                <a16:creationId xmlns:a16="http://schemas.microsoft.com/office/drawing/2014/main" xmlns="" id="{475D5A10-1B58-4A42-A25E-0C3F05290EA2}"/>
               </a:ext>
             </a:extLst>
           </p:cNvPr>
@@ -5216,7 +4846,7 @@
           <p:cNvPr id="3076" name="Picture 4" descr="Bildergebnis für fahrradständer">
             <a:extLst>
               <a:ext uri="{FF2B5EF4-FFF2-40B4-BE49-F238E27FC236}">
-                <a16:creationId xmlns:a16="http://schemas.microsoft.com/office/drawing/2014/main" id="{7A6A785C-E355-424A-92B2-C4B3AB78B1DF}"/>
+                <a16:creationId xmlns:a16="http://schemas.microsoft.com/office/drawing/2014/main" xmlns="" id="{7A6A785C-E355-424A-92B2-C4B3AB78B1DF}"/>
               </a:ext>
             </a:extLst>
           </p:cNvPr>
@@ -5226,7 +4856,7 @@
           <p:nvPr/>
         </p:nvPicPr>
         <p:blipFill>
-          <a:blip r:embed="rId3">
+          <a:blip r:embed="rId3" cstate="print">
             <a:extLst>
               <a:ext uri="{28A0092B-C50C-407E-A947-70E740481C1C}">
                 <a14:useLocalDpi xmlns:a14="http://schemas.microsoft.com/office/drawing/2010/main" val="0"/>
@@ -5263,7 +4893,7 @@
           <p:cNvPr id="10" name="Gerade Verbindung mit Pfeil 9">
             <a:extLst>
               <a:ext uri="{FF2B5EF4-FFF2-40B4-BE49-F238E27FC236}">
-                <a16:creationId xmlns:a16="http://schemas.microsoft.com/office/drawing/2014/main" id="{B54AC8FD-23B9-434C-9A41-C0CE24C5D4D3}"/>
+                <a16:creationId xmlns:a16="http://schemas.microsoft.com/office/drawing/2014/main" xmlns="" id="{B54AC8FD-23B9-434C-9A41-C0CE24C5D4D3}"/>
               </a:ext>
             </a:extLst>
           </p:cNvPr>
@@ -5314,7 +4944,7 @@
           <p:cNvPr id="3078" name="Picture 6" descr="Bildergebnis für smartphone">
             <a:extLst>
               <a:ext uri="{FF2B5EF4-FFF2-40B4-BE49-F238E27FC236}">
-                <a16:creationId xmlns:a16="http://schemas.microsoft.com/office/drawing/2014/main" id="{A66DB5B6-DBDA-4E7B-B42D-A9386CDF8C88}"/>
+                <a16:creationId xmlns:a16="http://schemas.microsoft.com/office/drawing/2014/main" xmlns="" id="{A66DB5B6-DBDA-4E7B-B42D-A9386CDF8C88}"/>
               </a:ext>
             </a:extLst>
           </p:cNvPr>
@@ -5324,7 +4954,7 @@
           <p:nvPr/>
         </p:nvPicPr>
         <p:blipFill>
-          <a:blip r:embed="rId4">
+          <a:blip r:embed="rId4" cstate="print">
             <a:extLst>
               <a:ext uri="{28A0092B-C50C-407E-A947-70E740481C1C}">
                 <a14:useLocalDpi xmlns:a14="http://schemas.microsoft.com/office/drawing/2010/main" val="0"/>
@@ -5361,7 +4991,7 @@
           <p:cNvPr id="12" name="Gerade Verbindung mit Pfeil 11">
             <a:extLst>
               <a:ext uri="{FF2B5EF4-FFF2-40B4-BE49-F238E27FC236}">
-                <a16:creationId xmlns:a16="http://schemas.microsoft.com/office/drawing/2014/main" id="{74094A7E-DFAC-495B-B345-5F9F493230BC}"/>
+                <a16:creationId xmlns:a16="http://schemas.microsoft.com/office/drawing/2014/main" xmlns="" id="{74094A7E-DFAC-495B-B345-5F9F493230BC}"/>
               </a:ext>
             </a:extLst>
           </p:cNvPr>
@@ -5410,7 +5040,7 @@
           <p:cNvPr id="3080" name="Picture 8" descr="Bildergebnis für Parkplatzanzeige">
             <a:extLst>
               <a:ext uri="{FF2B5EF4-FFF2-40B4-BE49-F238E27FC236}">
-                <a16:creationId xmlns:a16="http://schemas.microsoft.com/office/drawing/2014/main" id="{1B41B3E9-79C3-4481-991A-26CD7735A1E4}"/>
+                <a16:creationId xmlns:a16="http://schemas.microsoft.com/office/drawing/2014/main" xmlns="" id="{1B41B3E9-79C3-4481-991A-26CD7735A1E4}"/>
               </a:ext>
             </a:extLst>
           </p:cNvPr>
@@ -5420,7 +5050,7 @@
           <p:nvPr/>
         </p:nvPicPr>
         <p:blipFill>
-          <a:blip r:embed="rId5">
+          <a:blip r:embed="rId5" cstate="print">
             <a:extLst>
               <a:ext uri="{28A0092B-C50C-407E-A947-70E740481C1C}">
                 <a14:useLocalDpi xmlns:a14="http://schemas.microsoft.com/office/drawing/2010/main" val="0"/>
@@ -5457,7 +5087,7 @@
           <p:cNvPr id="14" name="Gerade Verbindung mit Pfeil 13">
             <a:extLst>
               <a:ext uri="{FF2B5EF4-FFF2-40B4-BE49-F238E27FC236}">
-                <a16:creationId xmlns:a16="http://schemas.microsoft.com/office/drawing/2014/main" id="{8464FE05-F143-47FD-822F-F783EF390E50}"/>
+                <a16:creationId xmlns:a16="http://schemas.microsoft.com/office/drawing/2014/main" xmlns="" id="{8464FE05-F143-47FD-822F-F783EF390E50}"/>
               </a:ext>
             </a:extLst>
           </p:cNvPr>
@@ -5506,7 +5136,7 @@
           <p:cNvPr id="15" name="Textfeld 14">
             <a:extLst>
               <a:ext uri="{FF2B5EF4-FFF2-40B4-BE49-F238E27FC236}">
-                <a16:creationId xmlns:a16="http://schemas.microsoft.com/office/drawing/2014/main" id="{54338B84-E115-447B-8D17-E744EEF6CC98}"/>
+                <a16:creationId xmlns:a16="http://schemas.microsoft.com/office/drawing/2014/main" xmlns="" id="{54338B84-E115-447B-8D17-E744EEF6CC98}"/>
               </a:ext>
             </a:extLst>
           </p:cNvPr>
@@ -5542,7 +5172,7 @@
           <p:cNvPr id="16" name="Textfeld 15">
             <a:extLst>
               <a:ext uri="{FF2B5EF4-FFF2-40B4-BE49-F238E27FC236}">
-                <a16:creationId xmlns:a16="http://schemas.microsoft.com/office/drawing/2014/main" id="{D16F8E7A-198C-413E-96F2-A5752B12E336}"/>
+                <a16:creationId xmlns:a16="http://schemas.microsoft.com/office/drawing/2014/main" xmlns="" id="{D16F8E7A-198C-413E-96F2-A5752B12E336}"/>
               </a:ext>
             </a:extLst>
           </p:cNvPr>
@@ -5578,7 +5208,7 @@
           <p:cNvPr id="17" name="Textfeld 16">
             <a:extLst>
               <a:ext uri="{FF2B5EF4-FFF2-40B4-BE49-F238E27FC236}">
-                <a16:creationId xmlns:a16="http://schemas.microsoft.com/office/drawing/2014/main" id="{8E7FAC09-EF65-49BA-BAAC-8A2456107294}"/>
+                <a16:creationId xmlns:a16="http://schemas.microsoft.com/office/drawing/2014/main" xmlns="" id="{8E7FAC09-EF65-49BA-BAAC-8A2456107294}"/>
               </a:ext>
             </a:extLst>
           </p:cNvPr>
@@ -5614,7 +5244,7 @@
           <p:cNvPr id="18" name="Textfeld 17">
             <a:extLst>
               <a:ext uri="{FF2B5EF4-FFF2-40B4-BE49-F238E27FC236}">
-                <a16:creationId xmlns:a16="http://schemas.microsoft.com/office/drawing/2014/main" id="{626C4439-B8E8-452C-A414-0F9F8A62E46D}"/>
+                <a16:creationId xmlns:a16="http://schemas.microsoft.com/office/drawing/2014/main" xmlns="" id="{626C4439-B8E8-452C-A414-0F9F8A62E46D}"/>
               </a:ext>
             </a:extLst>
           </p:cNvPr>
@@ -5650,7 +5280,7 @@
           <p:cNvPr id="2" name="Textfeld 1">
             <a:extLst>
               <a:ext uri="{FF2B5EF4-FFF2-40B4-BE49-F238E27FC236}">
-                <a16:creationId xmlns:a16="http://schemas.microsoft.com/office/drawing/2014/main" id="{99B44706-D2B4-4C8C-8F6C-5F001808A77E}"/>
+                <a16:creationId xmlns:a16="http://schemas.microsoft.com/office/drawing/2014/main" xmlns="" id="{99B44706-D2B4-4C8C-8F6C-5F001808A77E}"/>
               </a:ext>
             </a:extLst>
           </p:cNvPr>
@@ -5996,7 +5626,7 @@
   <a:extraClrSchemeLst/>
   <a:extLst>
     <a:ext uri="{05A4C25C-085E-4340-85A3-A5531E510DB2}">
-      <thm15:themeFamily xmlns:thm15="http://schemas.microsoft.com/office/thememl/2012/main" name="Office Theme" id="{62F939B6-93AF-4DB8-9C6B-D6C7DFDC589F}" vid="{4A3C46E8-61CC-4603-A589-7422A47A8E4A}"/>
+      <thm15:themeFamily xmlns:thm15="http://schemas.microsoft.com/office/thememl/2012/main" xmlns="" name="Office Theme" id="{62F939B6-93AF-4DB8-9C6B-D6C7DFDC589F}" vid="{4A3C46E8-61CC-4603-A589-7422A47A8E4A}"/>
     </a:ext>
   </a:extLst>
 </a:theme>
@@ -6291,7 +5921,7 @@
   <a:extraClrSchemeLst/>
   <a:extLst>
     <a:ext uri="{05A4C25C-085E-4340-85A3-A5531E510DB2}">
-      <thm15:themeFamily xmlns:thm15="http://schemas.microsoft.com/office/thememl/2012/main" name="Office Theme" id="{62F939B6-93AF-4DB8-9C6B-D6C7DFDC589F}" vid="{4A3C46E8-61CC-4603-A589-7422A47A8E4A}"/>
+      <thm15:themeFamily xmlns:thm15="http://schemas.microsoft.com/office/thememl/2012/main" xmlns="" name="Office Theme" id="{62F939B6-93AF-4DB8-9C6B-D6C7DFDC589F}" vid="{4A3C46E8-61CC-4603-A589-7422A47A8E4A}"/>
     </a:ext>
   </a:extLst>
 </a:theme>

--- a/Powerpoint.pptx
+++ b/Powerpoint.pptx
@@ -5,13 +5,15 @@
     <p:sldMasterId id="2147483675" r:id="rId1"/>
   </p:sldMasterIdLst>
   <p:notesMasterIdLst>
-    <p:notesMasterId r:id="rId6"/>
+    <p:notesMasterId r:id="rId8"/>
   </p:notesMasterIdLst>
   <p:sldIdLst>
     <p:sldId id="256" r:id="rId2"/>
     <p:sldId id="257" r:id="rId3"/>
     <p:sldId id="258" r:id="rId4"/>
     <p:sldId id="259" r:id="rId5"/>
+    <p:sldId id="261" r:id="rId6"/>
+    <p:sldId id="260" r:id="rId7"/>
   </p:sldIdLst>
   <p:sldSz cx="12192000" cy="6858000"/>
   <p:notesSz cx="6858000" cy="9144000"/>
@@ -112,7 +114,18 @@
   </p:defaultTextStyle>
   <p:extLst>
     <p:ext uri="{EFAFB233-063F-42B5-8137-9DF3F51BA10A}">
-      <p15:sldGuideLst xmlns:p15="http://schemas.microsoft.com/office/powerpoint/2012/main" xmlns=""/>
+      <p15:sldGuideLst xmlns:p15="http://schemas.microsoft.com/office/powerpoint/2012/main">
+        <p15:guide id="1" orient="horz" pos="2160">
+          <p15:clr>
+            <a:srgbClr val="A4A3A4"/>
+          </p15:clr>
+        </p15:guide>
+        <p15:guide id="2" pos="3840">
+          <p15:clr>
+            <a:srgbClr val="A4A3A4"/>
+          </p15:clr>
+        </p15:guide>
+      </p15:sldGuideLst>
     </p:ext>
   </p:extLst>
 </p:presentation>
@@ -489,7 +502,7 @@
           <p:cNvPr id="2" name="Titel 1">
             <a:extLst>
               <a:ext uri="{FF2B5EF4-FFF2-40B4-BE49-F238E27FC236}">
-                <a16:creationId xmlns:a16="http://schemas.microsoft.com/office/drawing/2014/main" xmlns="" id="{2D99FB4D-73A5-4B63-89D4-359821D52D79}"/>
+                <a16:creationId xmlns:a16="http://schemas.microsoft.com/office/drawing/2014/main" id="{2D99FB4D-73A5-4B63-89D4-359821D52D79}"/>
               </a:ext>
             </a:extLst>
           </p:cNvPr>
@@ -526,7 +539,7 @@
           <p:cNvPr id="3" name="Untertitel 2">
             <a:extLst>
               <a:ext uri="{FF2B5EF4-FFF2-40B4-BE49-F238E27FC236}">
-                <a16:creationId xmlns:a16="http://schemas.microsoft.com/office/drawing/2014/main" xmlns="" id="{B1583B13-C318-4E17-B8A2-0FBDAA37B8B8}"/>
+                <a16:creationId xmlns:a16="http://schemas.microsoft.com/office/drawing/2014/main" id="{B1583B13-C318-4E17-B8A2-0FBDAA37B8B8}"/>
               </a:ext>
             </a:extLst>
           </p:cNvPr>
@@ -596,7 +609,7 @@
           <p:cNvPr id="4" name="Datumsplatzhalter 3">
             <a:extLst>
               <a:ext uri="{FF2B5EF4-FFF2-40B4-BE49-F238E27FC236}">
-                <a16:creationId xmlns:a16="http://schemas.microsoft.com/office/drawing/2014/main" xmlns="" id="{AE5A30E1-EE15-4320-8FFB-50872DF3FBCB}"/>
+                <a16:creationId xmlns:a16="http://schemas.microsoft.com/office/drawing/2014/main" id="{AE5A30E1-EE15-4320-8FFB-50872DF3FBCB}"/>
               </a:ext>
             </a:extLst>
           </p:cNvPr>
@@ -625,7 +638,7 @@
           <p:cNvPr id="5" name="Fußzeilenplatzhalter 4">
             <a:extLst>
               <a:ext uri="{FF2B5EF4-FFF2-40B4-BE49-F238E27FC236}">
-                <a16:creationId xmlns:a16="http://schemas.microsoft.com/office/drawing/2014/main" xmlns="" id="{8A19DA4F-18C3-47ED-81BF-F79D0A76ACC1}"/>
+                <a16:creationId xmlns:a16="http://schemas.microsoft.com/office/drawing/2014/main" id="{8A19DA4F-18C3-47ED-81BF-F79D0A76ACC1}"/>
               </a:ext>
             </a:extLst>
           </p:cNvPr>
@@ -650,7 +663,7 @@
           <p:cNvPr id="6" name="Foliennummernplatzhalter 5">
             <a:extLst>
               <a:ext uri="{FF2B5EF4-FFF2-40B4-BE49-F238E27FC236}">
-                <a16:creationId xmlns:a16="http://schemas.microsoft.com/office/drawing/2014/main" xmlns="" id="{D77174A7-738D-41E9-AC16-1D3EC9BAA22D}"/>
+                <a16:creationId xmlns:a16="http://schemas.microsoft.com/office/drawing/2014/main" id="{D77174A7-738D-41E9-AC16-1D3EC9BAA22D}"/>
               </a:ext>
             </a:extLst>
           </p:cNvPr>
@@ -709,7 +722,7 @@
           <p:cNvPr id="2" name="Titel 1">
             <a:extLst>
               <a:ext uri="{FF2B5EF4-FFF2-40B4-BE49-F238E27FC236}">
-                <a16:creationId xmlns:a16="http://schemas.microsoft.com/office/drawing/2014/main" xmlns="" id="{05F16755-CA5A-4967-AA95-4F98F3B37D09}"/>
+                <a16:creationId xmlns:a16="http://schemas.microsoft.com/office/drawing/2014/main" id="{05F16755-CA5A-4967-AA95-4F98F3B37D09}"/>
               </a:ext>
             </a:extLst>
           </p:cNvPr>
@@ -737,7 +750,7 @@
           <p:cNvPr id="3" name="Vertikaler Textplatzhalter 2">
             <a:extLst>
               <a:ext uri="{FF2B5EF4-FFF2-40B4-BE49-F238E27FC236}">
-                <a16:creationId xmlns:a16="http://schemas.microsoft.com/office/drawing/2014/main" xmlns="" id="{0722230E-F6AB-471C-9746-6BF2E3D99FED}"/>
+                <a16:creationId xmlns:a16="http://schemas.microsoft.com/office/drawing/2014/main" id="{0722230E-F6AB-471C-9746-6BF2E3D99FED}"/>
               </a:ext>
             </a:extLst>
           </p:cNvPr>
@@ -794,7 +807,7 @@
           <p:cNvPr id="4" name="Datumsplatzhalter 3">
             <a:extLst>
               <a:ext uri="{FF2B5EF4-FFF2-40B4-BE49-F238E27FC236}">
-                <a16:creationId xmlns:a16="http://schemas.microsoft.com/office/drawing/2014/main" xmlns="" id="{C8033B40-24EA-4AD8-B492-41004EA573E3}"/>
+                <a16:creationId xmlns:a16="http://schemas.microsoft.com/office/drawing/2014/main" id="{C8033B40-24EA-4AD8-B492-41004EA573E3}"/>
               </a:ext>
             </a:extLst>
           </p:cNvPr>
@@ -823,7 +836,7 @@
           <p:cNvPr id="5" name="Fußzeilenplatzhalter 4">
             <a:extLst>
               <a:ext uri="{FF2B5EF4-FFF2-40B4-BE49-F238E27FC236}">
-                <a16:creationId xmlns:a16="http://schemas.microsoft.com/office/drawing/2014/main" xmlns="" id="{3D6EA412-3E83-402F-89D2-998194593673}"/>
+                <a16:creationId xmlns:a16="http://schemas.microsoft.com/office/drawing/2014/main" id="{3D6EA412-3E83-402F-89D2-998194593673}"/>
               </a:ext>
             </a:extLst>
           </p:cNvPr>
@@ -848,7 +861,7 @@
           <p:cNvPr id="6" name="Foliennummernplatzhalter 5">
             <a:extLst>
               <a:ext uri="{FF2B5EF4-FFF2-40B4-BE49-F238E27FC236}">
-                <a16:creationId xmlns:a16="http://schemas.microsoft.com/office/drawing/2014/main" xmlns="" id="{981919F5-ABEE-4391-9BAF-020F69B47C54}"/>
+                <a16:creationId xmlns:a16="http://schemas.microsoft.com/office/drawing/2014/main" id="{981919F5-ABEE-4391-9BAF-020F69B47C54}"/>
               </a:ext>
             </a:extLst>
           </p:cNvPr>
@@ -907,7 +920,7 @@
           <p:cNvPr id="2" name="Vertikaler Titel 1">
             <a:extLst>
               <a:ext uri="{FF2B5EF4-FFF2-40B4-BE49-F238E27FC236}">
-                <a16:creationId xmlns:a16="http://schemas.microsoft.com/office/drawing/2014/main" xmlns="" id="{EE6F5B4C-D804-4EEF-BA9D-3AE56E6A44EA}"/>
+                <a16:creationId xmlns:a16="http://schemas.microsoft.com/office/drawing/2014/main" id="{EE6F5B4C-D804-4EEF-BA9D-3AE56E6A44EA}"/>
               </a:ext>
             </a:extLst>
           </p:cNvPr>
@@ -940,7 +953,7 @@
           <p:cNvPr id="3" name="Vertikaler Textplatzhalter 2">
             <a:extLst>
               <a:ext uri="{FF2B5EF4-FFF2-40B4-BE49-F238E27FC236}">
-                <a16:creationId xmlns:a16="http://schemas.microsoft.com/office/drawing/2014/main" xmlns="" id="{0DC6E000-4A80-4646-A603-62FEC43578E5}"/>
+                <a16:creationId xmlns:a16="http://schemas.microsoft.com/office/drawing/2014/main" id="{0DC6E000-4A80-4646-A603-62FEC43578E5}"/>
               </a:ext>
             </a:extLst>
           </p:cNvPr>
@@ -1002,7 +1015,7 @@
           <p:cNvPr id="4" name="Datumsplatzhalter 3">
             <a:extLst>
               <a:ext uri="{FF2B5EF4-FFF2-40B4-BE49-F238E27FC236}">
-                <a16:creationId xmlns:a16="http://schemas.microsoft.com/office/drawing/2014/main" xmlns="" id="{5FF9DE78-1D0C-4FEE-A535-6756A1ABA760}"/>
+                <a16:creationId xmlns:a16="http://schemas.microsoft.com/office/drawing/2014/main" id="{5FF9DE78-1D0C-4FEE-A535-6756A1ABA760}"/>
               </a:ext>
             </a:extLst>
           </p:cNvPr>
@@ -1031,7 +1044,7 @@
           <p:cNvPr id="5" name="Fußzeilenplatzhalter 4">
             <a:extLst>
               <a:ext uri="{FF2B5EF4-FFF2-40B4-BE49-F238E27FC236}">
-                <a16:creationId xmlns:a16="http://schemas.microsoft.com/office/drawing/2014/main" xmlns="" id="{7567CBC3-5D58-4299-BFEE-16B37ABD2E39}"/>
+                <a16:creationId xmlns:a16="http://schemas.microsoft.com/office/drawing/2014/main" id="{7567CBC3-5D58-4299-BFEE-16B37ABD2E39}"/>
               </a:ext>
             </a:extLst>
           </p:cNvPr>
@@ -1056,7 +1069,7 @@
           <p:cNvPr id="6" name="Foliennummernplatzhalter 5">
             <a:extLst>
               <a:ext uri="{FF2B5EF4-FFF2-40B4-BE49-F238E27FC236}">
-                <a16:creationId xmlns:a16="http://schemas.microsoft.com/office/drawing/2014/main" xmlns="" id="{1CCBAF69-470D-4CC0-B3B9-356A1FF088CB}"/>
+                <a16:creationId xmlns:a16="http://schemas.microsoft.com/office/drawing/2014/main" id="{1CCBAF69-470D-4CC0-B3B9-356A1FF088CB}"/>
               </a:ext>
             </a:extLst>
           </p:cNvPr>
@@ -1115,7 +1128,7 @@
           <p:cNvPr id="2" name="Titel 1">
             <a:extLst>
               <a:ext uri="{FF2B5EF4-FFF2-40B4-BE49-F238E27FC236}">
-                <a16:creationId xmlns:a16="http://schemas.microsoft.com/office/drawing/2014/main" xmlns="" id="{B5F5546E-2379-49CF-B2FE-10863C3FC848}"/>
+                <a16:creationId xmlns:a16="http://schemas.microsoft.com/office/drawing/2014/main" id="{B5F5546E-2379-49CF-B2FE-10863C3FC848}"/>
               </a:ext>
             </a:extLst>
           </p:cNvPr>
@@ -1143,7 +1156,7 @@
           <p:cNvPr id="3" name="Inhaltsplatzhalter 2">
             <a:extLst>
               <a:ext uri="{FF2B5EF4-FFF2-40B4-BE49-F238E27FC236}">
-                <a16:creationId xmlns:a16="http://schemas.microsoft.com/office/drawing/2014/main" xmlns="" id="{FC500CAB-CEB7-4C44-9C3C-D8F4F157F9D4}"/>
+                <a16:creationId xmlns:a16="http://schemas.microsoft.com/office/drawing/2014/main" id="{FC500CAB-CEB7-4C44-9C3C-D8F4F157F9D4}"/>
               </a:ext>
             </a:extLst>
           </p:cNvPr>
@@ -1200,7 +1213,7 @@
           <p:cNvPr id="4" name="Datumsplatzhalter 3">
             <a:extLst>
               <a:ext uri="{FF2B5EF4-FFF2-40B4-BE49-F238E27FC236}">
-                <a16:creationId xmlns:a16="http://schemas.microsoft.com/office/drawing/2014/main" xmlns="" id="{3B2D0E30-E3AB-4773-AAC7-D74DB611FF9C}"/>
+                <a16:creationId xmlns:a16="http://schemas.microsoft.com/office/drawing/2014/main" id="{3B2D0E30-E3AB-4773-AAC7-D74DB611FF9C}"/>
               </a:ext>
             </a:extLst>
           </p:cNvPr>
@@ -1229,7 +1242,7 @@
           <p:cNvPr id="5" name="Fußzeilenplatzhalter 4">
             <a:extLst>
               <a:ext uri="{FF2B5EF4-FFF2-40B4-BE49-F238E27FC236}">
-                <a16:creationId xmlns:a16="http://schemas.microsoft.com/office/drawing/2014/main" xmlns="" id="{8B16398F-7569-4F79-B417-231EBFCDF633}"/>
+                <a16:creationId xmlns:a16="http://schemas.microsoft.com/office/drawing/2014/main" id="{8B16398F-7569-4F79-B417-231EBFCDF633}"/>
               </a:ext>
             </a:extLst>
           </p:cNvPr>
@@ -1254,7 +1267,7 @@
           <p:cNvPr id="6" name="Foliennummernplatzhalter 5">
             <a:extLst>
               <a:ext uri="{FF2B5EF4-FFF2-40B4-BE49-F238E27FC236}">
-                <a16:creationId xmlns:a16="http://schemas.microsoft.com/office/drawing/2014/main" xmlns="" id="{00833AB8-2C1A-442B-A97F-0809079822E2}"/>
+                <a16:creationId xmlns:a16="http://schemas.microsoft.com/office/drawing/2014/main" id="{00833AB8-2C1A-442B-A97F-0809079822E2}"/>
               </a:ext>
             </a:extLst>
           </p:cNvPr>
@@ -1313,7 +1326,7 @@
           <p:cNvPr id="2" name="Titel 1">
             <a:extLst>
               <a:ext uri="{FF2B5EF4-FFF2-40B4-BE49-F238E27FC236}">
-                <a16:creationId xmlns:a16="http://schemas.microsoft.com/office/drawing/2014/main" xmlns="" id="{956F9D96-927A-4A89-ADFD-8CC626C17397}"/>
+                <a16:creationId xmlns:a16="http://schemas.microsoft.com/office/drawing/2014/main" id="{956F9D96-927A-4A89-ADFD-8CC626C17397}"/>
               </a:ext>
             </a:extLst>
           </p:cNvPr>
@@ -1350,7 +1363,7 @@
           <p:cNvPr id="3" name="Textplatzhalter 2">
             <a:extLst>
               <a:ext uri="{FF2B5EF4-FFF2-40B4-BE49-F238E27FC236}">
-                <a16:creationId xmlns:a16="http://schemas.microsoft.com/office/drawing/2014/main" xmlns="" id="{F42133FA-6604-4F55-B27F-C9A2A1B4D3FA}"/>
+                <a16:creationId xmlns:a16="http://schemas.microsoft.com/office/drawing/2014/main" id="{F42133FA-6604-4F55-B27F-C9A2A1B4D3FA}"/>
               </a:ext>
             </a:extLst>
           </p:cNvPr>
@@ -1475,7 +1488,7 @@
           <p:cNvPr id="4" name="Datumsplatzhalter 3">
             <a:extLst>
               <a:ext uri="{FF2B5EF4-FFF2-40B4-BE49-F238E27FC236}">
-                <a16:creationId xmlns:a16="http://schemas.microsoft.com/office/drawing/2014/main" xmlns="" id="{05CADFBC-CB0F-4869-B981-534B2D2CCD59}"/>
+                <a16:creationId xmlns:a16="http://schemas.microsoft.com/office/drawing/2014/main" id="{05CADFBC-CB0F-4869-B981-534B2D2CCD59}"/>
               </a:ext>
             </a:extLst>
           </p:cNvPr>
@@ -1504,7 +1517,7 @@
           <p:cNvPr id="5" name="Fußzeilenplatzhalter 4">
             <a:extLst>
               <a:ext uri="{FF2B5EF4-FFF2-40B4-BE49-F238E27FC236}">
-                <a16:creationId xmlns:a16="http://schemas.microsoft.com/office/drawing/2014/main" xmlns="" id="{8A1D6A0D-86DF-4060-8AFE-D1896AD82B52}"/>
+                <a16:creationId xmlns:a16="http://schemas.microsoft.com/office/drawing/2014/main" id="{8A1D6A0D-86DF-4060-8AFE-D1896AD82B52}"/>
               </a:ext>
             </a:extLst>
           </p:cNvPr>
@@ -1529,7 +1542,7 @@
           <p:cNvPr id="6" name="Foliennummernplatzhalter 5">
             <a:extLst>
               <a:ext uri="{FF2B5EF4-FFF2-40B4-BE49-F238E27FC236}">
-                <a16:creationId xmlns:a16="http://schemas.microsoft.com/office/drawing/2014/main" xmlns="" id="{10AFF1E1-5FF4-4E86-B1A7-EF1E39D8192A}"/>
+                <a16:creationId xmlns:a16="http://schemas.microsoft.com/office/drawing/2014/main" id="{10AFF1E1-5FF4-4E86-B1A7-EF1E39D8192A}"/>
               </a:ext>
             </a:extLst>
           </p:cNvPr>
@@ -1588,7 +1601,7 @@
           <p:cNvPr id="2" name="Titel 1">
             <a:extLst>
               <a:ext uri="{FF2B5EF4-FFF2-40B4-BE49-F238E27FC236}">
-                <a16:creationId xmlns:a16="http://schemas.microsoft.com/office/drawing/2014/main" xmlns="" id="{C6C4E42D-3308-4DE0-BA24-B7AD5D1D8039}"/>
+                <a16:creationId xmlns:a16="http://schemas.microsoft.com/office/drawing/2014/main" id="{C6C4E42D-3308-4DE0-BA24-B7AD5D1D8039}"/>
               </a:ext>
             </a:extLst>
           </p:cNvPr>
@@ -1616,7 +1629,7 @@
           <p:cNvPr id="3" name="Inhaltsplatzhalter 2">
             <a:extLst>
               <a:ext uri="{FF2B5EF4-FFF2-40B4-BE49-F238E27FC236}">
-                <a16:creationId xmlns:a16="http://schemas.microsoft.com/office/drawing/2014/main" xmlns="" id="{11FDE636-09CD-4DCF-A9FF-3E71909DC226}"/>
+                <a16:creationId xmlns:a16="http://schemas.microsoft.com/office/drawing/2014/main" id="{11FDE636-09CD-4DCF-A9FF-3E71909DC226}"/>
               </a:ext>
             </a:extLst>
           </p:cNvPr>
@@ -1678,7 +1691,7 @@
           <p:cNvPr id="4" name="Inhaltsplatzhalter 3">
             <a:extLst>
               <a:ext uri="{FF2B5EF4-FFF2-40B4-BE49-F238E27FC236}">
-                <a16:creationId xmlns:a16="http://schemas.microsoft.com/office/drawing/2014/main" xmlns="" id="{B005AEE1-8A1C-4B28-941A-0AB6F6D08161}"/>
+                <a16:creationId xmlns:a16="http://schemas.microsoft.com/office/drawing/2014/main" id="{B005AEE1-8A1C-4B28-941A-0AB6F6D08161}"/>
               </a:ext>
             </a:extLst>
           </p:cNvPr>
@@ -1740,7 +1753,7 @@
           <p:cNvPr id="5" name="Datumsplatzhalter 4">
             <a:extLst>
               <a:ext uri="{FF2B5EF4-FFF2-40B4-BE49-F238E27FC236}">
-                <a16:creationId xmlns:a16="http://schemas.microsoft.com/office/drawing/2014/main" xmlns="" id="{7AD9A30A-4767-4F13-82BB-0A8B31B31605}"/>
+                <a16:creationId xmlns:a16="http://schemas.microsoft.com/office/drawing/2014/main" id="{7AD9A30A-4767-4F13-82BB-0A8B31B31605}"/>
               </a:ext>
             </a:extLst>
           </p:cNvPr>
@@ -1769,7 +1782,7 @@
           <p:cNvPr id="6" name="Fußzeilenplatzhalter 5">
             <a:extLst>
               <a:ext uri="{FF2B5EF4-FFF2-40B4-BE49-F238E27FC236}">
-                <a16:creationId xmlns:a16="http://schemas.microsoft.com/office/drawing/2014/main" xmlns="" id="{BD10C44B-9F92-408F-B664-78F1913DB5DB}"/>
+                <a16:creationId xmlns:a16="http://schemas.microsoft.com/office/drawing/2014/main" id="{BD10C44B-9F92-408F-B664-78F1913DB5DB}"/>
               </a:ext>
             </a:extLst>
           </p:cNvPr>
@@ -1794,7 +1807,7 @@
           <p:cNvPr id="7" name="Foliennummernplatzhalter 6">
             <a:extLst>
               <a:ext uri="{FF2B5EF4-FFF2-40B4-BE49-F238E27FC236}">
-                <a16:creationId xmlns:a16="http://schemas.microsoft.com/office/drawing/2014/main" xmlns="" id="{B4231662-FA54-45C8-AFE2-2D1FC8B2C2CC}"/>
+                <a16:creationId xmlns:a16="http://schemas.microsoft.com/office/drawing/2014/main" id="{B4231662-FA54-45C8-AFE2-2D1FC8B2C2CC}"/>
               </a:ext>
             </a:extLst>
           </p:cNvPr>
@@ -1853,7 +1866,7 @@
           <p:cNvPr id="2" name="Titel 1">
             <a:extLst>
               <a:ext uri="{FF2B5EF4-FFF2-40B4-BE49-F238E27FC236}">
-                <a16:creationId xmlns:a16="http://schemas.microsoft.com/office/drawing/2014/main" xmlns="" id="{3A5DAE73-B303-45CB-AF46-6105E4887793}"/>
+                <a16:creationId xmlns:a16="http://schemas.microsoft.com/office/drawing/2014/main" id="{3A5DAE73-B303-45CB-AF46-6105E4887793}"/>
               </a:ext>
             </a:extLst>
           </p:cNvPr>
@@ -1886,7 +1899,7 @@
           <p:cNvPr id="3" name="Textplatzhalter 2">
             <a:extLst>
               <a:ext uri="{FF2B5EF4-FFF2-40B4-BE49-F238E27FC236}">
-                <a16:creationId xmlns:a16="http://schemas.microsoft.com/office/drawing/2014/main" xmlns="" id="{BED2D75D-BCA7-4C5E-B219-DB7BA43E8560}"/>
+                <a16:creationId xmlns:a16="http://schemas.microsoft.com/office/drawing/2014/main" id="{BED2D75D-BCA7-4C5E-B219-DB7BA43E8560}"/>
               </a:ext>
             </a:extLst>
           </p:cNvPr>
@@ -1957,7 +1970,7 @@
           <p:cNvPr id="4" name="Inhaltsplatzhalter 3">
             <a:extLst>
               <a:ext uri="{FF2B5EF4-FFF2-40B4-BE49-F238E27FC236}">
-                <a16:creationId xmlns:a16="http://schemas.microsoft.com/office/drawing/2014/main" xmlns="" id="{A96CE067-37F7-45E7-BD13-5129B6A25FD9}"/>
+                <a16:creationId xmlns:a16="http://schemas.microsoft.com/office/drawing/2014/main" id="{A96CE067-37F7-45E7-BD13-5129B6A25FD9}"/>
               </a:ext>
             </a:extLst>
           </p:cNvPr>
@@ -2019,7 +2032,7 @@
           <p:cNvPr id="5" name="Textplatzhalter 4">
             <a:extLst>
               <a:ext uri="{FF2B5EF4-FFF2-40B4-BE49-F238E27FC236}">
-                <a16:creationId xmlns:a16="http://schemas.microsoft.com/office/drawing/2014/main" xmlns="" id="{1EBDC7A2-3A5D-41C5-ACA8-7B89D4AA7A20}"/>
+                <a16:creationId xmlns:a16="http://schemas.microsoft.com/office/drawing/2014/main" id="{1EBDC7A2-3A5D-41C5-ACA8-7B89D4AA7A20}"/>
               </a:ext>
             </a:extLst>
           </p:cNvPr>
@@ -2090,7 +2103,7 @@
           <p:cNvPr id="6" name="Inhaltsplatzhalter 5">
             <a:extLst>
               <a:ext uri="{FF2B5EF4-FFF2-40B4-BE49-F238E27FC236}">
-                <a16:creationId xmlns:a16="http://schemas.microsoft.com/office/drawing/2014/main" xmlns="" id="{37D149FD-9359-46DA-9F97-1AC6BD5509AD}"/>
+                <a16:creationId xmlns:a16="http://schemas.microsoft.com/office/drawing/2014/main" id="{37D149FD-9359-46DA-9F97-1AC6BD5509AD}"/>
               </a:ext>
             </a:extLst>
           </p:cNvPr>
@@ -2152,7 +2165,7 @@
           <p:cNvPr id="7" name="Datumsplatzhalter 6">
             <a:extLst>
               <a:ext uri="{FF2B5EF4-FFF2-40B4-BE49-F238E27FC236}">
-                <a16:creationId xmlns:a16="http://schemas.microsoft.com/office/drawing/2014/main" xmlns="" id="{B6DC3EEF-9027-4704-A90B-E81C38095352}"/>
+                <a16:creationId xmlns:a16="http://schemas.microsoft.com/office/drawing/2014/main" id="{B6DC3EEF-9027-4704-A90B-E81C38095352}"/>
               </a:ext>
             </a:extLst>
           </p:cNvPr>
@@ -2181,7 +2194,7 @@
           <p:cNvPr id="8" name="Fußzeilenplatzhalter 7">
             <a:extLst>
               <a:ext uri="{FF2B5EF4-FFF2-40B4-BE49-F238E27FC236}">
-                <a16:creationId xmlns:a16="http://schemas.microsoft.com/office/drawing/2014/main" xmlns="" id="{40770A74-A517-4EBC-8CEC-B9B63E94E866}"/>
+                <a16:creationId xmlns:a16="http://schemas.microsoft.com/office/drawing/2014/main" id="{40770A74-A517-4EBC-8CEC-B9B63E94E866}"/>
               </a:ext>
             </a:extLst>
           </p:cNvPr>
@@ -2206,7 +2219,7 @@
           <p:cNvPr id="9" name="Foliennummernplatzhalter 8">
             <a:extLst>
               <a:ext uri="{FF2B5EF4-FFF2-40B4-BE49-F238E27FC236}">
-                <a16:creationId xmlns:a16="http://schemas.microsoft.com/office/drawing/2014/main" xmlns="" id="{D0706805-2FFD-4D3E-9E53-88A86A6F32B2}"/>
+                <a16:creationId xmlns:a16="http://schemas.microsoft.com/office/drawing/2014/main" id="{D0706805-2FFD-4D3E-9E53-88A86A6F32B2}"/>
               </a:ext>
             </a:extLst>
           </p:cNvPr>
@@ -2265,7 +2278,7 @@
           <p:cNvPr id="2" name="Titel 1">
             <a:extLst>
               <a:ext uri="{FF2B5EF4-FFF2-40B4-BE49-F238E27FC236}">
-                <a16:creationId xmlns:a16="http://schemas.microsoft.com/office/drawing/2014/main" xmlns="" id="{BA4E3487-5561-41BA-8D08-9E7B5CCE644E}"/>
+                <a16:creationId xmlns:a16="http://schemas.microsoft.com/office/drawing/2014/main" id="{BA4E3487-5561-41BA-8D08-9E7B5CCE644E}"/>
               </a:ext>
             </a:extLst>
           </p:cNvPr>
@@ -2293,7 +2306,7 @@
           <p:cNvPr id="3" name="Datumsplatzhalter 2">
             <a:extLst>
               <a:ext uri="{FF2B5EF4-FFF2-40B4-BE49-F238E27FC236}">
-                <a16:creationId xmlns:a16="http://schemas.microsoft.com/office/drawing/2014/main" xmlns="" id="{8968DF60-3E50-49F7-99AB-552AFD65532A}"/>
+                <a16:creationId xmlns:a16="http://schemas.microsoft.com/office/drawing/2014/main" id="{8968DF60-3E50-49F7-99AB-552AFD65532A}"/>
               </a:ext>
             </a:extLst>
           </p:cNvPr>
@@ -2322,7 +2335,7 @@
           <p:cNvPr id="4" name="Fußzeilenplatzhalter 3">
             <a:extLst>
               <a:ext uri="{FF2B5EF4-FFF2-40B4-BE49-F238E27FC236}">
-                <a16:creationId xmlns:a16="http://schemas.microsoft.com/office/drawing/2014/main" xmlns="" id="{24ACA696-D5B3-4E90-964B-0838328B8FC2}"/>
+                <a16:creationId xmlns:a16="http://schemas.microsoft.com/office/drawing/2014/main" id="{24ACA696-D5B3-4E90-964B-0838328B8FC2}"/>
               </a:ext>
             </a:extLst>
           </p:cNvPr>
@@ -2347,7 +2360,7 @@
           <p:cNvPr id="5" name="Foliennummernplatzhalter 4">
             <a:extLst>
               <a:ext uri="{FF2B5EF4-FFF2-40B4-BE49-F238E27FC236}">
-                <a16:creationId xmlns:a16="http://schemas.microsoft.com/office/drawing/2014/main" xmlns="" id="{19C4BCF6-4038-4D00-A4B9-9ECDD5A374EE}"/>
+                <a16:creationId xmlns:a16="http://schemas.microsoft.com/office/drawing/2014/main" id="{19C4BCF6-4038-4D00-A4B9-9ECDD5A374EE}"/>
               </a:ext>
             </a:extLst>
           </p:cNvPr>
@@ -2406,7 +2419,7 @@
           <p:cNvPr id="2" name="Datumsplatzhalter 1">
             <a:extLst>
               <a:ext uri="{FF2B5EF4-FFF2-40B4-BE49-F238E27FC236}">
-                <a16:creationId xmlns:a16="http://schemas.microsoft.com/office/drawing/2014/main" xmlns="" id="{AEC48B17-88EB-484C-A595-0BA4E1FD674A}"/>
+                <a16:creationId xmlns:a16="http://schemas.microsoft.com/office/drawing/2014/main" id="{AEC48B17-88EB-484C-A595-0BA4E1FD674A}"/>
               </a:ext>
             </a:extLst>
           </p:cNvPr>
@@ -2435,7 +2448,7 @@
           <p:cNvPr id="3" name="Fußzeilenplatzhalter 2">
             <a:extLst>
               <a:ext uri="{FF2B5EF4-FFF2-40B4-BE49-F238E27FC236}">
-                <a16:creationId xmlns:a16="http://schemas.microsoft.com/office/drawing/2014/main" xmlns="" id="{DD7D355A-CB8D-4499-AE0A-4CC4DCEB44A4}"/>
+                <a16:creationId xmlns:a16="http://schemas.microsoft.com/office/drawing/2014/main" id="{DD7D355A-CB8D-4499-AE0A-4CC4DCEB44A4}"/>
               </a:ext>
             </a:extLst>
           </p:cNvPr>
@@ -2460,7 +2473,7 @@
           <p:cNvPr id="4" name="Foliennummernplatzhalter 3">
             <a:extLst>
               <a:ext uri="{FF2B5EF4-FFF2-40B4-BE49-F238E27FC236}">
-                <a16:creationId xmlns:a16="http://schemas.microsoft.com/office/drawing/2014/main" xmlns="" id="{7B1D3269-2BBD-4D21-9ED2-63A4A8EF25E2}"/>
+                <a16:creationId xmlns:a16="http://schemas.microsoft.com/office/drawing/2014/main" id="{7B1D3269-2BBD-4D21-9ED2-63A4A8EF25E2}"/>
               </a:ext>
             </a:extLst>
           </p:cNvPr>
@@ -2519,7 +2532,7 @@
           <p:cNvPr id="2" name="Titel 1">
             <a:extLst>
               <a:ext uri="{FF2B5EF4-FFF2-40B4-BE49-F238E27FC236}">
-                <a16:creationId xmlns:a16="http://schemas.microsoft.com/office/drawing/2014/main" xmlns="" id="{FC581F52-3975-4FA9-BE96-EA8D3B624852}"/>
+                <a16:creationId xmlns:a16="http://schemas.microsoft.com/office/drawing/2014/main" id="{FC581F52-3975-4FA9-BE96-EA8D3B624852}"/>
               </a:ext>
             </a:extLst>
           </p:cNvPr>
@@ -2556,7 +2569,7 @@
           <p:cNvPr id="3" name="Inhaltsplatzhalter 2">
             <a:extLst>
               <a:ext uri="{FF2B5EF4-FFF2-40B4-BE49-F238E27FC236}">
-                <a16:creationId xmlns:a16="http://schemas.microsoft.com/office/drawing/2014/main" xmlns="" id="{B2B3924E-2414-4C48-B3B7-7E2E3E486192}"/>
+                <a16:creationId xmlns:a16="http://schemas.microsoft.com/office/drawing/2014/main" id="{B2B3924E-2414-4C48-B3B7-7E2E3E486192}"/>
               </a:ext>
             </a:extLst>
           </p:cNvPr>
@@ -2646,7 +2659,7 @@
           <p:cNvPr id="4" name="Textplatzhalter 3">
             <a:extLst>
               <a:ext uri="{FF2B5EF4-FFF2-40B4-BE49-F238E27FC236}">
-                <a16:creationId xmlns:a16="http://schemas.microsoft.com/office/drawing/2014/main" xmlns="" id="{EACB3FB2-A4A6-4FB2-9E14-A3CCD61D7A6B}"/>
+                <a16:creationId xmlns:a16="http://schemas.microsoft.com/office/drawing/2014/main" id="{EACB3FB2-A4A6-4FB2-9E14-A3CCD61D7A6B}"/>
               </a:ext>
             </a:extLst>
           </p:cNvPr>
@@ -2717,7 +2730,7 @@
           <p:cNvPr id="5" name="Datumsplatzhalter 4">
             <a:extLst>
               <a:ext uri="{FF2B5EF4-FFF2-40B4-BE49-F238E27FC236}">
-                <a16:creationId xmlns:a16="http://schemas.microsoft.com/office/drawing/2014/main" xmlns="" id="{68DACBD5-A2FF-427D-BEE8-CBCCD65F21C1}"/>
+                <a16:creationId xmlns:a16="http://schemas.microsoft.com/office/drawing/2014/main" id="{68DACBD5-A2FF-427D-BEE8-CBCCD65F21C1}"/>
               </a:ext>
             </a:extLst>
           </p:cNvPr>
@@ -2746,7 +2759,7 @@
           <p:cNvPr id="6" name="Fußzeilenplatzhalter 5">
             <a:extLst>
               <a:ext uri="{FF2B5EF4-FFF2-40B4-BE49-F238E27FC236}">
-                <a16:creationId xmlns:a16="http://schemas.microsoft.com/office/drawing/2014/main" xmlns="" id="{F324C1D6-78A1-4233-A09E-EED18A6B2CB5}"/>
+                <a16:creationId xmlns:a16="http://schemas.microsoft.com/office/drawing/2014/main" id="{F324C1D6-78A1-4233-A09E-EED18A6B2CB5}"/>
               </a:ext>
             </a:extLst>
           </p:cNvPr>
@@ -2771,7 +2784,7 @@
           <p:cNvPr id="7" name="Foliennummernplatzhalter 6">
             <a:extLst>
               <a:ext uri="{FF2B5EF4-FFF2-40B4-BE49-F238E27FC236}">
-                <a16:creationId xmlns:a16="http://schemas.microsoft.com/office/drawing/2014/main" xmlns="" id="{57FCC88B-313F-462C-8A6B-C2773BB05502}"/>
+                <a16:creationId xmlns:a16="http://schemas.microsoft.com/office/drawing/2014/main" id="{57FCC88B-313F-462C-8A6B-C2773BB05502}"/>
               </a:ext>
             </a:extLst>
           </p:cNvPr>
@@ -2830,7 +2843,7 @@
           <p:cNvPr id="2" name="Titel 1">
             <a:extLst>
               <a:ext uri="{FF2B5EF4-FFF2-40B4-BE49-F238E27FC236}">
-                <a16:creationId xmlns:a16="http://schemas.microsoft.com/office/drawing/2014/main" xmlns="" id="{36D56AF7-C3AD-4830-976E-4C6B44708D36}"/>
+                <a16:creationId xmlns:a16="http://schemas.microsoft.com/office/drawing/2014/main" id="{36D56AF7-C3AD-4830-976E-4C6B44708D36}"/>
               </a:ext>
             </a:extLst>
           </p:cNvPr>
@@ -2867,7 +2880,7 @@
           <p:cNvPr id="3" name="Bildplatzhalter 2">
             <a:extLst>
               <a:ext uri="{FF2B5EF4-FFF2-40B4-BE49-F238E27FC236}">
-                <a16:creationId xmlns:a16="http://schemas.microsoft.com/office/drawing/2014/main" xmlns="" id="{435E9458-5F05-4CCD-9FEA-EBC19D05FF0E}"/>
+                <a16:creationId xmlns:a16="http://schemas.microsoft.com/office/drawing/2014/main" id="{435E9458-5F05-4CCD-9FEA-EBC19D05FF0E}"/>
               </a:ext>
             </a:extLst>
           </p:cNvPr>
@@ -2934,7 +2947,7 @@
           <p:cNvPr id="4" name="Textplatzhalter 3">
             <a:extLst>
               <a:ext uri="{FF2B5EF4-FFF2-40B4-BE49-F238E27FC236}">
-                <a16:creationId xmlns:a16="http://schemas.microsoft.com/office/drawing/2014/main" xmlns="" id="{EC51E862-2DF8-47BB-A6EE-139F7BF9622E}"/>
+                <a16:creationId xmlns:a16="http://schemas.microsoft.com/office/drawing/2014/main" id="{EC51E862-2DF8-47BB-A6EE-139F7BF9622E}"/>
               </a:ext>
             </a:extLst>
           </p:cNvPr>
@@ -3005,7 +3018,7 @@
           <p:cNvPr id="5" name="Datumsplatzhalter 4">
             <a:extLst>
               <a:ext uri="{FF2B5EF4-FFF2-40B4-BE49-F238E27FC236}">
-                <a16:creationId xmlns:a16="http://schemas.microsoft.com/office/drawing/2014/main" xmlns="" id="{FF3A1578-36AE-488E-9122-1279759930C1}"/>
+                <a16:creationId xmlns:a16="http://schemas.microsoft.com/office/drawing/2014/main" id="{FF3A1578-36AE-488E-9122-1279759930C1}"/>
               </a:ext>
             </a:extLst>
           </p:cNvPr>
@@ -3034,7 +3047,7 @@
           <p:cNvPr id="6" name="Fußzeilenplatzhalter 5">
             <a:extLst>
               <a:ext uri="{FF2B5EF4-FFF2-40B4-BE49-F238E27FC236}">
-                <a16:creationId xmlns:a16="http://schemas.microsoft.com/office/drawing/2014/main" xmlns="" id="{38CC6F54-CEE8-43AF-904C-CF6ED15DDE85}"/>
+                <a16:creationId xmlns:a16="http://schemas.microsoft.com/office/drawing/2014/main" id="{38CC6F54-CEE8-43AF-904C-CF6ED15DDE85}"/>
               </a:ext>
             </a:extLst>
           </p:cNvPr>
@@ -3059,7 +3072,7 @@
           <p:cNvPr id="7" name="Foliennummernplatzhalter 6">
             <a:extLst>
               <a:ext uri="{FF2B5EF4-FFF2-40B4-BE49-F238E27FC236}">
-                <a16:creationId xmlns:a16="http://schemas.microsoft.com/office/drawing/2014/main" xmlns="" id="{04163E62-E78C-4DF5-829A-8C56EBD64B61}"/>
+                <a16:creationId xmlns:a16="http://schemas.microsoft.com/office/drawing/2014/main" id="{04163E62-E78C-4DF5-829A-8C56EBD64B61}"/>
               </a:ext>
             </a:extLst>
           </p:cNvPr>
@@ -3123,7 +3136,7 @@
           <p:cNvPr id="2" name="Titelplatzhalter 1">
             <a:extLst>
               <a:ext uri="{FF2B5EF4-FFF2-40B4-BE49-F238E27FC236}">
-                <a16:creationId xmlns:a16="http://schemas.microsoft.com/office/drawing/2014/main" xmlns="" id="{038250E5-2EEE-4B85-9DDD-569F4D393367}"/>
+                <a16:creationId xmlns:a16="http://schemas.microsoft.com/office/drawing/2014/main" id="{038250E5-2EEE-4B85-9DDD-569F4D393367}"/>
               </a:ext>
             </a:extLst>
           </p:cNvPr>
@@ -3161,7 +3174,7 @@
           <p:cNvPr id="3" name="Textplatzhalter 2">
             <a:extLst>
               <a:ext uri="{FF2B5EF4-FFF2-40B4-BE49-F238E27FC236}">
-                <a16:creationId xmlns:a16="http://schemas.microsoft.com/office/drawing/2014/main" xmlns="" id="{75D71823-059B-41EF-ADCD-F97848171804}"/>
+                <a16:creationId xmlns:a16="http://schemas.microsoft.com/office/drawing/2014/main" id="{75D71823-059B-41EF-ADCD-F97848171804}"/>
               </a:ext>
             </a:extLst>
           </p:cNvPr>
@@ -3228,7 +3241,7 @@
           <p:cNvPr id="4" name="Datumsplatzhalter 3">
             <a:extLst>
               <a:ext uri="{FF2B5EF4-FFF2-40B4-BE49-F238E27FC236}">
-                <a16:creationId xmlns:a16="http://schemas.microsoft.com/office/drawing/2014/main" xmlns="" id="{8C5047C6-EFE3-4D48-9F8F-85BD94BD0CC1}"/>
+                <a16:creationId xmlns:a16="http://schemas.microsoft.com/office/drawing/2014/main" id="{8C5047C6-EFE3-4D48-9F8F-85BD94BD0CC1}"/>
               </a:ext>
             </a:extLst>
           </p:cNvPr>
@@ -3275,7 +3288,7 @@
           <p:cNvPr id="5" name="Fußzeilenplatzhalter 4">
             <a:extLst>
               <a:ext uri="{FF2B5EF4-FFF2-40B4-BE49-F238E27FC236}">
-                <a16:creationId xmlns:a16="http://schemas.microsoft.com/office/drawing/2014/main" xmlns="" id="{C6D49610-A521-47A8-925A-834A5755960D}"/>
+                <a16:creationId xmlns:a16="http://schemas.microsoft.com/office/drawing/2014/main" id="{C6D49610-A521-47A8-925A-834A5755960D}"/>
               </a:ext>
             </a:extLst>
           </p:cNvPr>
@@ -3318,7 +3331,7 @@
           <p:cNvPr id="6" name="Foliennummernplatzhalter 5">
             <a:extLst>
               <a:ext uri="{FF2B5EF4-FFF2-40B4-BE49-F238E27FC236}">
-                <a16:creationId xmlns:a16="http://schemas.microsoft.com/office/drawing/2014/main" xmlns="" id="{0CA0158B-9358-45E7-B1BC-2FF34922E41B}"/>
+                <a16:creationId xmlns:a16="http://schemas.microsoft.com/office/drawing/2014/main" id="{0CA0158B-9358-45E7-B1BC-2FF34922E41B}"/>
               </a:ext>
             </a:extLst>
           </p:cNvPr>
@@ -3694,7 +3707,7 @@
           <p:cNvPr id="1026" name="Picture 2" descr="Bildergebnis für fahrradständer">
             <a:extLst>
               <a:ext uri="{FF2B5EF4-FFF2-40B4-BE49-F238E27FC236}">
-                <a16:creationId xmlns:a16="http://schemas.microsoft.com/office/drawing/2014/main" xmlns="" id="{792280B7-AEC4-481F-8D58-8FB19678E52B}"/>
+                <a16:creationId xmlns:a16="http://schemas.microsoft.com/office/drawing/2014/main" id="{792280B7-AEC4-481F-8D58-8FB19678E52B}"/>
               </a:ext>
             </a:extLst>
           </p:cNvPr>
@@ -3740,7 +3753,7 @@
           <p:cNvPr id="2" name="Titel 1">
             <a:extLst>
               <a:ext uri="{FF2B5EF4-FFF2-40B4-BE49-F238E27FC236}">
-                <a16:creationId xmlns:a16="http://schemas.microsoft.com/office/drawing/2014/main" xmlns="" id="{E73663B4-6BAC-47AA-905A-0ABF56EAEB5B}"/>
+                <a16:creationId xmlns:a16="http://schemas.microsoft.com/office/drawing/2014/main" id="{E73663B4-6BAC-47AA-905A-0ABF56EAEB5B}"/>
               </a:ext>
             </a:extLst>
           </p:cNvPr>
@@ -3772,18 +3785,7 @@
                   </a:schemeClr>
                 </a:solidFill>
               </a:rPr>
-              <a:t>s</a:t>
-            </a:r>
-            <a:r>
-              <a:rPr lang="de-DE" sz="20000" b="1" u="sng" dirty="0" err="1" smtClean="0">
-                <a:solidFill>
-                  <a:schemeClr val="accent3">
-                    <a:lumMod val="40000"/>
-                    <a:lumOff val="60000"/>
-                  </a:schemeClr>
-                </a:solidFill>
-              </a:rPr>
-              <a:t>mike</a:t>
+              <a:t>smike</a:t>
             </a:r>
             <a:endParaRPr lang="de-DE" sz="20000" b="1" u="sng" dirty="0">
               <a:solidFill>
@@ -3801,7 +3803,7 @@
           <p:cNvPr id="3" name="Textfeld 2">
             <a:extLst>
               <a:ext uri="{FF2B5EF4-FFF2-40B4-BE49-F238E27FC236}">
-                <a16:creationId xmlns:a16="http://schemas.microsoft.com/office/drawing/2014/main" xmlns="" id="{81F2CB6C-03B8-4E0B-9157-5F801F5E3261}"/>
+                <a16:creationId xmlns:a16="http://schemas.microsoft.com/office/drawing/2014/main" id="{81F2CB6C-03B8-4E0B-9157-5F801F5E3261}"/>
               </a:ext>
             </a:extLst>
           </p:cNvPr>
@@ -3837,7 +3839,7 @@
           <p:cNvPr id="4" name="Textfeld 3">
             <a:extLst>
               <a:ext uri="{FF2B5EF4-FFF2-40B4-BE49-F238E27FC236}">
-                <a16:creationId xmlns:a16="http://schemas.microsoft.com/office/drawing/2014/main" xmlns="" id="{EED29B05-1A10-40AC-B4B2-DE62BDC67DED}"/>
+                <a16:creationId xmlns:a16="http://schemas.microsoft.com/office/drawing/2014/main" id="{EED29B05-1A10-40AC-B4B2-DE62BDC67DED}"/>
               </a:ext>
             </a:extLst>
           </p:cNvPr>
@@ -3923,7 +3925,7 @@
           <p:cNvPr id="2" name="Titel 1">
             <a:extLst>
               <a:ext uri="{FF2B5EF4-FFF2-40B4-BE49-F238E27FC236}">
-                <a16:creationId xmlns:a16="http://schemas.microsoft.com/office/drawing/2014/main" xmlns="" id="{A482CD03-B230-489F-890D-443D831ED384}"/>
+                <a16:creationId xmlns:a16="http://schemas.microsoft.com/office/drawing/2014/main" id="{A482CD03-B230-489F-890D-443D831ED384}"/>
               </a:ext>
             </a:extLst>
           </p:cNvPr>
@@ -3959,10 +3961,10 @@
           <p:cNvPr id="1032" name="Straight Arrow Connector 74">
             <a:extLst>
               <a:ext uri="{FF2B5EF4-FFF2-40B4-BE49-F238E27FC236}">
-                <a16:creationId xmlns:a16="http://schemas.microsoft.com/office/drawing/2014/main" xmlns="" id="{E4A809D5-3600-46D4-A466-67F2349A54FB}"/>
+                <a16:creationId xmlns:a16="http://schemas.microsoft.com/office/drawing/2014/main" id="{E4A809D5-3600-46D4-A466-67F2349A54FB}"/>
               </a:ext>
               <a:ext uri="{C183D7F6-B498-43B3-948B-1728B52AA6E4}">
-                <adec:decorative xmlns:adec="http://schemas.microsoft.com/office/drawing/2017/decorative" xmlns="" val="1"/>
+                <adec:decorative xmlns:adec="http://schemas.microsoft.com/office/drawing/2017/decorative" val="1"/>
               </a:ext>
             </a:extLst>
           </p:cNvPr>
@@ -3972,7 +3974,7 @@
           <p:nvPr>
             <p:extLst>
               <p:ext uri="{386F3935-93C4-4BCD-93E2-E3B085C9AB24}">
-                <p16:designElem xmlns:p16="http://schemas.microsoft.com/office/powerpoint/2015/main" xmlns="" val="1"/>
+                <p16:designElem xmlns:p16="http://schemas.microsoft.com/office/powerpoint/2015/main" val="1"/>
               </p:ext>
             </p:extLst>
           </p:nvPr>
@@ -4012,7 +4014,7 @@
           <p:cNvPr id="1030" name="Content Placeholder 1029">
             <a:extLst>
               <a:ext uri="{FF2B5EF4-FFF2-40B4-BE49-F238E27FC236}">
-                <a16:creationId xmlns:a16="http://schemas.microsoft.com/office/drawing/2014/main" xmlns="" id="{75982306-A9B4-4C78-B207-89054A27426E}"/>
+                <a16:creationId xmlns:a16="http://schemas.microsoft.com/office/drawing/2014/main" id="{75982306-A9B4-4C78-B207-89054A27426E}"/>
               </a:ext>
             </a:extLst>
           </p:cNvPr>
@@ -4109,7 +4111,7 @@
           <p:cNvPr id="1026" name="Picture 2" descr="Bildergebnis für Volle  Fahrradständer">
             <a:extLst>
               <a:ext uri="{FF2B5EF4-FFF2-40B4-BE49-F238E27FC236}">
-                <a16:creationId xmlns:a16="http://schemas.microsoft.com/office/drawing/2014/main" xmlns="" id="{53AADD87-C5EF-4644-8F90-8E26A4B08BC6}"/>
+                <a16:creationId xmlns:a16="http://schemas.microsoft.com/office/drawing/2014/main" id="{53AADD87-C5EF-4644-8F90-8E26A4B08BC6}"/>
               </a:ext>
             </a:extLst>
           </p:cNvPr>
@@ -4263,10 +4265,10 @@
           <p:cNvPr id="73" name="Rectangle 72">
             <a:extLst>
               <a:ext uri="{FF2B5EF4-FFF2-40B4-BE49-F238E27FC236}">
-                <a16:creationId xmlns:a16="http://schemas.microsoft.com/office/drawing/2014/main" xmlns="" id="{4038CB10-1F5C-4D54-9DF7-12586DE5B007}"/>
+                <a16:creationId xmlns:a16="http://schemas.microsoft.com/office/drawing/2014/main" id="{4038CB10-1F5C-4D54-9DF7-12586DE5B007}"/>
               </a:ext>
               <a:ext uri="{C183D7F6-B498-43B3-948B-1728B52AA6E4}">
-                <adec:decorative xmlns:adec="http://schemas.microsoft.com/office/drawing/2017/decorative" xmlns="" val="1"/>
+                <adec:decorative xmlns:adec="http://schemas.microsoft.com/office/drawing/2017/decorative" val="1"/>
               </a:ext>
             </a:extLst>
           </p:cNvPr>
@@ -4276,7 +4278,7 @@
           <p:nvPr>
             <p:extLst>
               <p:ext uri="{386F3935-93C4-4BCD-93E2-E3B085C9AB24}">
-                <p16:designElem xmlns:p16="http://schemas.microsoft.com/office/powerpoint/2015/main" xmlns="" val="1"/>
+                <p16:designElem xmlns:p16="http://schemas.microsoft.com/office/powerpoint/2015/main" val="1"/>
               </p:ext>
             </p:extLst>
           </p:nvPr>
@@ -4355,7 +4357,7 @@
           <p:cNvPr id="2" name="Titel 1">
             <a:extLst>
               <a:ext uri="{FF2B5EF4-FFF2-40B4-BE49-F238E27FC236}">
-                <a16:creationId xmlns:a16="http://schemas.microsoft.com/office/drawing/2014/main" xmlns="" id="{C0096E31-A51A-43AF-9593-FFB68F3E73A5}"/>
+                <a16:creationId xmlns:a16="http://schemas.microsoft.com/office/drawing/2014/main" id="{C0096E31-A51A-43AF-9593-FFB68F3E73A5}"/>
               </a:ext>
             </a:extLst>
           </p:cNvPr>
@@ -4395,10 +4397,10 @@
           <p:cNvPr id="75" name="Rectangle 74">
             <a:extLst>
               <a:ext uri="{FF2B5EF4-FFF2-40B4-BE49-F238E27FC236}">
-                <a16:creationId xmlns:a16="http://schemas.microsoft.com/office/drawing/2014/main" xmlns="" id="{73ED6512-6858-4552-B699-9A97FE9A4EA2}"/>
+                <a16:creationId xmlns:a16="http://schemas.microsoft.com/office/drawing/2014/main" id="{73ED6512-6858-4552-B699-9A97FE9A4EA2}"/>
               </a:ext>
               <a:ext uri="{C183D7F6-B498-43B3-948B-1728B52AA6E4}">
-                <adec:decorative xmlns:adec="http://schemas.microsoft.com/office/drawing/2017/decorative" xmlns="" val="1"/>
+                <adec:decorative xmlns:adec="http://schemas.microsoft.com/office/drawing/2017/decorative" val="1"/>
               </a:ext>
             </a:extLst>
           </p:cNvPr>
@@ -4408,7 +4410,7 @@
           <p:nvPr>
             <p:extLst>
               <p:ext uri="{386F3935-93C4-4BCD-93E2-E3B085C9AB24}">
-                <p16:designElem xmlns:p16="http://schemas.microsoft.com/office/powerpoint/2015/main" xmlns="" val="1"/>
+                <p16:designElem xmlns:p16="http://schemas.microsoft.com/office/powerpoint/2015/main" val="1"/>
               </p:ext>
             </p:extLst>
           </p:nvPr>
@@ -4487,7 +4489,7 @@
           <p:cNvPr id="2054" name="Content Placeholder 2053">
             <a:extLst>
               <a:ext uri="{FF2B5EF4-FFF2-40B4-BE49-F238E27FC236}">
-                <a16:creationId xmlns:a16="http://schemas.microsoft.com/office/drawing/2014/main" xmlns="" id="{FD124D06-5469-4B17-851A-5917A2B5EF1D}"/>
+                <a16:creationId xmlns:a16="http://schemas.microsoft.com/office/drawing/2014/main" id="{FD124D06-5469-4B17-851A-5917A2B5EF1D}"/>
               </a:ext>
             </a:extLst>
           </p:cNvPr>
@@ -4529,7 +4531,7 @@
           <p:cNvPr id="5" name="Gerade Verbindung mit Pfeil 4">
             <a:extLst>
               <a:ext uri="{FF2B5EF4-FFF2-40B4-BE49-F238E27FC236}">
-                <a16:creationId xmlns:a16="http://schemas.microsoft.com/office/drawing/2014/main" xmlns="" id="{217EAFD5-E22D-4D4D-B533-BD770401113E}"/>
+                <a16:creationId xmlns:a16="http://schemas.microsoft.com/office/drawing/2014/main" id="{217EAFD5-E22D-4D4D-B533-BD770401113E}"/>
               </a:ext>
             </a:extLst>
           </p:cNvPr>
@@ -4581,7 +4583,7 @@
           <p:cNvPr id="8" name="Textfeld 7">
             <a:extLst>
               <a:ext uri="{FF2B5EF4-FFF2-40B4-BE49-F238E27FC236}">
-                <a16:creationId xmlns:a16="http://schemas.microsoft.com/office/drawing/2014/main" xmlns="" id="{55647A7C-7509-4FF4-8B41-D4997FEDB3F7}"/>
+                <a16:creationId xmlns:a16="http://schemas.microsoft.com/office/drawing/2014/main" id="{55647A7C-7509-4FF4-8B41-D4997FEDB3F7}"/>
               </a:ext>
             </a:extLst>
           </p:cNvPr>
@@ -4620,7 +4622,7 @@
           <p:cNvPr id="10" name="Gerade Verbindung mit Pfeil 9">
             <a:extLst>
               <a:ext uri="{FF2B5EF4-FFF2-40B4-BE49-F238E27FC236}">
-                <a16:creationId xmlns:a16="http://schemas.microsoft.com/office/drawing/2014/main" xmlns="" id="{B2D5A565-6DB8-4F82-A555-B55D54134539}"/>
+                <a16:creationId xmlns:a16="http://schemas.microsoft.com/office/drawing/2014/main" id="{B2D5A565-6DB8-4F82-A555-B55D54134539}"/>
               </a:ext>
             </a:extLst>
           </p:cNvPr>
@@ -4672,7 +4674,7 @@
           <p:cNvPr id="12" name="Textfeld 11">
             <a:extLst>
               <a:ext uri="{FF2B5EF4-FFF2-40B4-BE49-F238E27FC236}">
-                <a16:creationId xmlns:a16="http://schemas.microsoft.com/office/drawing/2014/main" xmlns="" id="{AA3945D2-B06D-496B-AFB6-2E4042B06684}"/>
+                <a16:creationId xmlns:a16="http://schemas.microsoft.com/office/drawing/2014/main" id="{AA3945D2-B06D-496B-AFB6-2E4042B06684}"/>
               </a:ext>
             </a:extLst>
           </p:cNvPr>
@@ -4712,7 +4714,7 @@
           <p:cNvPr id="2052" name="Picture 4" descr="Bildergebnis für Parkplatzanzeige">
             <a:extLst>
               <a:ext uri="{FF2B5EF4-FFF2-40B4-BE49-F238E27FC236}">
-                <a16:creationId xmlns:a16="http://schemas.microsoft.com/office/drawing/2014/main" xmlns="" id="{2AE19BB4-B7BB-41CC-9DB1-49D42D635D3A}"/>
+                <a16:creationId xmlns:a16="http://schemas.microsoft.com/office/drawing/2014/main" id="{2AE19BB4-B7BB-41CC-9DB1-49D42D635D3A}"/>
               </a:ext>
             </a:extLst>
           </p:cNvPr>
@@ -4797,7 +4799,7 @@
           <p:cNvPr id="3074" name="Picture 2" descr="Bildergebnis für Server">
             <a:extLst>
               <a:ext uri="{FF2B5EF4-FFF2-40B4-BE49-F238E27FC236}">
-                <a16:creationId xmlns:a16="http://schemas.microsoft.com/office/drawing/2014/main" xmlns="" id="{475D5A10-1B58-4A42-A25E-0C3F05290EA2}"/>
+                <a16:creationId xmlns:a16="http://schemas.microsoft.com/office/drawing/2014/main" id="{475D5A10-1B58-4A42-A25E-0C3F05290EA2}"/>
               </a:ext>
             </a:extLst>
           </p:cNvPr>
@@ -4846,7 +4848,7 @@
           <p:cNvPr id="3076" name="Picture 4" descr="Bildergebnis für fahrradständer">
             <a:extLst>
               <a:ext uri="{FF2B5EF4-FFF2-40B4-BE49-F238E27FC236}">
-                <a16:creationId xmlns:a16="http://schemas.microsoft.com/office/drawing/2014/main" xmlns="" id="{7A6A785C-E355-424A-92B2-C4B3AB78B1DF}"/>
+                <a16:creationId xmlns:a16="http://schemas.microsoft.com/office/drawing/2014/main" id="{7A6A785C-E355-424A-92B2-C4B3AB78B1DF}"/>
               </a:ext>
             </a:extLst>
           </p:cNvPr>
@@ -4893,7 +4895,7 @@
           <p:cNvPr id="10" name="Gerade Verbindung mit Pfeil 9">
             <a:extLst>
               <a:ext uri="{FF2B5EF4-FFF2-40B4-BE49-F238E27FC236}">
-                <a16:creationId xmlns:a16="http://schemas.microsoft.com/office/drawing/2014/main" xmlns="" id="{B54AC8FD-23B9-434C-9A41-C0CE24C5D4D3}"/>
+                <a16:creationId xmlns:a16="http://schemas.microsoft.com/office/drawing/2014/main" id="{B54AC8FD-23B9-434C-9A41-C0CE24C5D4D3}"/>
               </a:ext>
             </a:extLst>
           </p:cNvPr>
@@ -4944,7 +4946,7 @@
           <p:cNvPr id="3078" name="Picture 6" descr="Bildergebnis für smartphone">
             <a:extLst>
               <a:ext uri="{FF2B5EF4-FFF2-40B4-BE49-F238E27FC236}">
-                <a16:creationId xmlns:a16="http://schemas.microsoft.com/office/drawing/2014/main" xmlns="" id="{A66DB5B6-DBDA-4E7B-B42D-A9386CDF8C88}"/>
+                <a16:creationId xmlns:a16="http://schemas.microsoft.com/office/drawing/2014/main" id="{A66DB5B6-DBDA-4E7B-B42D-A9386CDF8C88}"/>
               </a:ext>
             </a:extLst>
           </p:cNvPr>
@@ -4991,7 +4993,7 @@
           <p:cNvPr id="12" name="Gerade Verbindung mit Pfeil 11">
             <a:extLst>
               <a:ext uri="{FF2B5EF4-FFF2-40B4-BE49-F238E27FC236}">
-                <a16:creationId xmlns:a16="http://schemas.microsoft.com/office/drawing/2014/main" xmlns="" id="{74094A7E-DFAC-495B-B345-5F9F493230BC}"/>
+                <a16:creationId xmlns:a16="http://schemas.microsoft.com/office/drawing/2014/main" id="{74094A7E-DFAC-495B-B345-5F9F493230BC}"/>
               </a:ext>
             </a:extLst>
           </p:cNvPr>
@@ -5040,7 +5042,7 @@
           <p:cNvPr id="3080" name="Picture 8" descr="Bildergebnis für Parkplatzanzeige">
             <a:extLst>
               <a:ext uri="{FF2B5EF4-FFF2-40B4-BE49-F238E27FC236}">
-                <a16:creationId xmlns:a16="http://schemas.microsoft.com/office/drawing/2014/main" xmlns="" id="{1B41B3E9-79C3-4481-991A-26CD7735A1E4}"/>
+                <a16:creationId xmlns:a16="http://schemas.microsoft.com/office/drawing/2014/main" id="{1B41B3E9-79C3-4481-991A-26CD7735A1E4}"/>
               </a:ext>
             </a:extLst>
           </p:cNvPr>
@@ -5087,7 +5089,7 @@
           <p:cNvPr id="14" name="Gerade Verbindung mit Pfeil 13">
             <a:extLst>
               <a:ext uri="{FF2B5EF4-FFF2-40B4-BE49-F238E27FC236}">
-                <a16:creationId xmlns:a16="http://schemas.microsoft.com/office/drawing/2014/main" xmlns="" id="{8464FE05-F143-47FD-822F-F783EF390E50}"/>
+                <a16:creationId xmlns:a16="http://schemas.microsoft.com/office/drawing/2014/main" id="{8464FE05-F143-47FD-822F-F783EF390E50}"/>
               </a:ext>
             </a:extLst>
           </p:cNvPr>
@@ -5136,7 +5138,7 @@
           <p:cNvPr id="15" name="Textfeld 14">
             <a:extLst>
               <a:ext uri="{FF2B5EF4-FFF2-40B4-BE49-F238E27FC236}">
-                <a16:creationId xmlns:a16="http://schemas.microsoft.com/office/drawing/2014/main" xmlns="" id="{54338B84-E115-447B-8D17-E744EEF6CC98}"/>
+                <a16:creationId xmlns:a16="http://schemas.microsoft.com/office/drawing/2014/main" id="{54338B84-E115-447B-8D17-E744EEF6CC98}"/>
               </a:ext>
             </a:extLst>
           </p:cNvPr>
@@ -5172,7 +5174,7 @@
           <p:cNvPr id="16" name="Textfeld 15">
             <a:extLst>
               <a:ext uri="{FF2B5EF4-FFF2-40B4-BE49-F238E27FC236}">
-                <a16:creationId xmlns:a16="http://schemas.microsoft.com/office/drawing/2014/main" xmlns="" id="{D16F8E7A-198C-413E-96F2-A5752B12E336}"/>
+                <a16:creationId xmlns:a16="http://schemas.microsoft.com/office/drawing/2014/main" id="{D16F8E7A-198C-413E-96F2-A5752B12E336}"/>
               </a:ext>
             </a:extLst>
           </p:cNvPr>
@@ -5208,7 +5210,7 @@
           <p:cNvPr id="17" name="Textfeld 16">
             <a:extLst>
               <a:ext uri="{FF2B5EF4-FFF2-40B4-BE49-F238E27FC236}">
-                <a16:creationId xmlns:a16="http://schemas.microsoft.com/office/drawing/2014/main" xmlns="" id="{8E7FAC09-EF65-49BA-BAAC-8A2456107294}"/>
+                <a16:creationId xmlns:a16="http://schemas.microsoft.com/office/drawing/2014/main" id="{8E7FAC09-EF65-49BA-BAAC-8A2456107294}"/>
               </a:ext>
             </a:extLst>
           </p:cNvPr>
@@ -5244,7 +5246,7 @@
           <p:cNvPr id="18" name="Textfeld 17">
             <a:extLst>
               <a:ext uri="{FF2B5EF4-FFF2-40B4-BE49-F238E27FC236}">
-                <a16:creationId xmlns:a16="http://schemas.microsoft.com/office/drawing/2014/main" xmlns="" id="{626C4439-B8E8-452C-A414-0F9F8A62E46D}"/>
+                <a16:creationId xmlns:a16="http://schemas.microsoft.com/office/drawing/2014/main" id="{626C4439-B8E8-452C-A414-0F9F8A62E46D}"/>
               </a:ext>
             </a:extLst>
           </p:cNvPr>
@@ -5280,7 +5282,7 @@
           <p:cNvPr id="2" name="Textfeld 1">
             <a:extLst>
               <a:ext uri="{FF2B5EF4-FFF2-40B4-BE49-F238E27FC236}">
-                <a16:creationId xmlns:a16="http://schemas.microsoft.com/office/drawing/2014/main" xmlns="" id="{99B44706-D2B4-4C8C-8F6C-5F001808A77E}"/>
+                <a16:creationId xmlns:a16="http://schemas.microsoft.com/office/drawing/2014/main" id="{99B44706-D2B4-4C8C-8F6C-5F001808A77E}"/>
               </a:ext>
             </a:extLst>
           </p:cNvPr>
@@ -5328,6 +5330,167 @@
     <p:extLst>
       <p:ext uri="{BB962C8B-B14F-4D97-AF65-F5344CB8AC3E}">
         <p14:creationId xmlns:p14="http://schemas.microsoft.com/office/powerpoint/2010/main" val="1523647669"/>
+      </p:ext>
+    </p:extLst>
+  </p:cSld>
+  <p:clrMapOvr>
+    <a:masterClrMapping/>
+  </p:clrMapOvr>
+</p:sld>
+</file>
+
+<file path=ppt/slides/slide5.xml><?xml version="1.0" encoding="utf-8"?>
+<p:sld xmlns:a="http://schemas.openxmlformats.org/drawingml/2006/main" xmlns:r="http://schemas.openxmlformats.org/officeDocument/2006/relationships" xmlns:p="http://schemas.openxmlformats.org/presentationml/2006/main">
+  <p:cSld>
+    <p:bg>
+      <p:bgPr>
+        <a:solidFill>
+          <a:schemeClr val="bg1"/>
+        </a:solidFill>
+        <a:effectLst/>
+      </p:bgPr>
+    </p:bg>
+    <p:spTree>
+      <p:nvGrpSpPr>
+        <p:cNvPr id="1" name=""/>
+        <p:cNvGrpSpPr/>
+        <p:nvPr/>
+      </p:nvGrpSpPr>
+      <p:grpSpPr>
+        <a:xfrm>
+          <a:off x="0" y="0"/>
+          <a:ext cx="0" cy="0"/>
+          <a:chOff x="0" y="0"/>
+          <a:chExt cx="0" cy="0"/>
+        </a:xfrm>
+      </p:grpSpPr>
+      <p:pic>
+        <p:nvPicPr>
+          <p:cNvPr id="5" name="Inhaltsplatzhalter 4" descr="Ein Bild, das Text, Karte enthält.&#10;&#10;Automatisch generierte Beschreibung">
+            <a:extLst>
+              <a:ext uri="{FF2B5EF4-FFF2-40B4-BE49-F238E27FC236}">
+                <a16:creationId xmlns:a16="http://schemas.microsoft.com/office/drawing/2014/main" id="{16837A02-3DE4-4E82-93EE-1655B9EA8740}"/>
+              </a:ext>
+            </a:extLst>
+          </p:cNvPr>
+          <p:cNvPicPr>
+            <a:picLocks noGrp="1" noChangeAspect="1"/>
+          </p:cNvPicPr>
+          <p:nvPr>
+            <p:ph idx="1"/>
+          </p:nvPr>
+        </p:nvPicPr>
+        <p:blipFill rotWithShape="1">
+          <a:blip r:embed="rId2">
+            <a:extLst>
+              <a:ext uri="{28A0092B-C50C-407E-A947-70E740481C1C}">
+                <a14:useLocalDpi xmlns:a14="http://schemas.microsoft.com/office/drawing/2010/main" val="0"/>
+              </a:ext>
+            </a:extLst>
+          </a:blip>
+          <a:srcRect t="2150" b="26421"/>
+          <a:stretch/>
+        </p:blipFill>
+        <p:spPr>
+          <a:xfrm>
+            <a:off x="20" y="10"/>
+            <a:ext cx="12191980" cy="6857990"/>
+          </a:xfrm>
+          <a:prstGeom prst="rect">
+            <a:avLst/>
+          </a:prstGeom>
+        </p:spPr>
+      </p:pic>
+    </p:spTree>
+    <p:extLst>
+      <p:ext uri="{BB962C8B-B14F-4D97-AF65-F5344CB8AC3E}">
+        <p14:creationId xmlns:p14="http://schemas.microsoft.com/office/powerpoint/2010/main" val="3114097396"/>
+      </p:ext>
+    </p:extLst>
+  </p:cSld>
+  <p:clrMapOvr>
+    <a:masterClrMapping/>
+  </p:clrMapOvr>
+</p:sld>
+</file>
+
+<file path=ppt/slides/slide6.xml><?xml version="1.0" encoding="utf-8"?>
+<p:sld xmlns:a="http://schemas.openxmlformats.org/drawingml/2006/main" xmlns:r="http://schemas.openxmlformats.org/officeDocument/2006/relationships" xmlns:p="http://schemas.openxmlformats.org/presentationml/2006/main">
+  <p:cSld>
+    <p:bg>
+      <p:bgPr>
+        <a:solidFill>
+          <a:schemeClr val="bg1"/>
+        </a:solidFill>
+        <a:effectLst/>
+      </p:bgPr>
+    </p:bg>
+    <p:spTree>
+      <p:nvGrpSpPr>
+        <p:cNvPr id="1" name=""/>
+        <p:cNvGrpSpPr/>
+        <p:nvPr/>
+      </p:nvGrpSpPr>
+      <p:grpSpPr>
+        <a:xfrm>
+          <a:off x="0" y="0"/>
+          <a:ext cx="0" cy="0"/>
+          <a:chOff x="0" y="0"/>
+          <a:chExt cx="0" cy="0"/>
+        </a:xfrm>
+      </p:grpSpPr>
+      <p:pic>
+        <p:nvPicPr>
+          <p:cNvPr id="1040" name="Picture 16" descr="Bildergebnis für danke für ihre aufmerksamkeit">
+            <a:extLst>
+              <a:ext uri="{FF2B5EF4-FFF2-40B4-BE49-F238E27FC236}">
+                <a16:creationId xmlns:a16="http://schemas.microsoft.com/office/drawing/2014/main" id="{84357163-1302-4BC4-ADD5-C834B3BD3F2D}"/>
+              </a:ext>
+            </a:extLst>
+          </p:cNvPr>
+          <p:cNvPicPr>
+            <a:picLocks noGrp="1" noChangeAspect="1" noChangeArrowheads="1"/>
+          </p:cNvPicPr>
+          <p:nvPr>
+            <p:ph idx="1"/>
+          </p:nvPr>
+        </p:nvPicPr>
+        <p:blipFill>
+          <a:blip r:embed="rId2">
+            <a:extLst>
+              <a:ext uri="{28A0092B-C50C-407E-A947-70E740481C1C}">
+                <a14:useLocalDpi xmlns:a14="http://schemas.microsoft.com/office/drawing/2010/main" val="0"/>
+              </a:ext>
+            </a:extLst>
+          </a:blip>
+          <a:stretch>
+            <a:fillRect/>
+          </a:stretch>
+        </p:blipFill>
+        <p:spPr bwMode="auto">
+          <a:xfrm>
+            <a:off x="2381955" y="643466"/>
+            <a:ext cx="7428089" cy="5571067"/>
+          </a:xfrm>
+          <a:prstGeom prst="rect">
+            <a:avLst/>
+          </a:prstGeom>
+          <a:noFill/>
+          <a:extLst>
+            <a:ext uri="{909E8E84-426E-40DD-AFC4-6F175D3DCCD1}">
+              <a14:hiddenFill xmlns:a14="http://schemas.microsoft.com/office/drawing/2010/main">
+                <a:solidFill>
+                  <a:srgbClr val="FFFFFF"/>
+                </a:solidFill>
+              </a14:hiddenFill>
+            </a:ext>
+          </a:extLst>
+        </p:spPr>
+      </p:pic>
+    </p:spTree>
+    <p:extLst>
+      <p:ext uri="{BB962C8B-B14F-4D97-AF65-F5344CB8AC3E}">
+        <p14:creationId xmlns:p14="http://schemas.microsoft.com/office/powerpoint/2010/main" val="2173219780"/>
       </p:ext>
     </p:extLst>
   </p:cSld>
@@ -5626,7 +5789,7 @@
   <a:extraClrSchemeLst/>
   <a:extLst>
     <a:ext uri="{05A4C25C-085E-4340-85A3-A5531E510DB2}">
-      <thm15:themeFamily xmlns:thm15="http://schemas.microsoft.com/office/thememl/2012/main" xmlns="" name="Office Theme" id="{62F939B6-93AF-4DB8-9C6B-D6C7DFDC589F}" vid="{4A3C46E8-61CC-4603-A589-7422A47A8E4A}"/>
+      <thm15:themeFamily xmlns:thm15="http://schemas.microsoft.com/office/thememl/2012/main" name="Office Theme" id="{62F939B6-93AF-4DB8-9C6B-D6C7DFDC589F}" vid="{4A3C46E8-61CC-4603-A589-7422A47A8E4A}"/>
     </a:ext>
   </a:extLst>
 </a:theme>
@@ -5921,7 +6084,7 @@
   <a:extraClrSchemeLst/>
   <a:extLst>
     <a:ext uri="{05A4C25C-085E-4340-85A3-A5531E510DB2}">
-      <thm15:themeFamily xmlns:thm15="http://schemas.microsoft.com/office/thememl/2012/main" xmlns="" name="Office Theme" id="{62F939B6-93AF-4DB8-9C6B-D6C7DFDC589F}" vid="{4A3C46E8-61CC-4603-A589-7422A47A8E4A}"/>
+      <thm15:themeFamily xmlns:thm15="http://schemas.microsoft.com/office/thememl/2012/main" name="Office Theme" id="{62F939B6-93AF-4DB8-9C6B-D6C7DFDC589F}" vid="{4A3C46E8-61CC-4603-A589-7422A47A8E4A}"/>
     </a:ext>
   </a:extLst>
 </a:theme>
